--- a/translations/en-us/tablet/beginner/PortView.pptx
+++ b/translations/en-us/tablet/beginner/PortView.pptx
@@ -4,22 +4,24 @@
   <p:sldMasterIdLst>
     <p:sldMasterId id="2147483726" r:id="rId1"/>
     <p:sldMasterId id="2147483738" r:id="rId2"/>
+    <p:sldMasterId id="2147483750" r:id="rId3"/>
+    <p:sldMasterId id="2147483762" r:id="rId4"/>
   </p:sldMasterIdLst>
   <p:notesMasterIdLst>
-    <p:notesMasterId r:id="rId11"/>
+    <p:notesMasterId r:id="rId13"/>
   </p:notesMasterIdLst>
   <p:handoutMasterIdLst>
-    <p:handoutMasterId r:id="rId12"/>
+    <p:handoutMasterId r:id="rId14"/>
   </p:handoutMasterIdLst>
   <p:sldIdLst>
-    <p:sldId id="415" r:id="rId3"/>
-    <p:sldId id="407" r:id="rId4"/>
-    <p:sldId id="408" r:id="rId5"/>
-    <p:sldId id="409" r:id="rId6"/>
-    <p:sldId id="410" r:id="rId7"/>
-    <p:sldId id="414" r:id="rId8"/>
-    <p:sldId id="411" r:id="rId9"/>
-    <p:sldId id="404" r:id="rId10"/>
+    <p:sldId id="416" r:id="rId5"/>
+    <p:sldId id="407" r:id="rId6"/>
+    <p:sldId id="408" r:id="rId7"/>
+    <p:sldId id="409" r:id="rId8"/>
+    <p:sldId id="410" r:id="rId9"/>
+    <p:sldId id="414" r:id="rId10"/>
+    <p:sldId id="411" r:id="rId11"/>
+    <p:sldId id="404" r:id="rId12"/>
   </p:sldIdLst>
   <p:sldSz cx="9144000" cy="6858000" type="screen4x3"/>
   <p:notesSz cx="6858000" cy="9144000"/>
@@ -219,7 +221,7 @@
           <a:p>
             <a:fld id="{F8D9B3D7-15CB-9343-AA49-EFB5A8F33F18}" type="datetimeFigureOut">
               <a:rPr lang="en-US" smtClean="0"/>
-              <a:t>7/19/16</a:t>
+              <a:t>7/26/16</a:t>
             </a:fld>
             <a:endParaRPr lang="en-US"/>
           </a:p>
@@ -385,7 +387,7 @@
           <a:p>
             <a:fld id="{FD3EFF1E-85A1-6640-AFB9-C38833E80A84}" type="datetimeFigureOut">
               <a:rPr lang="en-US" smtClean="0"/>
-              <a:t>7/19/16</a:t>
+              <a:t>7/26/16</a:t>
             </a:fld>
             <a:endParaRPr lang="en-US"/>
           </a:p>
@@ -1058,7 +1060,7 @@
           <a:p>
             <a:fld id="{5B02A542-A347-7C4E-84B7-C69E7B921E8E}" type="datetime1">
               <a:rPr lang="en-US" smtClean="0"/>
-              <a:t>7/19/16</a:t>
+              <a:t>7/26/16</a:t>
             </a:fld>
             <a:endParaRPr lang="en-US"/>
           </a:p>
@@ -1620,7 +1622,7 @@
           <a:p>
             <a:fld id="{D870FF91-69EB-A04C-9075-744B7A39257F}" type="datetime1">
               <a:rPr lang="en-US" smtClean="0"/>
-              <a:t>7/19/16</a:t>
+              <a:t>7/26/16</a:t>
             </a:fld>
             <a:endParaRPr lang="en-US"/>
           </a:p>
@@ -1812,7 +1814,7 @@
           <a:p>
             <a:fld id="{C5531555-486E-2642-8608-DCAD4EE13C81}" type="datetime1">
               <a:rPr lang="en-US" smtClean="0"/>
-              <a:t>7/19/16</a:t>
+              <a:t>7/26/16</a:t>
             </a:fld>
             <a:endParaRPr lang="en-US"/>
           </a:p>
@@ -2016,7 +2018,7 @@
           <a:p>
             <a:fld id="{FCA57077-4167-6949-9D33-F7A9E1AAFA08}" type="datetime1">
               <a:rPr lang="en-US" smtClean="0"/>
-              <a:t>7/19/16</a:t>
+              <a:t>7/26/16</a:t>
             </a:fld>
             <a:endParaRPr lang="en-US"/>
           </a:p>
@@ -2190,7 +2192,7 @@
           <a:p>
             <a:fld id="{9259E369-0BA0-8946-82A6-1B094D310696}" type="datetime1">
               <a:rPr lang="en-US" smtClean="0"/>
-              <a:t>7/19/16</a:t>
+              <a:t>7/26/16</a:t>
             </a:fld>
             <a:endParaRPr lang="en-US"/>
           </a:p>
@@ -2440,7 +2442,7 @@
           <a:p>
             <a:fld id="{53EA75C8-F4B1-E544-9592-442E77C43C21}" type="datetime1">
               <a:rPr lang="en-US" smtClean="0"/>
-              <a:t>7/19/16</a:t>
+              <a:t>7/26/16</a:t>
             </a:fld>
             <a:endParaRPr lang="en-US"/>
           </a:p>
@@ -2676,7 +2678,7 @@
           <a:p>
             <a:fld id="{54BF948A-5BE3-0548-8A28-B877469D6A67}" type="datetime1">
               <a:rPr lang="en-US" smtClean="0"/>
-              <a:t>7/19/16</a:t>
+              <a:t>7/26/16</a:t>
             </a:fld>
             <a:endParaRPr lang="en-US"/>
           </a:p>
@@ -3047,7 +3049,7 @@
           <a:p>
             <a:fld id="{1E4D454C-2257-D84E-B008-E3BB674E6B5D}" type="datetime1">
               <a:rPr lang="en-US" smtClean="0"/>
-              <a:t>7/19/16</a:t>
+              <a:t>7/26/16</a:t>
             </a:fld>
             <a:endParaRPr lang="en-US"/>
           </a:p>
@@ -3169,7 +3171,7 @@
           <a:p>
             <a:fld id="{D0BD3D21-4E25-CC4C-836E-91A72F67CF76}" type="datetime1">
               <a:rPr lang="en-US" smtClean="0"/>
-              <a:t>7/19/16</a:t>
+              <a:t>7/26/16</a:t>
             </a:fld>
             <a:endParaRPr lang="en-US"/>
           </a:p>
@@ -3268,7 +3270,7 @@
           <a:p>
             <a:fld id="{3D484E82-94C0-574A-AD63-516EC4B77AC0}" type="datetime1">
               <a:rPr lang="en-US" smtClean="0"/>
-              <a:t>7/19/16</a:t>
+              <a:t>7/26/16</a:t>
             </a:fld>
             <a:endParaRPr lang="en-US"/>
           </a:p>
@@ -3549,7 +3551,7 @@
           <a:p>
             <a:fld id="{ACF324CE-C4E0-C74D-88E6-9C7F8653632D}" type="datetime1">
               <a:rPr lang="en-US" smtClean="0"/>
-              <a:t>7/19/16</a:t>
+              <a:t>7/26/16</a:t>
             </a:fld>
             <a:endParaRPr lang="en-US"/>
           </a:p>
@@ -3733,7 +3735,7 @@
           <a:p>
             <a:fld id="{74CB6894-20E2-714A-8F24-113A73CBAAB1}" type="datetime1">
               <a:rPr lang="en-US" smtClean="0"/>
-              <a:t>7/19/16</a:t>
+              <a:t>7/26/16</a:t>
             </a:fld>
             <a:endParaRPr lang="en-US"/>
           </a:p>
@@ -4009,7 +4011,7 @@
           <a:p>
             <a:fld id="{DA806782-06ED-9A42-A974-A94EE091BE22}" type="datetime1">
               <a:rPr lang="en-US" smtClean="0"/>
-              <a:t>7/19/16</a:t>
+              <a:t>7/26/16</a:t>
             </a:fld>
             <a:endParaRPr lang="en-US"/>
           </a:p>
@@ -4183,7 +4185,7 @@
           <a:p>
             <a:fld id="{59F0C76E-463C-944C-98C5-343991D3A9B0}" type="datetime1">
               <a:rPr lang="en-US" smtClean="0"/>
-              <a:t>7/19/16</a:t>
+              <a:t>7/26/16</a:t>
             </a:fld>
             <a:endParaRPr lang="en-US"/>
           </a:p>
@@ -4367,7 +4369,7 @@
           <a:p>
             <a:fld id="{18B0EB3F-1ED3-464F-AFA5-07CCF3FD7308}" type="datetime1">
               <a:rPr lang="en-US" smtClean="0"/>
-              <a:t>7/19/16</a:t>
+              <a:t>7/26/16</a:t>
             </a:fld>
             <a:endParaRPr lang="en-US"/>
           </a:p>
@@ -4423,6 +4425,1589 @@
     <p:extLst>
       <p:ext uri="{BB962C8B-B14F-4D97-AF65-F5344CB8AC3E}">
         <p14:creationId xmlns:p14="http://schemas.microsoft.com/office/powerpoint/2010/main" val="1817507057"/>
+      </p:ext>
+    </p:extLst>
+  </p:cSld>
+  <p:clrMapOvr>
+    <a:masterClrMapping/>
+  </p:clrMapOvr>
+</p:sldLayout>
+</file>
+
+<file path=ppt/slideLayouts/slideLayout23.xml><?xml version="1.0" encoding="utf-8"?>
+<p:sldLayout xmlns:a="http://schemas.openxmlformats.org/drawingml/2006/main" xmlns:r="http://schemas.openxmlformats.org/officeDocument/2006/relationships" xmlns:p="http://schemas.openxmlformats.org/presentationml/2006/main" type="title" preserve="1">
+  <p:cSld name="Title Slide">
+    <p:spTree>
+      <p:nvGrpSpPr>
+        <p:cNvPr id="1" name=""/>
+        <p:cNvGrpSpPr/>
+        <p:nvPr/>
+      </p:nvGrpSpPr>
+      <p:grpSpPr>
+        <a:xfrm>
+          <a:off x="0" y="0"/>
+          <a:ext cx="0" cy="0"/>
+          <a:chOff x="0" y="0"/>
+          <a:chExt cx="0" cy="0"/>
+        </a:xfrm>
+      </p:grpSpPr>
+      <p:sp>
+        <p:nvSpPr>
+          <p:cNvPr id="2" name="Title 1"/>
+          <p:cNvSpPr>
+            <a:spLocks noGrp="1"/>
+          </p:cNvSpPr>
+          <p:nvPr>
+            <p:ph type="ctrTitle"/>
+          </p:nvPr>
+        </p:nvSpPr>
+        <p:spPr>
+          <a:xfrm>
+            <a:off x="1143000" y="1122363"/>
+            <a:ext cx="6858000" cy="2387600"/>
+          </a:xfrm>
+        </p:spPr>
+        <p:txBody>
+          <a:bodyPr anchor="b"/>
+          <a:lstStyle>
+            <a:lvl1pPr algn="ctr">
+              <a:defRPr sz="6000"/>
+            </a:lvl1pPr>
+          </a:lstStyle>
+          <a:p>
+            <a:r>
+              <a:rPr lang="en-US" smtClean="0"/>
+              <a:t>Click to edit Master title style</a:t>
+            </a:r>
+            <a:endParaRPr lang="en-US"/>
+          </a:p>
+        </p:txBody>
+      </p:sp>
+      <p:sp>
+        <p:nvSpPr>
+          <p:cNvPr id="3" name="Subtitle 2"/>
+          <p:cNvSpPr>
+            <a:spLocks noGrp="1"/>
+          </p:cNvSpPr>
+          <p:nvPr>
+            <p:ph type="subTitle" idx="1"/>
+          </p:nvPr>
+        </p:nvSpPr>
+        <p:spPr>
+          <a:xfrm>
+            <a:off x="1143000" y="3602038"/>
+            <a:ext cx="6858000" cy="1655762"/>
+          </a:xfrm>
+        </p:spPr>
+        <p:txBody>
+          <a:bodyPr/>
+          <a:lstStyle>
+            <a:lvl1pPr marL="0" indent="0" algn="ctr">
+              <a:buNone/>
+              <a:defRPr sz="2400"/>
+            </a:lvl1pPr>
+            <a:lvl2pPr marL="457200" indent="0" algn="ctr">
+              <a:buNone/>
+              <a:defRPr sz="2000"/>
+            </a:lvl2pPr>
+            <a:lvl3pPr marL="914400" indent="0" algn="ctr">
+              <a:buNone/>
+              <a:defRPr sz="1800"/>
+            </a:lvl3pPr>
+            <a:lvl4pPr marL="1371600" indent="0" algn="ctr">
+              <a:buNone/>
+              <a:defRPr sz="1600"/>
+            </a:lvl4pPr>
+            <a:lvl5pPr marL="1828800" indent="0" algn="ctr">
+              <a:buNone/>
+              <a:defRPr sz="1600"/>
+            </a:lvl5pPr>
+            <a:lvl6pPr marL="2286000" indent="0" algn="ctr">
+              <a:buNone/>
+              <a:defRPr sz="1600"/>
+            </a:lvl6pPr>
+            <a:lvl7pPr marL="2743200" indent="0" algn="ctr">
+              <a:buNone/>
+              <a:defRPr sz="1600"/>
+            </a:lvl7pPr>
+            <a:lvl8pPr marL="3200400" indent="0" algn="ctr">
+              <a:buNone/>
+              <a:defRPr sz="1600"/>
+            </a:lvl8pPr>
+            <a:lvl9pPr marL="3657600" indent="0" algn="ctr">
+              <a:buNone/>
+              <a:defRPr sz="1600"/>
+            </a:lvl9pPr>
+          </a:lstStyle>
+          <a:p>
+            <a:r>
+              <a:rPr lang="en-US" smtClean="0"/>
+              <a:t>Click to edit Master subtitle style</a:t>
+            </a:r>
+            <a:endParaRPr lang="en-US"/>
+          </a:p>
+        </p:txBody>
+      </p:sp>
+      <p:sp>
+        <p:nvSpPr>
+          <p:cNvPr id="4" name="Date Placeholder 3"/>
+          <p:cNvSpPr>
+            <a:spLocks noGrp="1"/>
+          </p:cNvSpPr>
+          <p:nvPr>
+            <p:ph type="dt" sz="half" idx="10"/>
+          </p:nvPr>
+        </p:nvSpPr>
+        <p:spPr/>
+        <p:txBody>
+          <a:bodyPr/>
+          <a:lstStyle/>
+          <a:p>
+            <a:fld id="{5B02A542-A347-7C4E-84B7-C69E7B921E8E}" type="datetime1">
+              <a:rPr lang="en-US" smtClean="0"/>
+              <a:t>7/26/16</a:t>
+            </a:fld>
+            <a:endParaRPr lang="en-US"/>
+          </a:p>
+        </p:txBody>
+      </p:sp>
+      <p:sp>
+        <p:nvSpPr>
+          <p:cNvPr id="5" name="Footer Placeholder 4"/>
+          <p:cNvSpPr>
+            <a:spLocks noGrp="1"/>
+          </p:cNvSpPr>
+          <p:nvPr>
+            <p:ph type="ftr" sz="quarter" idx="11"/>
+          </p:nvPr>
+        </p:nvSpPr>
+        <p:spPr/>
+        <p:txBody>
+          <a:bodyPr/>
+          <a:lstStyle/>
+          <a:p>
+            <a:r>
+              <a:rPr lang="en-US" smtClean="0"/>
+              <a:t>© EV3Lessons.com, 2016, (Last edit: 7/04/2016)</a:t>
+            </a:r>
+            <a:endParaRPr lang="en-US"/>
+          </a:p>
+        </p:txBody>
+      </p:sp>
+      <p:sp>
+        <p:nvSpPr>
+          <p:cNvPr id="6" name="Slide Number Placeholder 5"/>
+          <p:cNvSpPr>
+            <a:spLocks noGrp="1"/>
+          </p:cNvSpPr>
+          <p:nvPr>
+            <p:ph type="sldNum" sz="quarter" idx="12"/>
+          </p:nvPr>
+        </p:nvSpPr>
+        <p:spPr/>
+        <p:txBody>
+          <a:bodyPr/>
+          <a:lstStyle/>
+          <a:p>
+            <a:fld id="{4DBC7FC8-25FB-FC45-8177-2B991DA6778C}" type="slidenum">
+              <a:rPr lang="en-US" smtClean="0"/>
+              <a:t>‹#›</a:t>
+            </a:fld>
+            <a:endParaRPr lang="en-US"/>
+          </a:p>
+        </p:txBody>
+      </p:sp>
+      <p:sp>
+        <p:nvSpPr>
+          <p:cNvPr id="7" name="Rectangle 6"/>
+          <p:cNvSpPr/>
+          <p:nvPr userDrawn="1"/>
+        </p:nvSpPr>
+        <p:spPr>
+          <a:xfrm>
+            <a:off x="9004705" y="2895600"/>
+            <a:ext cx="147895" cy="3962400"/>
+          </a:xfrm>
+          <a:prstGeom prst="rect">
+            <a:avLst/>
+          </a:prstGeom>
+          <a:solidFill>
+            <a:srgbClr val="92D050"/>
+          </a:solidFill>
+          <a:ln>
+            <a:noFill/>
+          </a:ln>
+        </p:spPr>
+        <p:style>
+          <a:lnRef idx="2">
+            <a:schemeClr val="accent1">
+              <a:shade val="50000"/>
+            </a:schemeClr>
+          </a:lnRef>
+          <a:fillRef idx="1">
+            <a:schemeClr val="accent1"/>
+          </a:fillRef>
+          <a:effectRef idx="0">
+            <a:schemeClr val="accent1"/>
+          </a:effectRef>
+          <a:fontRef idx="minor">
+            <a:schemeClr val="lt1"/>
+          </a:fontRef>
+        </p:style>
+        <p:txBody>
+          <a:bodyPr/>
+          <a:lstStyle/>
+          <a:p>
+            <a:endParaRPr lang="en-US"/>
+          </a:p>
+        </p:txBody>
+      </p:sp>
+      <p:sp>
+        <p:nvSpPr>
+          <p:cNvPr id="8" name="Rectangle 7"/>
+          <p:cNvSpPr/>
+          <p:nvPr userDrawn="1"/>
+        </p:nvSpPr>
+        <p:spPr>
+          <a:xfrm>
+            <a:off x="8967641" y="0"/>
+            <a:ext cx="184958" cy="2895600"/>
+          </a:xfrm>
+          <a:prstGeom prst="rect">
+            <a:avLst/>
+          </a:prstGeom>
+          <a:solidFill>
+            <a:srgbClr val="7030A0"/>
+          </a:solidFill>
+          <a:ln>
+            <a:noFill/>
+          </a:ln>
+        </p:spPr>
+        <p:style>
+          <a:lnRef idx="2">
+            <a:schemeClr val="accent1">
+              <a:shade val="50000"/>
+            </a:schemeClr>
+          </a:lnRef>
+          <a:fillRef idx="1">
+            <a:schemeClr val="accent1"/>
+          </a:fillRef>
+          <a:effectRef idx="0">
+            <a:schemeClr val="accent1"/>
+          </a:effectRef>
+          <a:fontRef idx="minor">
+            <a:schemeClr val="lt1"/>
+          </a:fontRef>
+        </p:style>
+        <p:txBody>
+          <a:bodyPr/>
+          <a:lstStyle/>
+          <a:p>
+            <a:endParaRPr lang="en-US"/>
+          </a:p>
+        </p:txBody>
+      </p:sp>
+      <p:sp>
+        <p:nvSpPr>
+          <p:cNvPr id="9" name="Rectangle 8"/>
+          <p:cNvSpPr/>
+          <p:nvPr userDrawn="1"/>
+        </p:nvSpPr>
+        <p:spPr>
+          <a:xfrm>
+            <a:off x="8931737" y="0"/>
+            <a:ext cx="91440" cy="6858000"/>
+          </a:xfrm>
+          <a:prstGeom prst="rect">
+            <a:avLst/>
+          </a:prstGeom>
+          <a:solidFill>
+            <a:srgbClr val="0070C0"/>
+          </a:solidFill>
+          <a:ln>
+            <a:noFill/>
+          </a:ln>
+        </p:spPr>
+        <p:style>
+          <a:lnRef idx="2">
+            <a:schemeClr val="accent1">
+              <a:shade val="50000"/>
+            </a:schemeClr>
+          </a:lnRef>
+          <a:fillRef idx="1">
+            <a:schemeClr val="accent1"/>
+          </a:fillRef>
+          <a:effectRef idx="0">
+            <a:schemeClr val="accent1"/>
+          </a:effectRef>
+          <a:fontRef idx="minor">
+            <a:schemeClr val="lt1"/>
+          </a:fontRef>
+        </p:style>
+        <p:txBody>
+          <a:bodyPr/>
+          <a:lstStyle/>
+          <a:p>
+            <a:endParaRPr lang="en-US"/>
+          </a:p>
+        </p:txBody>
+      </p:sp>
+    </p:spTree>
+    <p:extLst>
+      <p:ext uri="{BB962C8B-B14F-4D97-AF65-F5344CB8AC3E}">
+        <p14:creationId xmlns:p14="http://schemas.microsoft.com/office/powerpoint/2010/main" val="506896846"/>
+      </p:ext>
+    </p:extLst>
+  </p:cSld>
+  <p:clrMapOvr>
+    <a:masterClrMapping/>
+  </p:clrMapOvr>
+</p:sldLayout>
+</file>
+
+<file path=ppt/slideLayouts/slideLayout24.xml><?xml version="1.0" encoding="utf-8"?>
+<p:sldLayout xmlns:a="http://schemas.openxmlformats.org/drawingml/2006/main" xmlns:r="http://schemas.openxmlformats.org/officeDocument/2006/relationships" xmlns:p="http://schemas.openxmlformats.org/presentationml/2006/main" type="obj" preserve="1">
+  <p:cSld name="Title and Content">
+    <p:spTree>
+      <p:nvGrpSpPr>
+        <p:cNvPr id="1" name=""/>
+        <p:cNvGrpSpPr/>
+        <p:nvPr/>
+      </p:nvGrpSpPr>
+      <p:grpSpPr>
+        <a:xfrm>
+          <a:off x="0" y="0"/>
+          <a:ext cx="0" cy="0"/>
+          <a:chOff x="0" y="0"/>
+          <a:chExt cx="0" cy="0"/>
+        </a:xfrm>
+      </p:grpSpPr>
+      <p:sp>
+        <p:nvSpPr>
+          <p:cNvPr id="2" name="Title 1"/>
+          <p:cNvSpPr>
+            <a:spLocks noGrp="1"/>
+          </p:cNvSpPr>
+          <p:nvPr>
+            <p:ph type="title"/>
+          </p:nvPr>
+        </p:nvSpPr>
+        <p:spPr/>
+        <p:txBody>
+          <a:bodyPr/>
+          <a:lstStyle/>
+          <a:p>
+            <a:r>
+              <a:rPr lang="en-US" smtClean="0"/>
+              <a:t>Click to edit Master title style</a:t>
+            </a:r>
+            <a:endParaRPr lang="en-US"/>
+          </a:p>
+        </p:txBody>
+      </p:sp>
+      <p:sp>
+        <p:nvSpPr>
+          <p:cNvPr id="3" name="Content Placeholder 2"/>
+          <p:cNvSpPr>
+            <a:spLocks noGrp="1"/>
+          </p:cNvSpPr>
+          <p:nvPr>
+            <p:ph idx="1"/>
+          </p:nvPr>
+        </p:nvSpPr>
+        <p:spPr/>
+        <p:txBody>
+          <a:bodyPr/>
+          <a:lstStyle/>
+          <a:p>
+            <a:pPr lvl="0"/>
+            <a:r>
+              <a:rPr lang="en-US" smtClean="0"/>
+              <a:t>Click to edit Master text styles</a:t>
+            </a:r>
+          </a:p>
+          <a:p>
+            <a:pPr lvl="1"/>
+            <a:r>
+              <a:rPr lang="en-US" smtClean="0"/>
+              <a:t>Second level</a:t>
+            </a:r>
+          </a:p>
+          <a:p>
+            <a:pPr lvl="2"/>
+            <a:r>
+              <a:rPr lang="en-US" smtClean="0"/>
+              <a:t>Third level</a:t>
+            </a:r>
+          </a:p>
+          <a:p>
+            <a:pPr lvl="3"/>
+            <a:r>
+              <a:rPr lang="en-US" smtClean="0"/>
+              <a:t>Fourth level</a:t>
+            </a:r>
+          </a:p>
+          <a:p>
+            <a:pPr lvl="4"/>
+            <a:r>
+              <a:rPr lang="en-US" smtClean="0"/>
+              <a:t>Fifth level</a:t>
+            </a:r>
+            <a:endParaRPr lang="en-US"/>
+          </a:p>
+        </p:txBody>
+      </p:sp>
+      <p:sp>
+        <p:nvSpPr>
+          <p:cNvPr id="4" name="Date Placeholder 3"/>
+          <p:cNvSpPr>
+            <a:spLocks noGrp="1"/>
+          </p:cNvSpPr>
+          <p:nvPr>
+            <p:ph type="dt" sz="half" idx="10"/>
+          </p:nvPr>
+        </p:nvSpPr>
+        <p:spPr/>
+        <p:txBody>
+          <a:bodyPr/>
+          <a:lstStyle/>
+          <a:p>
+            <a:fld id="{74CB6894-20E2-714A-8F24-113A73CBAAB1}" type="datetime1">
+              <a:rPr lang="en-US" smtClean="0"/>
+              <a:t>7/26/16</a:t>
+            </a:fld>
+            <a:endParaRPr lang="en-US"/>
+          </a:p>
+        </p:txBody>
+      </p:sp>
+      <p:sp>
+        <p:nvSpPr>
+          <p:cNvPr id="5" name="Footer Placeholder 4"/>
+          <p:cNvSpPr>
+            <a:spLocks noGrp="1"/>
+          </p:cNvSpPr>
+          <p:nvPr>
+            <p:ph type="ftr" sz="quarter" idx="11"/>
+          </p:nvPr>
+        </p:nvSpPr>
+        <p:spPr/>
+        <p:txBody>
+          <a:bodyPr/>
+          <a:lstStyle/>
+          <a:p>
+            <a:r>
+              <a:rPr lang="en-US" smtClean="0"/>
+              <a:t>© EV3Lessons.com, 2016, (Last edit: 7/04/2016)</a:t>
+            </a:r>
+            <a:endParaRPr lang="en-US"/>
+          </a:p>
+        </p:txBody>
+      </p:sp>
+      <p:sp>
+        <p:nvSpPr>
+          <p:cNvPr id="6" name="Slide Number Placeholder 5"/>
+          <p:cNvSpPr>
+            <a:spLocks noGrp="1"/>
+          </p:cNvSpPr>
+          <p:nvPr>
+            <p:ph type="sldNum" sz="quarter" idx="12"/>
+          </p:nvPr>
+        </p:nvSpPr>
+        <p:spPr/>
+        <p:txBody>
+          <a:bodyPr/>
+          <a:lstStyle/>
+          <a:p>
+            <a:fld id="{4DBC7FC8-25FB-FC45-8177-2B991DA6778C}" type="slidenum">
+              <a:rPr lang="en-US" smtClean="0"/>
+              <a:t>‹#›</a:t>
+            </a:fld>
+            <a:endParaRPr lang="en-US" dirty="0"/>
+          </a:p>
+        </p:txBody>
+      </p:sp>
+    </p:spTree>
+    <p:extLst>
+      <p:ext uri="{BB962C8B-B14F-4D97-AF65-F5344CB8AC3E}">
+        <p14:creationId xmlns:p14="http://schemas.microsoft.com/office/powerpoint/2010/main" val="347663073"/>
+      </p:ext>
+    </p:extLst>
+  </p:cSld>
+  <p:clrMapOvr>
+    <a:masterClrMapping/>
+  </p:clrMapOvr>
+</p:sldLayout>
+</file>
+
+<file path=ppt/slideLayouts/slideLayout25.xml><?xml version="1.0" encoding="utf-8"?>
+<p:sldLayout xmlns:a="http://schemas.openxmlformats.org/drawingml/2006/main" xmlns:r="http://schemas.openxmlformats.org/officeDocument/2006/relationships" xmlns:p="http://schemas.openxmlformats.org/presentationml/2006/main" type="secHead" preserve="1">
+  <p:cSld name="Section Header">
+    <p:spTree>
+      <p:nvGrpSpPr>
+        <p:cNvPr id="1" name=""/>
+        <p:cNvGrpSpPr/>
+        <p:nvPr/>
+      </p:nvGrpSpPr>
+      <p:grpSpPr>
+        <a:xfrm>
+          <a:off x="0" y="0"/>
+          <a:ext cx="0" cy="0"/>
+          <a:chOff x="0" y="0"/>
+          <a:chExt cx="0" cy="0"/>
+        </a:xfrm>
+      </p:grpSpPr>
+      <p:sp>
+        <p:nvSpPr>
+          <p:cNvPr id="2" name="Title 1"/>
+          <p:cNvSpPr>
+            <a:spLocks noGrp="1"/>
+          </p:cNvSpPr>
+          <p:nvPr>
+            <p:ph type="title"/>
+          </p:nvPr>
+        </p:nvSpPr>
+        <p:spPr>
+          <a:xfrm>
+            <a:off x="623888" y="1709738"/>
+            <a:ext cx="7886700" cy="2852737"/>
+          </a:xfrm>
+        </p:spPr>
+        <p:txBody>
+          <a:bodyPr anchor="b"/>
+          <a:lstStyle>
+            <a:lvl1pPr>
+              <a:defRPr sz="6000"/>
+            </a:lvl1pPr>
+          </a:lstStyle>
+          <a:p>
+            <a:r>
+              <a:rPr lang="en-US" smtClean="0"/>
+              <a:t>Click to edit Master title style</a:t>
+            </a:r>
+            <a:endParaRPr lang="en-US"/>
+          </a:p>
+        </p:txBody>
+      </p:sp>
+      <p:sp>
+        <p:nvSpPr>
+          <p:cNvPr id="3" name="Text Placeholder 2"/>
+          <p:cNvSpPr>
+            <a:spLocks noGrp="1"/>
+          </p:cNvSpPr>
+          <p:nvPr>
+            <p:ph type="body" idx="1"/>
+          </p:nvPr>
+        </p:nvSpPr>
+        <p:spPr>
+          <a:xfrm>
+            <a:off x="623888" y="4589463"/>
+            <a:ext cx="7886700" cy="1500187"/>
+          </a:xfrm>
+        </p:spPr>
+        <p:txBody>
+          <a:bodyPr/>
+          <a:lstStyle>
+            <a:lvl1pPr marL="0" indent="0">
+              <a:buNone/>
+              <a:defRPr sz="2400">
+                <a:solidFill>
+                  <a:schemeClr val="tx1">
+                    <a:tint val="75000"/>
+                  </a:schemeClr>
+                </a:solidFill>
+              </a:defRPr>
+            </a:lvl1pPr>
+            <a:lvl2pPr marL="457200" indent="0">
+              <a:buNone/>
+              <a:defRPr sz="2000">
+                <a:solidFill>
+                  <a:schemeClr val="tx1">
+                    <a:tint val="75000"/>
+                  </a:schemeClr>
+                </a:solidFill>
+              </a:defRPr>
+            </a:lvl2pPr>
+            <a:lvl3pPr marL="914400" indent="0">
+              <a:buNone/>
+              <a:defRPr sz="1800">
+                <a:solidFill>
+                  <a:schemeClr val="tx1">
+                    <a:tint val="75000"/>
+                  </a:schemeClr>
+                </a:solidFill>
+              </a:defRPr>
+            </a:lvl3pPr>
+            <a:lvl4pPr marL="1371600" indent="0">
+              <a:buNone/>
+              <a:defRPr sz="1600">
+                <a:solidFill>
+                  <a:schemeClr val="tx1">
+                    <a:tint val="75000"/>
+                  </a:schemeClr>
+                </a:solidFill>
+              </a:defRPr>
+            </a:lvl4pPr>
+            <a:lvl5pPr marL="1828800" indent="0">
+              <a:buNone/>
+              <a:defRPr sz="1600">
+                <a:solidFill>
+                  <a:schemeClr val="tx1">
+                    <a:tint val="75000"/>
+                  </a:schemeClr>
+                </a:solidFill>
+              </a:defRPr>
+            </a:lvl5pPr>
+            <a:lvl6pPr marL="2286000" indent="0">
+              <a:buNone/>
+              <a:defRPr sz="1600">
+                <a:solidFill>
+                  <a:schemeClr val="tx1">
+                    <a:tint val="75000"/>
+                  </a:schemeClr>
+                </a:solidFill>
+              </a:defRPr>
+            </a:lvl6pPr>
+            <a:lvl7pPr marL="2743200" indent="0">
+              <a:buNone/>
+              <a:defRPr sz="1600">
+                <a:solidFill>
+                  <a:schemeClr val="tx1">
+                    <a:tint val="75000"/>
+                  </a:schemeClr>
+                </a:solidFill>
+              </a:defRPr>
+            </a:lvl7pPr>
+            <a:lvl8pPr marL="3200400" indent="0">
+              <a:buNone/>
+              <a:defRPr sz="1600">
+                <a:solidFill>
+                  <a:schemeClr val="tx1">
+                    <a:tint val="75000"/>
+                  </a:schemeClr>
+                </a:solidFill>
+              </a:defRPr>
+            </a:lvl8pPr>
+            <a:lvl9pPr marL="3657600" indent="0">
+              <a:buNone/>
+              <a:defRPr sz="1600">
+                <a:solidFill>
+                  <a:schemeClr val="tx1">
+                    <a:tint val="75000"/>
+                  </a:schemeClr>
+                </a:solidFill>
+              </a:defRPr>
+            </a:lvl9pPr>
+          </a:lstStyle>
+          <a:p>
+            <a:pPr lvl="0"/>
+            <a:r>
+              <a:rPr lang="en-US" smtClean="0"/>
+              <a:t>Click to edit Master text styles</a:t>
+            </a:r>
+          </a:p>
+        </p:txBody>
+      </p:sp>
+      <p:sp>
+        <p:nvSpPr>
+          <p:cNvPr id="4" name="Date Placeholder 3"/>
+          <p:cNvSpPr>
+            <a:spLocks noGrp="1"/>
+          </p:cNvSpPr>
+          <p:nvPr>
+            <p:ph type="dt" sz="half" idx="10"/>
+          </p:nvPr>
+        </p:nvSpPr>
+        <p:spPr/>
+        <p:txBody>
+          <a:bodyPr/>
+          <a:lstStyle/>
+          <a:p>
+            <a:fld id="{1C313BDA-17A9-8749-A339-66F6E8E03A82}" type="datetime1">
+              <a:rPr lang="en-US" smtClean="0"/>
+              <a:t>7/26/16</a:t>
+            </a:fld>
+            <a:endParaRPr lang="en-US"/>
+          </a:p>
+        </p:txBody>
+      </p:sp>
+      <p:sp>
+        <p:nvSpPr>
+          <p:cNvPr id="5" name="Footer Placeholder 4"/>
+          <p:cNvSpPr>
+            <a:spLocks noGrp="1"/>
+          </p:cNvSpPr>
+          <p:nvPr>
+            <p:ph type="ftr" sz="quarter" idx="11"/>
+          </p:nvPr>
+        </p:nvSpPr>
+        <p:spPr/>
+        <p:txBody>
+          <a:bodyPr/>
+          <a:lstStyle/>
+          <a:p>
+            <a:r>
+              <a:rPr lang="en-US" smtClean="0"/>
+              <a:t>© EV3Lessons.com, 2016, (Last edit: 7/04/2016)</a:t>
+            </a:r>
+            <a:endParaRPr lang="en-US"/>
+          </a:p>
+        </p:txBody>
+      </p:sp>
+      <p:sp>
+        <p:nvSpPr>
+          <p:cNvPr id="6" name="Slide Number Placeholder 5"/>
+          <p:cNvSpPr>
+            <a:spLocks noGrp="1"/>
+          </p:cNvSpPr>
+          <p:nvPr>
+            <p:ph type="sldNum" sz="quarter" idx="12"/>
+          </p:nvPr>
+        </p:nvSpPr>
+        <p:spPr/>
+        <p:txBody>
+          <a:bodyPr/>
+          <a:lstStyle/>
+          <a:p>
+            <a:fld id="{4DBC7FC8-25FB-FC45-8177-2B991DA6778C}" type="slidenum">
+              <a:rPr lang="en-US" smtClean="0"/>
+              <a:t>‹#›</a:t>
+            </a:fld>
+            <a:endParaRPr lang="en-US"/>
+          </a:p>
+        </p:txBody>
+      </p:sp>
+    </p:spTree>
+    <p:extLst>
+      <p:ext uri="{BB962C8B-B14F-4D97-AF65-F5344CB8AC3E}">
+        <p14:creationId xmlns:p14="http://schemas.microsoft.com/office/powerpoint/2010/main" val="2017748071"/>
+      </p:ext>
+    </p:extLst>
+  </p:cSld>
+  <p:clrMapOvr>
+    <a:masterClrMapping/>
+  </p:clrMapOvr>
+</p:sldLayout>
+</file>
+
+<file path=ppt/slideLayouts/slideLayout26.xml><?xml version="1.0" encoding="utf-8"?>
+<p:sldLayout xmlns:a="http://schemas.openxmlformats.org/drawingml/2006/main" xmlns:r="http://schemas.openxmlformats.org/officeDocument/2006/relationships" xmlns:p="http://schemas.openxmlformats.org/presentationml/2006/main" type="twoObj" preserve="1">
+  <p:cSld name="Two Content">
+    <p:spTree>
+      <p:nvGrpSpPr>
+        <p:cNvPr id="1" name=""/>
+        <p:cNvGrpSpPr/>
+        <p:nvPr/>
+      </p:nvGrpSpPr>
+      <p:grpSpPr>
+        <a:xfrm>
+          <a:off x="0" y="0"/>
+          <a:ext cx="0" cy="0"/>
+          <a:chOff x="0" y="0"/>
+          <a:chExt cx="0" cy="0"/>
+        </a:xfrm>
+      </p:grpSpPr>
+      <p:sp>
+        <p:nvSpPr>
+          <p:cNvPr id="2" name="Title 1"/>
+          <p:cNvSpPr>
+            <a:spLocks noGrp="1"/>
+          </p:cNvSpPr>
+          <p:nvPr>
+            <p:ph type="title"/>
+          </p:nvPr>
+        </p:nvSpPr>
+        <p:spPr/>
+        <p:txBody>
+          <a:bodyPr/>
+          <a:lstStyle/>
+          <a:p>
+            <a:r>
+              <a:rPr lang="en-US" smtClean="0"/>
+              <a:t>Click to edit Master title style</a:t>
+            </a:r>
+            <a:endParaRPr lang="en-US"/>
+          </a:p>
+        </p:txBody>
+      </p:sp>
+      <p:sp>
+        <p:nvSpPr>
+          <p:cNvPr id="3" name="Content Placeholder 2"/>
+          <p:cNvSpPr>
+            <a:spLocks noGrp="1"/>
+          </p:cNvSpPr>
+          <p:nvPr>
+            <p:ph sz="half" idx="1"/>
+          </p:nvPr>
+        </p:nvSpPr>
+        <p:spPr>
+          <a:xfrm>
+            <a:off x="628650" y="1825625"/>
+            <a:ext cx="3867150" cy="4351338"/>
+          </a:xfrm>
+        </p:spPr>
+        <p:txBody>
+          <a:bodyPr/>
+          <a:lstStyle/>
+          <a:p>
+            <a:pPr lvl="0"/>
+            <a:r>
+              <a:rPr lang="en-US" smtClean="0"/>
+              <a:t>Click to edit Master text styles</a:t>
+            </a:r>
+          </a:p>
+          <a:p>
+            <a:pPr lvl="1"/>
+            <a:r>
+              <a:rPr lang="en-US" smtClean="0"/>
+              <a:t>Second level</a:t>
+            </a:r>
+          </a:p>
+          <a:p>
+            <a:pPr lvl="2"/>
+            <a:r>
+              <a:rPr lang="en-US" smtClean="0"/>
+              <a:t>Third level</a:t>
+            </a:r>
+          </a:p>
+          <a:p>
+            <a:pPr lvl="3"/>
+            <a:r>
+              <a:rPr lang="en-US" smtClean="0"/>
+              <a:t>Fourth level</a:t>
+            </a:r>
+          </a:p>
+          <a:p>
+            <a:pPr lvl="4"/>
+            <a:r>
+              <a:rPr lang="en-US" smtClean="0"/>
+              <a:t>Fifth level</a:t>
+            </a:r>
+            <a:endParaRPr lang="en-US"/>
+          </a:p>
+        </p:txBody>
+      </p:sp>
+      <p:sp>
+        <p:nvSpPr>
+          <p:cNvPr id="4" name="Content Placeholder 3"/>
+          <p:cNvSpPr>
+            <a:spLocks noGrp="1"/>
+          </p:cNvSpPr>
+          <p:nvPr>
+            <p:ph sz="half" idx="2"/>
+          </p:nvPr>
+        </p:nvSpPr>
+        <p:spPr>
+          <a:xfrm>
+            <a:off x="4648200" y="1825625"/>
+            <a:ext cx="3867150" cy="4351338"/>
+          </a:xfrm>
+        </p:spPr>
+        <p:txBody>
+          <a:bodyPr/>
+          <a:lstStyle/>
+          <a:p>
+            <a:pPr lvl="0"/>
+            <a:r>
+              <a:rPr lang="en-US" smtClean="0"/>
+              <a:t>Click to edit Master text styles</a:t>
+            </a:r>
+          </a:p>
+          <a:p>
+            <a:pPr lvl="1"/>
+            <a:r>
+              <a:rPr lang="en-US" smtClean="0"/>
+              <a:t>Second level</a:t>
+            </a:r>
+          </a:p>
+          <a:p>
+            <a:pPr lvl="2"/>
+            <a:r>
+              <a:rPr lang="en-US" smtClean="0"/>
+              <a:t>Third level</a:t>
+            </a:r>
+          </a:p>
+          <a:p>
+            <a:pPr lvl="3"/>
+            <a:r>
+              <a:rPr lang="en-US" smtClean="0"/>
+              <a:t>Fourth level</a:t>
+            </a:r>
+          </a:p>
+          <a:p>
+            <a:pPr lvl="4"/>
+            <a:r>
+              <a:rPr lang="en-US" smtClean="0"/>
+              <a:t>Fifth level</a:t>
+            </a:r>
+            <a:endParaRPr lang="en-US"/>
+          </a:p>
+        </p:txBody>
+      </p:sp>
+      <p:sp>
+        <p:nvSpPr>
+          <p:cNvPr id="5" name="Date Placeholder 4"/>
+          <p:cNvSpPr>
+            <a:spLocks noGrp="1"/>
+          </p:cNvSpPr>
+          <p:nvPr>
+            <p:ph type="dt" sz="half" idx="10"/>
+          </p:nvPr>
+        </p:nvSpPr>
+        <p:spPr/>
+        <p:txBody>
+          <a:bodyPr/>
+          <a:lstStyle/>
+          <a:p>
+            <a:fld id="{26BCD953-9CDD-E641-8DF1-F34622718B00}" type="datetime1">
+              <a:rPr lang="en-US" smtClean="0"/>
+              <a:t>7/26/16</a:t>
+            </a:fld>
+            <a:endParaRPr lang="en-US"/>
+          </a:p>
+        </p:txBody>
+      </p:sp>
+      <p:sp>
+        <p:nvSpPr>
+          <p:cNvPr id="6" name="Footer Placeholder 5"/>
+          <p:cNvSpPr>
+            <a:spLocks noGrp="1"/>
+          </p:cNvSpPr>
+          <p:nvPr>
+            <p:ph type="ftr" sz="quarter" idx="11"/>
+          </p:nvPr>
+        </p:nvSpPr>
+        <p:spPr/>
+        <p:txBody>
+          <a:bodyPr/>
+          <a:lstStyle/>
+          <a:p>
+            <a:r>
+              <a:rPr lang="en-US" smtClean="0"/>
+              <a:t>© EV3Lessons.com, 2016, (Last edit: 7/04/2016)</a:t>
+            </a:r>
+            <a:endParaRPr lang="en-US"/>
+          </a:p>
+        </p:txBody>
+      </p:sp>
+      <p:sp>
+        <p:nvSpPr>
+          <p:cNvPr id="7" name="Slide Number Placeholder 6"/>
+          <p:cNvSpPr>
+            <a:spLocks noGrp="1"/>
+          </p:cNvSpPr>
+          <p:nvPr>
+            <p:ph type="sldNum" sz="quarter" idx="12"/>
+          </p:nvPr>
+        </p:nvSpPr>
+        <p:spPr/>
+        <p:txBody>
+          <a:bodyPr/>
+          <a:lstStyle/>
+          <a:p>
+            <a:fld id="{4DBC7FC8-25FB-FC45-8177-2B991DA6778C}" type="slidenum">
+              <a:rPr lang="en-US" smtClean="0"/>
+              <a:t>‹#›</a:t>
+            </a:fld>
+            <a:endParaRPr lang="en-US"/>
+          </a:p>
+        </p:txBody>
+      </p:sp>
+    </p:spTree>
+    <p:extLst>
+      <p:ext uri="{BB962C8B-B14F-4D97-AF65-F5344CB8AC3E}">
+        <p14:creationId xmlns:p14="http://schemas.microsoft.com/office/powerpoint/2010/main" val="1377559520"/>
+      </p:ext>
+    </p:extLst>
+  </p:cSld>
+  <p:clrMapOvr>
+    <a:masterClrMapping/>
+  </p:clrMapOvr>
+</p:sldLayout>
+</file>
+
+<file path=ppt/slideLayouts/slideLayout27.xml><?xml version="1.0" encoding="utf-8"?>
+<p:sldLayout xmlns:a="http://schemas.openxmlformats.org/drawingml/2006/main" xmlns:r="http://schemas.openxmlformats.org/officeDocument/2006/relationships" xmlns:p="http://schemas.openxmlformats.org/presentationml/2006/main" type="twoTxTwoObj" preserve="1">
+  <p:cSld name="Comparison">
+    <p:spTree>
+      <p:nvGrpSpPr>
+        <p:cNvPr id="1" name=""/>
+        <p:cNvGrpSpPr/>
+        <p:nvPr/>
+      </p:nvGrpSpPr>
+      <p:grpSpPr>
+        <a:xfrm>
+          <a:off x="0" y="0"/>
+          <a:ext cx="0" cy="0"/>
+          <a:chOff x="0" y="0"/>
+          <a:chExt cx="0" cy="0"/>
+        </a:xfrm>
+      </p:grpSpPr>
+      <p:sp>
+        <p:nvSpPr>
+          <p:cNvPr id="2" name="Title 1"/>
+          <p:cNvSpPr>
+            <a:spLocks noGrp="1"/>
+          </p:cNvSpPr>
+          <p:nvPr>
+            <p:ph type="title"/>
+          </p:nvPr>
+        </p:nvSpPr>
+        <p:spPr>
+          <a:xfrm>
+            <a:off x="630238" y="365125"/>
+            <a:ext cx="7886700" cy="1325563"/>
+          </a:xfrm>
+        </p:spPr>
+        <p:txBody>
+          <a:bodyPr/>
+          <a:lstStyle/>
+          <a:p>
+            <a:r>
+              <a:rPr lang="en-US" smtClean="0"/>
+              <a:t>Click to edit Master title style</a:t>
+            </a:r>
+            <a:endParaRPr lang="en-US"/>
+          </a:p>
+        </p:txBody>
+      </p:sp>
+      <p:sp>
+        <p:nvSpPr>
+          <p:cNvPr id="3" name="Text Placeholder 2"/>
+          <p:cNvSpPr>
+            <a:spLocks noGrp="1"/>
+          </p:cNvSpPr>
+          <p:nvPr>
+            <p:ph type="body" idx="1"/>
+          </p:nvPr>
+        </p:nvSpPr>
+        <p:spPr>
+          <a:xfrm>
+            <a:off x="630238" y="1681163"/>
+            <a:ext cx="3868737" cy="823912"/>
+          </a:xfrm>
+        </p:spPr>
+        <p:txBody>
+          <a:bodyPr anchor="b"/>
+          <a:lstStyle>
+            <a:lvl1pPr marL="0" indent="0">
+              <a:buNone/>
+              <a:defRPr sz="2400" b="1"/>
+            </a:lvl1pPr>
+            <a:lvl2pPr marL="457200" indent="0">
+              <a:buNone/>
+              <a:defRPr sz="2000" b="1"/>
+            </a:lvl2pPr>
+            <a:lvl3pPr marL="914400" indent="0">
+              <a:buNone/>
+              <a:defRPr sz="1800" b="1"/>
+            </a:lvl3pPr>
+            <a:lvl4pPr marL="1371600" indent="0">
+              <a:buNone/>
+              <a:defRPr sz="1600" b="1"/>
+            </a:lvl4pPr>
+            <a:lvl5pPr marL="1828800" indent="0">
+              <a:buNone/>
+              <a:defRPr sz="1600" b="1"/>
+            </a:lvl5pPr>
+            <a:lvl6pPr marL="2286000" indent="0">
+              <a:buNone/>
+              <a:defRPr sz="1600" b="1"/>
+            </a:lvl6pPr>
+            <a:lvl7pPr marL="2743200" indent="0">
+              <a:buNone/>
+              <a:defRPr sz="1600" b="1"/>
+            </a:lvl7pPr>
+            <a:lvl8pPr marL="3200400" indent="0">
+              <a:buNone/>
+              <a:defRPr sz="1600" b="1"/>
+            </a:lvl8pPr>
+            <a:lvl9pPr marL="3657600" indent="0">
+              <a:buNone/>
+              <a:defRPr sz="1600" b="1"/>
+            </a:lvl9pPr>
+          </a:lstStyle>
+          <a:p>
+            <a:pPr lvl="0"/>
+            <a:r>
+              <a:rPr lang="en-US" smtClean="0"/>
+              <a:t>Click to edit Master text styles</a:t>
+            </a:r>
+          </a:p>
+        </p:txBody>
+      </p:sp>
+      <p:sp>
+        <p:nvSpPr>
+          <p:cNvPr id="4" name="Content Placeholder 3"/>
+          <p:cNvSpPr>
+            <a:spLocks noGrp="1"/>
+          </p:cNvSpPr>
+          <p:nvPr>
+            <p:ph sz="half" idx="2"/>
+          </p:nvPr>
+        </p:nvSpPr>
+        <p:spPr>
+          <a:xfrm>
+            <a:off x="630238" y="2505075"/>
+            <a:ext cx="3868737" cy="3684588"/>
+          </a:xfrm>
+        </p:spPr>
+        <p:txBody>
+          <a:bodyPr/>
+          <a:lstStyle/>
+          <a:p>
+            <a:pPr lvl="0"/>
+            <a:r>
+              <a:rPr lang="en-US" smtClean="0"/>
+              <a:t>Click to edit Master text styles</a:t>
+            </a:r>
+          </a:p>
+          <a:p>
+            <a:pPr lvl="1"/>
+            <a:r>
+              <a:rPr lang="en-US" smtClean="0"/>
+              <a:t>Second level</a:t>
+            </a:r>
+          </a:p>
+          <a:p>
+            <a:pPr lvl="2"/>
+            <a:r>
+              <a:rPr lang="en-US" smtClean="0"/>
+              <a:t>Third level</a:t>
+            </a:r>
+          </a:p>
+          <a:p>
+            <a:pPr lvl="3"/>
+            <a:r>
+              <a:rPr lang="en-US" smtClean="0"/>
+              <a:t>Fourth level</a:t>
+            </a:r>
+          </a:p>
+          <a:p>
+            <a:pPr lvl="4"/>
+            <a:r>
+              <a:rPr lang="en-US" smtClean="0"/>
+              <a:t>Fifth level</a:t>
+            </a:r>
+            <a:endParaRPr lang="en-US"/>
+          </a:p>
+        </p:txBody>
+      </p:sp>
+      <p:sp>
+        <p:nvSpPr>
+          <p:cNvPr id="5" name="Text Placeholder 4"/>
+          <p:cNvSpPr>
+            <a:spLocks noGrp="1"/>
+          </p:cNvSpPr>
+          <p:nvPr>
+            <p:ph type="body" sz="quarter" idx="3"/>
+          </p:nvPr>
+        </p:nvSpPr>
+        <p:spPr>
+          <a:xfrm>
+            <a:off x="4629150" y="1681163"/>
+            <a:ext cx="3887788" cy="823912"/>
+          </a:xfrm>
+        </p:spPr>
+        <p:txBody>
+          <a:bodyPr anchor="b"/>
+          <a:lstStyle>
+            <a:lvl1pPr marL="0" indent="0">
+              <a:buNone/>
+              <a:defRPr sz="2400" b="1"/>
+            </a:lvl1pPr>
+            <a:lvl2pPr marL="457200" indent="0">
+              <a:buNone/>
+              <a:defRPr sz="2000" b="1"/>
+            </a:lvl2pPr>
+            <a:lvl3pPr marL="914400" indent="0">
+              <a:buNone/>
+              <a:defRPr sz="1800" b="1"/>
+            </a:lvl3pPr>
+            <a:lvl4pPr marL="1371600" indent="0">
+              <a:buNone/>
+              <a:defRPr sz="1600" b="1"/>
+            </a:lvl4pPr>
+            <a:lvl5pPr marL="1828800" indent="0">
+              <a:buNone/>
+              <a:defRPr sz="1600" b="1"/>
+            </a:lvl5pPr>
+            <a:lvl6pPr marL="2286000" indent="0">
+              <a:buNone/>
+              <a:defRPr sz="1600" b="1"/>
+            </a:lvl6pPr>
+            <a:lvl7pPr marL="2743200" indent="0">
+              <a:buNone/>
+              <a:defRPr sz="1600" b="1"/>
+            </a:lvl7pPr>
+            <a:lvl8pPr marL="3200400" indent="0">
+              <a:buNone/>
+              <a:defRPr sz="1600" b="1"/>
+            </a:lvl8pPr>
+            <a:lvl9pPr marL="3657600" indent="0">
+              <a:buNone/>
+              <a:defRPr sz="1600" b="1"/>
+            </a:lvl9pPr>
+          </a:lstStyle>
+          <a:p>
+            <a:pPr lvl="0"/>
+            <a:r>
+              <a:rPr lang="en-US" smtClean="0"/>
+              <a:t>Click to edit Master text styles</a:t>
+            </a:r>
+          </a:p>
+        </p:txBody>
+      </p:sp>
+      <p:sp>
+        <p:nvSpPr>
+          <p:cNvPr id="6" name="Content Placeholder 5"/>
+          <p:cNvSpPr>
+            <a:spLocks noGrp="1"/>
+          </p:cNvSpPr>
+          <p:nvPr>
+            <p:ph sz="quarter" idx="4"/>
+          </p:nvPr>
+        </p:nvSpPr>
+        <p:spPr>
+          <a:xfrm>
+            <a:off x="4629150" y="2505075"/>
+            <a:ext cx="3887788" cy="3684588"/>
+          </a:xfrm>
+        </p:spPr>
+        <p:txBody>
+          <a:bodyPr/>
+          <a:lstStyle/>
+          <a:p>
+            <a:pPr lvl="0"/>
+            <a:r>
+              <a:rPr lang="en-US" smtClean="0"/>
+              <a:t>Click to edit Master text styles</a:t>
+            </a:r>
+          </a:p>
+          <a:p>
+            <a:pPr lvl="1"/>
+            <a:r>
+              <a:rPr lang="en-US" smtClean="0"/>
+              <a:t>Second level</a:t>
+            </a:r>
+          </a:p>
+          <a:p>
+            <a:pPr lvl="2"/>
+            <a:r>
+              <a:rPr lang="en-US" smtClean="0"/>
+              <a:t>Third level</a:t>
+            </a:r>
+          </a:p>
+          <a:p>
+            <a:pPr lvl="3"/>
+            <a:r>
+              <a:rPr lang="en-US" smtClean="0"/>
+              <a:t>Fourth level</a:t>
+            </a:r>
+          </a:p>
+          <a:p>
+            <a:pPr lvl="4"/>
+            <a:r>
+              <a:rPr lang="en-US" smtClean="0"/>
+              <a:t>Fifth level</a:t>
+            </a:r>
+            <a:endParaRPr lang="en-US"/>
+          </a:p>
+        </p:txBody>
+      </p:sp>
+      <p:sp>
+        <p:nvSpPr>
+          <p:cNvPr id="7" name="Date Placeholder 6"/>
+          <p:cNvSpPr>
+            <a:spLocks noGrp="1"/>
+          </p:cNvSpPr>
+          <p:nvPr>
+            <p:ph type="dt" sz="half" idx="10"/>
+          </p:nvPr>
+        </p:nvSpPr>
+        <p:spPr/>
+        <p:txBody>
+          <a:bodyPr/>
+          <a:lstStyle/>
+          <a:p>
+            <a:fld id="{E3EC1F0C-1782-5F47-BF85-11C088307CCE}" type="datetime1">
+              <a:rPr lang="en-US" smtClean="0"/>
+              <a:t>7/26/16</a:t>
+            </a:fld>
+            <a:endParaRPr lang="en-US"/>
+          </a:p>
+        </p:txBody>
+      </p:sp>
+      <p:sp>
+        <p:nvSpPr>
+          <p:cNvPr id="8" name="Footer Placeholder 7"/>
+          <p:cNvSpPr>
+            <a:spLocks noGrp="1"/>
+          </p:cNvSpPr>
+          <p:nvPr>
+            <p:ph type="ftr" sz="quarter" idx="11"/>
+          </p:nvPr>
+        </p:nvSpPr>
+        <p:spPr/>
+        <p:txBody>
+          <a:bodyPr/>
+          <a:lstStyle/>
+          <a:p>
+            <a:r>
+              <a:rPr lang="en-US" smtClean="0"/>
+              <a:t>© EV3Lessons.com, 2016, (Last edit: 7/04/2016)</a:t>
+            </a:r>
+            <a:endParaRPr lang="en-US"/>
+          </a:p>
+        </p:txBody>
+      </p:sp>
+      <p:sp>
+        <p:nvSpPr>
+          <p:cNvPr id="9" name="Slide Number Placeholder 8"/>
+          <p:cNvSpPr>
+            <a:spLocks noGrp="1"/>
+          </p:cNvSpPr>
+          <p:nvPr>
+            <p:ph type="sldNum" sz="quarter" idx="12"/>
+          </p:nvPr>
+        </p:nvSpPr>
+        <p:spPr/>
+        <p:txBody>
+          <a:bodyPr/>
+          <a:lstStyle/>
+          <a:p>
+            <a:fld id="{4DBC7FC8-25FB-FC45-8177-2B991DA6778C}" type="slidenum">
+              <a:rPr lang="en-US" smtClean="0"/>
+              <a:t>‹#›</a:t>
+            </a:fld>
+            <a:endParaRPr lang="en-US"/>
+          </a:p>
+        </p:txBody>
+      </p:sp>
+    </p:spTree>
+    <p:extLst>
+      <p:ext uri="{BB962C8B-B14F-4D97-AF65-F5344CB8AC3E}">
+        <p14:creationId xmlns:p14="http://schemas.microsoft.com/office/powerpoint/2010/main" val="621654333"/>
+      </p:ext>
+    </p:extLst>
+  </p:cSld>
+  <p:clrMapOvr>
+    <a:masterClrMapping/>
+  </p:clrMapOvr>
+</p:sldLayout>
+</file>
+
+<file path=ppt/slideLayouts/slideLayout28.xml><?xml version="1.0" encoding="utf-8"?>
+<p:sldLayout xmlns:a="http://schemas.openxmlformats.org/drawingml/2006/main" xmlns:r="http://schemas.openxmlformats.org/officeDocument/2006/relationships" xmlns:p="http://schemas.openxmlformats.org/presentationml/2006/main" type="titleOnly" preserve="1">
+  <p:cSld name="Title Only">
+    <p:spTree>
+      <p:nvGrpSpPr>
+        <p:cNvPr id="1" name=""/>
+        <p:cNvGrpSpPr/>
+        <p:nvPr/>
+      </p:nvGrpSpPr>
+      <p:grpSpPr>
+        <a:xfrm>
+          <a:off x="0" y="0"/>
+          <a:ext cx="0" cy="0"/>
+          <a:chOff x="0" y="0"/>
+          <a:chExt cx="0" cy="0"/>
+        </a:xfrm>
+      </p:grpSpPr>
+      <p:sp>
+        <p:nvSpPr>
+          <p:cNvPr id="2" name="Title 1"/>
+          <p:cNvSpPr>
+            <a:spLocks noGrp="1"/>
+          </p:cNvSpPr>
+          <p:nvPr>
+            <p:ph type="title"/>
+          </p:nvPr>
+        </p:nvSpPr>
+        <p:spPr/>
+        <p:txBody>
+          <a:bodyPr/>
+          <a:lstStyle/>
+          <a:p>
+            <a:r>
+              <a:rPr lang="en-US" smtClean="0"/>
+              <a:t>Click to edit Master title style</a:t>
+            </a:r>
+            <a:endParaRPr lang="en-US"/>
+          </a:p>
+        </p:txBody>
+      </p:sp>
+      <p:sp>
+        <p:nvSpPr>
+          <p:cNvPr id="3" name="Date Placeholder 2"/>
+          <p:cNvSpPr>
+            <a:spLocks noGrp="1"/>
+          </p:cNvSpPr>
+          <p:nvPr>
+            <p:ph type="dt" sz="half" idx="10"/>
+          </p:nvPr>
+        </p:nvSpPr>
+        <p:spPr/>
+        <p:txBody>
+          <a:bodyPr/>
+          <a:lstStyle/>
+          <a:p>
+            <a:fld id="{BD7B37F7-1EB0-5044-95FC-9842E2636BD0}" type="datetime1">
+              <a:rPr lang="en-US" smtClean="0"/>
+              <a:t>7/26/16</a:t>
+            </a:fld>
+            <a:endParaRPr lang="en-US"/>
+          </a:p>
+        </p:txBody>
+      </p:sp>
+      <p:sp>
+        <p:nvSpPr>
+          <p:cNvPr id="4" name="Footer Placeholder 3"/>
+          <p:cNvSpPr>
+            <a:spLocks noGrp="1"/>
+          </p:cNvSpPr>
+          <p:nvPr>
+            <p:ph type="ftr" sz="quarter" idx="11"/>
+          </p:nvPr>
+        </p:nvSpPr>
+        <p:spPr/>
+        <p:txBody>
+          <a:bodyPr/>
+          <a:lstStyle/>
+          <a:p>
+            <a:r>
+              <a:rPr lang="en-US" smtClean="0"/>
+              <a:t>© EV3Lessons.com, 2016, (Last edit: 7/04/2016)</a:t>
+            </a:r>
+            <a:endParaRPr lang="en-US"/>
+          </a:p>
+        </p:txBody>
+      </p:sp>
+      <p:sp>
+        <p:nvSpPr>
+          <p:cNvPr id="5" name="Slide Number Placeholder 4"/>
+          <p:cNvSpPr>
+            <a:spLocks noGrp="1"/>
+          </p:cNvSpPr>
+          <p:nvPr>
+            <p:ph type="sldNum" sz="quarter" idx="12"/>
+          </p:nvPr>
+        </p:nvSpPr>
+        <p:spPr/>
+        <p:txBody>
+          <a:bodyPr/>
+          <a:lstStyle/>
+          <a:p>
+            <a:fld id="{4DBC7FC8-25FB-FC45-8177-2B991DA6778C}" type="slidenum">
+              <a:rPr lang="en-US" smtClean="0"/>
+              <a:t>‹#›</a:t>
+            </a:fld>
+            <a:endParaRPr lang="en-US"/>
+          </a:p>
+        </p:txBody>
+      </p:sp>
+    </p:spTree>
+    <p:extLst>
+      <p:ext uri="{BB962C8B-B14F-4D97-AF65-F5344CB8AC3E}">
+        <p14:creationId xmlns:p14="http://schemas.microsoft.com/office/powerpoint/2010/main" val="636432076"/>
+      </p:ext>
+    </p:extLst>
+  </p:cSld>
+  <p:clrMapOvr>
+    <a:masterClrMapping/>
+  </p:clrMapOvr>
+</p:sldLayout>
+</file>
+
+<file path=ppt/slideLayouts/slideLayout29.xml><?xml version="1.0" encoding="utf-8"?>
+<p:sldLayout xmlns:a="http://schemas.openxmlformats.org/drawingml/2006/main" xmlns:r="http://schemas.openxmlformats.org/officeDocument/2006/relationships" xmlns:p="http://schemas.openxmlformats.org/presentationml/2006/main" type="blank" preserve="1">
+  <p:cSld name="Blank">
+    <p:spTree>
+      <p:nvGrpSpPr>
+        <p:cNvPr id="1" name=""/>
+        <p:cNvGrpSpPr/>
+        <p:nvPr/>
+      </p:nvGrpSpPr>
+      <p:grpSpPr>
+        <a:xfrm>
+          <a:off x="0" y="0"/>
+          <a:ext cx="0" cy="0"/>
+          <a:chOff x="0" y="0"/>
+          <a:chExt cx="0" cy="0"/>
+        </a:xfrm>
+      </p:grpSpPr>
+      <p:sp>
+        <p:nvSpPr>
+          <p:cNvPr id="2" name="Date Placeholder 1"/>
+          <p:cNvSpPr>
+            <a:spLocks noGrp="1"/>
+          </p:cNvSpPr>
+          <p:nvPr>
+            <p:ph type="dt" sz="half" idx="10"/>
+          </p:nvPr>
+        </p:nvSpPr>
+        <p:spPr/>
+        <p:txBody>
+          <a:bodyPr/>
+          <a:lstStyle/>
+          <a:p>
+            <a:fld id="{15137DE7-B9EE-4D40-A0EF-808DD4E7182D}" type="datetime1">
+              <a:rPr lang="en-US" smtClean="0"/>
+              <a:t>7/26/16</a:t>
+            </a:fld>
+            <a:endParaRPr lang="en-US"/>
+          </a:p>
+        </p:txBody>
+      </p:sp>
+      <p:sp>
+        <p:nvSpPr>
+          <p:cNvPr id="3" name="Footer Placeholder 2"/>
+          <p:cNvSpPr>
+            <a:spLocks noGrp="1"/>
+          </p:cNvSpPr>
+          <p:nvPr>
+            <p:ph type="ftr" sz="quarter" idx="11"/>
+          </p:nvPr>
+        </p:nvSpPr>
+        <p:spPr/>
+        <p:txBody>
+          <a:bodyPr/>
+          <a:lstStyle/>
+          <a:p>
+            <a:r>
+              <a:rPr lang="en-US" smtClean="0"/>
+              <a:t>© EV3Lessons.com, 2016, (Last edit: 7/04/2016)</a:t>
+            </a:r>
+            <a:endParaRPr lang="en-US"/>
+          </a:p>
+        </p:txBody>
+      </p:sp>
+      <p:sp>
+        <p:nvSpPr>
+          <p:cNvPr id="4" name="Slide Number Placeholder 3"/>
+          <p:cNvSpPr>
+            <a:spLocks noGrp="1"/>
+          </p:cNvSpPr>
+          <p:nvPr>
+            <p:ph type="sldNum" sz="quarter" idx="12"/>
+          </p:nvPr>
+        </p:nvSpPr>
+        <p:spPr/>
+        <p:txBody>
+          <a:bodyPr/>
+          <a:lstStyle/>
+          <a:p>
+            <a:fld id="{4DBC7FC8-25FB-FC45-8177-2B991DA6778C}" type="slidenum">
+              <a:rPr lang="en-US" smtClean="0"/>
+              <a:t>‹#›</a:t>
+            </a:fld>
+            <a:endParaRPr lang="en-US"/>
+          </a:p>
+        </p:txBody>
+      </p:sp>
+    </p:spTree>
+    <p:extLst>
+      <p:ext uri="{BB962C8B-B14F-4D97-AF65-F5344CB8AC3E}">
+        <p14:creationId xmlns:p14="http://schemas.microsoft.com/office/powerpoint/2010/main" val="2045339272"/>
       </p:ext>
     </p:extLst>
   </p:cSld>
@@ -4625,7 +6210,7 @@
           <a:p>
             <a:fld id="{1C313BDA-17A9-8749-A339-66F6E8E03A82}" type="datetime1">
               <a:rPr lang="en-US" smtClean="0"/>
-              <a:t>7/19/16</a:t>
+              <a:t>7/26/16</a:t>
             </a:fld>
             <a:endParaRPr lang="en-US"/>
           </a:p>
@@ -4689,6 +6274,2915 @@
     <p:extLst>
       <p:ext uri="{BB962C8B-B14F-4D97-AF65-F5344CB8AC3E}">
         <p14:creationId xmlns:p14="http://schemas.microsoft.com/office/powerpoint/2010/main" val="2086529222"/>
+      </p:ext>
+    </p:extLst>
+  </p:cSld>
+  <p:clrMapOvr>
+    <a:masterClrMapping/>
+  </p:clrMapOvr>
+</p:sldLayout>
+</file>
+
+<file path=ppt/slideLayouts/slideLayout30.xml><?xml version="1.0" encoding="utf-8"?>
+<p:sldLayout xmlns:a="http://schemas.openxmlformats.org/drawingml/2006/main" xmlns:r="http://schemas.openxmlformats.org/officeDocument/2006/relationships" xmlns:p="http://schemas.openxmlformats.org/presentationml/2006/main" type="objTx" preserve="1">
+  <p:cSld name="Content with Caption">
+    <p:spTree>
+      <p:nvGrpSpPr>
+        <p:cNvPr id="1" name=""/>
+        <p:cNvGrpSpPr/>
+        <p:nvPr/>
+      </p:nvGrpSpPr>
+      <p:grpSpPr>
+        <a:xfrm>
+          <a:off x="0" y="0"/>
+          <a:ext cx="0" cy="0"/>
+          <a:chOff x="0" y="0"/>
+          <a:chExt cx="0" cy="0"/>
+        </a:xfrm>
+      </p:grpSpPr>
+      <p:sp>
+        <p:nvSpPr>
+          <p:cNvPr id="2" name="Title 1"/>
+          <p:cNvSpPr>
+            <a:spLocks noGrp="1"/>
+          </p:cNvSpPr>
+          <p:nvPr>
+            <p:ph type="title"/>
+          </p:nvPr>
+        </p:nvSpPr>
+        <p:spPr>
+          <a:xfrm>
+            <a:off x="630238" y="457200"/>
+            <a:ext cx="2949575" cy="1600200"/>
+          </a:xfrm>
+        </p:spPr>
+        <p:txBody>
+          <a:bodyPr anchor="b"/>
+          <a:lstStyle>
+            <a:lvl1pPr>
+              <a:defRPr sz="3200"/>
+            </a:lvl1pPr>
+          </a:lstStyle>
+          <a:p>
+            <a:r>
+              <a:rPr lang="en-US" smtClean="0"/>
+              <a:t>Click to edit Master title style</a:t>
+            </a:r>
+            <a:endParaRPr lang="en-US"/>
+          </a:p>
+        </p:txBody>
+      </p:sp>
+      <p:sp>
+        <p:nvSpPr>
+          <p:cNvPr id="3" name="Content Placeholder 2"/>
+          <p:cNvSpPr>
+            <a:spLocks noGrp="1"/>
+          </p:cNvSpPr>
+          <p:nvPr>
+            <p:ph idx="1"/>
+          </p:nvPr>
+        </p:nvSpPr>
+        <p:spPr>
+          <a:xfrm>
+            <a:off x="3887788" y="987425"/>
+            <a:ext cx="4629150" cy="4873625"/>
+          </a:xfrm>
+        </p:spPr>
+        <p:txBody>
+          <a:bodyPr/>
+          <a:lstStyle>
+            <a:lvl1pPr>
+              <a:defRPr sz="3200"/>
+            </a:lvl1pPr>
+            <a:lvl2pPr>
+              <a:defRPr sz="2800"/>
+            </a:lvl2pPr>
+            <a:lvl3pPr>
+              <a:defRPr sz="2400"/>
+            </a:lvl3pPr>
+            <a:lvl4pPr>
+              <a:defRPr sz="2000"/>
+            </a:lvl4pPr>
+            <a:lvl5pPr>
+              <a:defRPr sz="2000"/>
+            </a:lvl5pPr>
+            <a:lvl6pPr>
+              <a:defRPr sz="2000"/>
+            </a:lvl6pPr>
+            <a:lvl7pPr>
+              <a:defRPr sz="2000"/>
+            </a:lvl7pPr>
+            <a:lvl8pPr>
+              <a:defRPr sz="2000"/>
+            </a:lvl8pPr>
+            <a:lvl9pPr>
+              <a:defRPr sz="2000"/>
+            </a:lvl9pPr>
+          </a:lstStyle>
+          <a:p>
+            <a:pPr lvl="0"/>
+            <a:r>
+              <a:rPr lang="en-US" smtClean="0"/>
+              <a:t>Click to edit Master text styles</a:t>
+            </a:r>
+          </a:p>
+          <a:p>
+            <a:pPr lvl="1"/>
+            <a:r>
+              <a:rPr lang="en-US" smtClean="0"/>
+              <a:t>Second level</a:t>
+            </a:r>
+          </a:p>
+          <a:p>
+            <a:pPr lvl="2"/>
+            <a:r>
+              <a:rPr lang="en-US" smtClean="0"/>
+              <a:t>Third level</a:t>
+            </a:r>
+          </a:p>
+          <a:p>
+            <a:pPr lvl="3"/>
+            <a:r>
+              <a:rPr lang="en-US" smtClean="0"/>
+              <a:t>Fourth level</a:t>
+            </a:r>
+          </a:p>
+          <a:p>
+            <a:pPr lvl="4"/>
+            <a:r>
+              <a:rPr lang="en-US" smtClean="0"/>
+              <a:t>Fifth level</a:t>
+            </a:r>
+            <a:endParaRPr lang="en-US"/>
+          </a:p>
+        </p:txBody>
+      </p:sp>
+      <p:sp>
+        <p:nvSpPr>
+          <p:cNvPr id="4" name="Text Placeholder 3"/>
+          <p:cNvSpPr>
+            <a:spLocks noGrp="1"/>
+          </p:cNvSpPr>
+          <p:nvPr>
+            <p:ph type="body" sz="half" idx="2"/>
+          </p:nvPr>
+        </p:nvSpPr>
+        <p:spPr>
+          <a:xfrm>
+            <a:off x="630238" y="2057400"/>
+            <a:ext cx="2949575" cy="3811588"/>
+          </a:xfrm>
+        </p:spPr>
+        <p:txBody>
+          <a:bodyPr/>
+          <a:lstStyle>
+            <a:lvl1pPr marL="0" indent="0">
+              <a:buNone/>
+              <a:defRPr sz="1600"/>
+            </a:lvl1pPr>
+            <a:lvl2pPr marL="457200" indent="0">
+              <a:buNone/>
+              <a:defRPr sz="1400"/>
+            </a:lvl2pPr>
+            <a:lvl3pPr marL="914400" indent="0">
+              <a:buNone/>
+              <a:defRPr sz="1200"/>
+            </a:lvl3pPr>
+            <a:lvl4pPr marL="1371600" indent="0">
+              <a:buNone/>
+              <a:defRPr sz="1000"/>
+            </a:lvl4pPr>
+            <a:lvl5pPr marL="1828800" indent="0">
+              <a:buNone/>
+              <a:defRPr sz="1000"/>
+            </a:lvl5pPr>
+            <a:lvl6pPr marL="2286000" indent="0">
+              <a:buNone/>
+              <a:defRPr sz="1000"/>
+            </a:lvl6pPr>
+            <a:lvl7pPr marL="2743200" indent="0">
+              <a:buNone/>
+              <a:defRPr sz="1000"/>
+            </a:lvl7pPr>
+            <a:lvl8pPr marL="3200400" indent="0">
+              <a:buNone/>
+              <a:defRPr sz="1000"/>
+            </a:lvl8pPr>
+            <a:lvl9pPr marL="3657600" indent="0">
+              <a:buNone/>
+              <a:defRPr sz="1000"/>
+            </a:lvl9pPr>
+          </a:lstStyle>
+          <a:p>
+            <a:pPr lvl="0"/>
+            <a:r>
+              <a:rPr lang="en-US" smtClean="0"/>
+              <a:t>Click to edit Master text styles</a:t>
+            </a:r>
+          </a:p>
+        </p:txBody>
+      </p:sp>
+      <p:sp>
+        <p:nvSpPr>
+          <p:cNvPr id="5" name="Date Placeholder 4"/>
+          <p:cNvSpPr>
+            <a:spLocks noGrp="1"/>
+          </p:cNvSpPr>
+          <p:nvPr>
+            <p:ph type="dt" sz="half" idx="10"/>
+          </p:nvPr>
+        </p:nvSpPr>
+        <p:spPr/>
+        <p:txBody>
+          <a:bodyPr/>
+          <a:lstStyle/>
+          <a:p>
+            <a:fld id="{CB2395F5-5978-9540-BD24-F2F9C0B9FCBE}" type="datetime1">
+              <a:rPr lang="en-US" smtClean="0"/>
+              <a:t>7/26/16</a:t>
+            </a:fld>
+            <a:endParaRPr lang="en-US"/>
+          </a:p>
+        </p:txBody>
+      </p:sp>
+      <p:sp>
+        <p:nvSpPr>
+          <p:cNvPr id="6" name="Footer Placeholder 5"/>
+          <p:cNvSpPr>
+            <a:spLocks noGrp="1"/>
+          </p:cNvSpPr>
+          <p:nvPr>
+            <p:ph type="ftr" sz="quarter" idx="11"/>
+          </p:nvPr>
+        </p:nvSpPr>
+        <p:spPr/>
+        <p:txBody>
+          <a:bodyPr/>
+          <a:lstStyle/>
+          <a:p>
+            <a:r>
+              <a:rPr lang="en-US" smtClean="0"/>
+              <a:t>© EV3Lessons.com, 2016, (Last edit: 7/04/2016)</a:t>
+            </a:r>
+            <a:endParaRPr lang="en-US"/>
+          </a:p>
+        </p:txBody>
+      </p:sp>
+      <p:sp>
+        <p:nvSpPr>
+          <p:cNvPr id="7" name="Slide Number Placeholder 6"/>
+          <p:cNvSpPr>
+            <a:spLocks noGrp="1"/>
+          </p:cNvSpPr>
+          <p:nvPr>
+            <p:ph type="sldNum" sz="quarter" idx="12"/>
+          </p:nvPr>
+        </p:nvSpPr>
+        <p:spPr/>
+        <p:txBody>
+          <a:bodyPr/>
+          <a:lstStyle/>
+          <a:p>
+            <a:fld id="{4DBC7FC8-25FB-FC45-8177-2B991DA6778C}" type="slidenum">
+              <a:rPr lang="en-US" smtClean="0"/>
+              <a:t>‹#›</a:t>
+            </a:fld>
+            <a:endParaRPr lang="en-US"/>
+          </a:p>
+        </p:txBody>
+      </p:sp>
+    </p:spTree>
+    <p:extLst>
+      <p:ext uri="{BB962C8B-B14F-4D97-AF65-F5344CB8AC3E}">
+        <p14:creationId xmlns:p14="http://schemas.microsoft.com/office/powerpoint/2010/main" val="1246406975"/>
+      </p:ext>
+    </p:extLst>
+  </p:cSld>
+  <p:clrMapOvr>
+    <a:masterClrMapping/>
+  </p:clrMapOvr>
+</p:sldLayout>
+</file>
+
+<file path=ppt/slideLayouts/slideLayout31.xml><?xml version="1.0" encoding="utf-8"?>
+<p:sldLayout xmlns:a="http://schemas.openxmlformats.org/drawingml/2006/main" xmlns:r="http://schemas.openxmlformats.org/officeDocument/2006/relationships" xmlns:p="http://schemas.openxmlformats.org/presentationml/2006/main" type="picTx" preserve="1">
+  <p:cSld name="Picture with Caption">
+    <p:spTree>
+      <p:nvGrpSpPr>
+        <p:cNvPr id="1" name=""/>
+        <p:cNvGrpSpPr/>
+        <p:nvPr/>
+      </p:nvGrpSpPr>
+      <p:grpSpPr>
+        <a:xfrm>
+          <a:off x="0" y="0"/>
+          <a:ext cx="0" cy="0"/>
+          <a:chOff x="0" y="0"/>
+          <a:chExt cx="0" cy="0"/>
+        </a:xfrm>
+      </p:grpSpPr>
+      <p:sp>
+        <p:nvSpPr>
+          <p:cNvPr id="2" name="Title 1"/>
+          <p:cNvSpPr>
+            <a:spLocks noGrp="1"/>
+          </p:cNvSpPr>
+          <p:nvPr>
+            <p:ph type="title"/>
+          </p:nvPr>
+        </p:nvSpPr>
+        <p:spPr>
+          <a:xfrm>
+            <a:off x="630238" y="457200"/>
+            <a:ext cx="2949575" cy="1600200"/>
+          </a:xfrm>
+        </p:spPr>
+        <p:txBody>
+          <a:bodyPr anchor="b"/>
+          <a:lstStyle>
+            <a:lvl1pPr>
+              <a:defRPr sz="3200"/>
+            </a:lvl1pPr>
+          </a:lstStyle>
+          <a:p>
+            <a:r>
+              <a:rPr lang="en-US" smtClean="0"/>
+              <a:t>Click to edit Master title style</a:t>
+            </a:r>
+            <a:endParaRPr lang="en-US"/>
+          </a:p>
+        </p:txBody>
+      </p:sp>
+      <p:sp>
+        <p:nvSpPr>
+          <p:cNvPr id="3" name="Picture Placeholder 2"/>
+          <p:cNvSpPr>
+            <a:spLocks noGrp="1"/>
+          </p:cNvSpPr>
+          <p:nvPr>
+            <p:ph type="pic" idx="1"/>
+          </p:nvPr>
+        </p:nvSpPr>
+        <p:spPr>
+          <a:xfrm>
+            <a:off x="3887788" y="987425"/>
+            <a:ext cx="4629150" cy="4873625"/>
+          </a:xfrm>
+        </p:spPr>
+        <p:txBody>
+          <a:bodyPr/>
+          <a:lstStyle>
+            <a:lvl1pPr marL="0" indent="0">
+              <a:buNone/>
+              <a:defRPr sz="3200"/>
+            </a:lvl1pPr>
+            <a:lvl2pPr marL="457200" indent="0">
+              <a:buNone/>
+              <a:defRPr sz="2800"/>
+            </a:lvl2pPr>
+            <a:lvl3pPr marL="914400" indent="0">
+              <a:buNone/>
+              <a:defRPr sz="2400"/>
+            </a:lvl3pPr>
+            <a:lvl4pPr marL="1371600" indent="0">
+              <a:buNone/>
+              <a:defRPr sz="2000"/>
+            </a:lvl4pPr>
+            <a:lvl5pPr marL="1828800" indent="0">
+              <a:buNone/>
+              <a:defRPr sz="2000"/>
+            </a:lvl5pPr>
+            <a:lvl6pPr marL="2286000" indent="0">
+              <a:buNone/>
+              <a:defRPr sz="2000"/>
+            </a:lvl6pPr>
+            <a:lvl7pPr marL="2743200" indent="0">
+              <a:buNone/>
+              <a:defRPr sz="2000"/>
+            </a:lvl7pPr>
+            <a:lvl8pPr marL="3200400" indent="0">
+              <a:buNone/>
+              <a:defRPr sz="2000"/>
+            </a:lvl8pPr>
+            <a:lvl9pPr marL="3657600" indent="0">
+              <a:buNone/>
+              <a:defRPr sz="2000"/>
+            </a:lvl9pPr>
+          </a:lstStyle>
+          <a:p>
+            <a:r>
+              <a:rPr lang="en-US" smtClean="0"/>
+              <a:t>Drag picture to placeholder or click icon to add</a:t>
+            </a:r>
+            <a:endParaRPr lang="en-US"/>
+          </a:p>
+        </p:txBody>
+      </p:sp>
+      <p:sp>
+        <p:nvSpPr>
+          <p:cNvPr id="4" name="Text Placeholder 3"/>
+          <p:cNvSpPr>
+            <a:spLocks noGrp="1"/>
+          </p:cNvSpPr>
+          <p:nvPr>
+            <p:ph type="body" sz="half" idx="2"/>
+          </p:nvPr>
+        </p:nvSpPr>
+        <p:spPr>
+          <a:xfrm>
+            <a:off x="630238" y="2057400"/>
+            <a:ext cx="2949575" cy="3811588"/>
+          </a:xfrm>
+        </p:spPr>
+        <p:txBody>
+          <a:bodyPr/>
+          <a:lstStyle>
+            <a:lvl1pPr marL="0" indent="0">
+              <a:buNone/>
+              <a:defRPr sz="1600"/>
+            </a:lvl1pPr>
+            <a:lvl2pPr marL="457200" indent="0">
+              <a:buNone/>
+              <a:defRPr sz="1400"/>
+            </a:lvl2pPr>
+            <a:lvl3pPr marL="914400" indent="0">
+              <a:buNone/>
+              <a:defRPr sz="1200"/>
+            </a:lvl3pPr>
+            <a:lvl4pPr marL="1371600" indent="0">
+              <a:buNone/>
+              <a:defRPr sz="1000"/>
+            </a:lvl4pPr>
+            <a:lvl5pPr marL="1828800" indent="0">
+              <a:buNone/>
+              <a:defRPr sz="1000"/>
+            </a:lvl5pPr>
+            <a:lvl6pPr marL="2286000" indent="0">
+              <a:buNone/>
+              <a:defRPr sz="1000"/>
+            </a:lvl6pPr>
+            <a:lvl7pPr marL="2743200" indent="0">
+              <a:buNone/>
+              <a:defRPr sz="1000"/>
+            </a:lvl7pPr>
+            <a:lvl8pPr marL="3200400" indent="0">
+              <a:buNone/>
+              <a:defRPr sz="1000"/>
+            </a:lvl8pPr>
+            <a:lvl9pPr marL="3657600" indent="0">
+              <a:buNone/>
+              <a:defRPr sz="1000"/>
+            </a:lvl9pPr>
+          </a:lstStyle>
+          <a:p>
+            <a:pPr lvl="0"/>
+            <a:r>
+              <a:rPr lang="en-US" smtClean="0"/>
+              <a:t>Click to edit Master text styles</a:t>
+            </a:r>
+          </a:p>
+        </p:txBody>
+      </p:sp>
+      <p:sp>
+        <p:nvSpPr>
+          <p:cNvPr id="5" name="Date Placeholder 4"/>
+          <p:cNvSpPr>
+            <a:spLocks noGrp="1"/>
+          </p:cNvSpPr>
+          <p:nvPr>
+            <p:ph type="dt" sz="half" idx="10"/>
+          </p:nvPr>
+        </p:nvSpPr>
+        <p:spPr/>
+        <p:txBody>
+          <a:bodyPr/>
+          <a:lstStyle/>
+          <a:p>
+            <a:fld id="{7353B662-E131-CF46-AFCD-B12B87E9F76A}" type="datetime1">
+              <a:rPr lang="en-US" smtClean="0"/>
+              <a:t>7/26/16</a:t>
+            </a:fld>
+            <a:endParaRPr lang="en-US"/>
+          </a:p>
+        </p:txBody>
+      </p:sp>
+      <p:sp>
+        <p:nvSpPr>
+          <p:cNvPr id="6" name="Footer Placeholder 5"/>
+          <p:cNvSpPr>
+            <a:spLocks noGrp="1"/>
+          </p:cNvSpPr>
+          <p:nvPr>
+            <p:ph type="ftr" sz="quarter" idx="11"/>
+          </p:nvPr>
+        </p:nvSpPr>
+        <p:spPr/>
+        <p:txBody>
+          <a:bodyPr/>
+          <a:lstStyle/>
+          <a:p>
+            <a:r>
+              <a:rPr lang="en-US" smtClean="0"/>
+              <a:t>© EV3Lessons.com, 2016, (Last edit: 7/04/2016)</a:t>
+            </a:r>
+            <a:endParaRPr lang="en-US"/>
+          </a:p>
+        </p:txBody>
+      </p:sp>
+      <p:sp>
+        <p:nvSpPr>
+          <p:cNvPr id="7" name="Slide Number Placeholder 6"/>
+          <p:cNvSpPr>
+            <a:spLocks noGrp="1"/>
+          </p:cNvSpPr>
+          <p:nvPr>
+            <p:ph type="sldNum" sz="quarter" idx="12"/>
+          </p:nvPr>
+        </p:nvSpPr>
+        <p:spPr/>
+        <p:txBody>
+          <a:bodyPr/>
+          <a:lstStyle/>
+          <a:p>
+            <a:fld id="{4DBC7FC8-25FB-FC45-8177-2B991DA6778C}" type="slidenum">
+              <a:rPr lang="en-US" smtClean="0"/>
+              <a:t>‹#›</a:t>
+            </a:fld>
+            <a:endParaRPr lang="en-US"/>
+          </a:p>
+        </p:txBody>
+      </p:sp>
+    </p:spTree>
+    <p:extLst>
+      <p:ext uri="{BB962C8B-B14F-4D97-AF65-F5344CB8AC3E}">
+        <p14:creationId xmlns:p14="http://schemas.microsoft.com/office/powerpoint/2010/main" val="1806535987"/>
+      </p:ext>
+    </p:extLst>
+  </p:cSld>
+  <p:clrMapOvr>
+    <a:masterClrMapping/>
+  </p:clrMapOvr>
+</p:sldLayout>
+</file>
+
+<file path=ppt/slideLayouts/slideLayout32.xml><?xml version="1.0" encoding="utf-8"?>
+<p:sldLayout xmlns:a="http://schemas.openxmlformats.org/drawingml/2006/main" xmlns:r="http://schemas.openxmlformats.org/officeDocument/2006/relationships" xmlns:p="http://schemas.openxmlformats.org/presentationml/2006/main" type="vertTx" preserve="1">
+  <p:cSld name="Title and Vertical Text">
+    <p:spTree>
+      <p:nvGrpSpPr>
+        <p:cNvPr id="1" name=""/>
+        <p:cNvGrpSpPr/>
+        <p:nvPr/>
+      </p:nvGrpSpPr>
+      <p:grpSpPr>
+        <a:xfrm>
+          <a:off x="0" y="0"/>
+          <a:ext cx="0" cy="0"/>
+          <a:chOff x="0" y="0"/>
+          <a:chExt cx="0" cy="0"/>
+        </a:xfrm>
+      </p:grpSpPr>
+      <p:sp>
+        <p:nvSpPr>
+          <p:cNvPr id="2" name="Title 1"/>
+          <p:cNvSpPr>
+            <a:spLocks noGrp="1"/>
+          </p:cNvSpPr>
+          <p:nvPr>
+            <p:ph type="title"/>
+          </p:nvPr>
+        </p:nvSpPr>
+        <p:spPr/>
+        <p:txBody>
+          <a:bodyPr/>
+          <a:lstStyle/>
+          <a:p>
+            <a:r>
+              <a:rPr lang="en-US" smtClean="0"/>
+              <a:t>Click to edit Master title style</a:t>
+            </a:r>
+            <a:endParaRPr lang="en-US"/>
+          </a:p>
+        </p:txBody>
+      </p:sp>
+      <p:sp>
+        <p:nvSpPr>
+          <p:cNvPr id="3" name="Vertical Text Placeholder 2"/>
+          <p:cNvSpPr>
+            <a:spLocks noGrp="1"/>
+          </p:cNvSpPr>
+          <p:nvPr>
+            <p:ph type="body" orient="vert" idx="1"/>
+          </p:nvPr>
+        </p:nvSpPr>
+        <p:spPr/>
+        <p:txBody>
+          <a:bodyPr vert="eaVert"/>
+          <a:lstStyle/>
+          <a:p>
+            <a:pPr lvl="0"/>
+            <a:r>
+              <a:rPr lang="en-US" smtClean="0"/>
+              <a:t>Click to edit Master text styles</a:t>
+            </a:r>
+          </a:p>
+          <a:p>
+            <a:pPr lvl="1"/>
+            <a:r>
+              <a:rPr lang="en-US" smtClean="0"/>
+              <a:t>Second level</a:t>
+            </a:r>
+          </a:p>
+          <a:p>
+            <a:pPr lvl="2"/>
+            <a:r>
+              <a:rPr lang="en-US" smtClean="0"/>
+              <a:t>Third level</a:t>
+            </a:r>
+          </a:p>
+          <a:p>
+            <a:pPr lvl="3"/>
+            <a:r>
+              <a:rPr lang="en-US" smtClean="0"/>
+              <a:t>Fourth level</a:t>
+            </a:r>
+          </a:p>
+          <a:p>
+            <a:pPr lvl="4"/>
+            <a:r>
+              <a:rPr lang="en-US" smtClean="0"/>
+              <a:t>Fifth level</a:t>
+            </a:r>
+            <a:endParaRPr lang="en-US"/>
+          </a:p>
+        </p:txBody>
+      </p:sp>
+      <p:sp>
+        <p:nvSpPr>
+          <p:cNvPr id="4" name="Date Placeholder 3"/>
+          <p:cNvSpPr>
+            <a:spLocks noGrp="1"/>
+          </p:cNvSpPr>
+          <p:nvPr>
+            <p:ph type="dt" sz="half" idx="10"/>
+          </p:nvPr>
+        </p:nvSpPr>
+        <p:spPr/>
+        <p:txBody>
+          <a:bodyPr/>
+          <a:lstStyle/>
+          <a:p>
+            <a:fld id="{D870FF91-69EB-A04C-9075-744B7A39257F}" type="datetime1">
+              <a:rPr lang="en-US" smtClean="0"/>
+              <a:t>7/26/16</a:t>
+            </a:fld>
+            <a:endParaRPr lang="en-US"/>
+          </a:p>
+        </p:txBody>
+      </p:sp>
+      <p:sp>
+        <p:nvSpPr>
+          <p:cNvPr id="5" name="Footer Placeholder 4"/>
+          <p:cNvSpPr>
+            <a:spLocks noGrp="1"/>
+          </p:cNvSpPr>
+          <p:nvPr>
+            <p:ph type="ftr" sz="quarter" idx="11"/>
+          </p:nvPr>
+        </p:nvSpPr>
+        <p:spPr/>
+        <p:txBody>
+          <a:bodyPr/>
+          <a:lstStyle/>
+          <a:p>
+            <a:r>
+              <a:rPr lang="en-US" smtClean="0"/>
+              <a:t>© EV3Lessons.com, 2016, (Last edit: 7/04/2016)</a:t>
+            </a:r>
+            <a:endParaRPr lang="en-US"/>
+          </a:p>
+        </p:txBody>
+      </p:sp>
+      <p:sp>
+        <p:nvSpPr>
+          <p:cNvPr id="6" name="Slide Number Placeholder 5"/>
+          <p:cNvSpPr>
+            <a:spLocks noGrp="1"/>
+          </p:cNvSpPr>
+          <p:nvPr>
+            <p:ph type="sldNum" sz="quarter" idx="12"/>
+          </p:nvPr>
+        </p:nvSpPr>
+        <p:spPr/>
+        <p:txBody>
+          <a:bodyPr/>
+          <a:lstStyle/>
+          <a:p>
+            <a:fld id="{4DBC7FC8-25FB-FC45-8177-2B991DA6778C}" type="slidenum">
+              <a:rPr lang="en-US" smtClean="0"/>
+              <a:t>‹#›</a:t>
+            </a:fld>
+            <a:endParaRPr lang="en-US"/>
+          </a:p>
+        </p:txBody>
+      </p:sp>
+    </p:spTree>
+    <p:extLst>
+      <p:ext uri="{BB962C8B-B14F-4D97-AF65-F5344CB8AC3E}">
+        <p14:creationId xmlns:p14="http://schemas.microsoft.com/office/powerpoint/2010/main" val="1326532223"/>
+      </p:ext>
+    </p:extLst>
+  </p:cSld>
+  <p:clrMapOvr>
+    <a:masterClrMapping/>
+  </p:clrMapOvr>
+</p:sldLayout>
+</file>
+
+<file path=ppt/slideLayouts/slideLayout33.xml><?xml version="1.0" encoding="utf-8"?>
+<p:sldLayout xmlns:a="http://schemas.openxmlformats.org/drawingml/2006/main" xmlns:r="http://schemas.openxmlformats.org/officeDocument/2006/relationships" xmlns:p="http://schemas.openxmlformats.org/presentationml/2006/main" type="vertTitleAndTx" preserve="1">
+  <p:cSld name="Vertical Title and Text">
+    <p:spTree>
+      <p:nvGrpSpPr>
+        <p:cNvPr id="1" name=""/>
+        <p:cNvGrpSpPr/>
+        <p:nvPr/>
+      </p:nvGrpSpPr>
+      <p:grpSpPr>
+        <a:xfrm>
+          <a:off x="0" y="0"/>
+          <a:ext cx="0" cy="0"/>
+          <a:chOff x="0" y="0"/>
+          <a:chExt cx="0" cy="0"/>
+        </a:xfrm>
+      </p:grpSpPr>
+      <p:sp>
+        <p:nvSpPr>
+          <p:cNvPr id="2" name="Vertical Title 1"/>
+          <p:cNvSpPr>
+            <a:spLocks noGrp="1"/>
+          </p:cNvSpPr>
+          <p:nvPr>
+            <p:ph type="title" orient="vert"/>
+          </p:nvPr>
+        </p:nvSpPr>
+        <p:spPr>
+          <a:xfrm>
+            <a:off x="6543675" y="365125"/>
+            <a:ext cx="1971675" cy="5811838"/>
+          </a:xfrm>
+        </p:spPr>
+        <p:txBody>
+          <a:bodyPr vert="eaVert"/>
+          <a:lstStyle/>
+          <a:p>
+            <a:r>
+              <a:rPr lang="en-US" smtClean="0"/>
+              <a:t>Click to edit Master title style</a:t>
+            </a:r>
+            <a:endParaRPr lang="en-US"/>
+          </a:p>
+        </p:txBody>
+      </p:sp>
+      <p:sp>
+        <p:nvSpPr>
+          <p:cNvPr id="3" name="Vertical Text Placeholder 2"/>
+          <p:cNvSpPr>
+            <a:spLocks noGrp="1"/>
+          </p:cNvSpPr>
+          <p:nvPr>
+            <p:ph type="body" orient="vert" idx="1"/>
+          </p:nvPr>
+        </p:nvSpPr>
+        <p:spPr>
+          <a:xfrm>
+            <a:off x="628650" y="365125"/>
+            <a:ext cx="5762625" cy="5811838"/>
+          </a:xfrm>
+        </p:spPr>
+        <p:txBody>
+          <a:bodyPr vert="eaVert"/>
+          <a:lstStyle/>
+          <a:p>
+            <a:pPr lvl="0"/>
+            <a:r>
+              <a:rPr lang="en-US" smtClean="0"/>
+              <a:t>Click to edit Master text styles</a:t>
+            </a:r>
+          </a:p>
+          <a:p>
+            <a:pPr lvl="1"/>
+            <a:r>
+              <a:rPr lang="en-US" smtClean="0"/>
+              <a:t>Second level</a:t>
+            </a:r>
+          </a:p>
+          <a:p>
+            <a:pPr lvl="2"/>
+            <a:r>
+              <a:rPr lang="en-US" smtClean="0"/>
+              <a:t>Third level</a:t>
+            </a:r>
+          </a:p>
+          <a:p>
+            <a:pPr lvl="3"/>
+            <a:r>
+              <a:rPr lang="en-US" smtClean="0"/>
+              <a:t>Fourth level</a:t>
+            </a:r>
+          </a:p>
+          <a:p>
+            <a:pPr lvl="4"/>
+            <a:r>
+              <a:rPr lang="en-US" smtClean="0"/>
+              <a:t>Fifth level</a:t>
+            </a:r>
+            <a:endParaRPr lang="en-US"/>
+          </a:p>
+        </p:txBody>
+      </p:sp>
+      <p:sp>
+        <p:nvSpPr>
+          <p:cNvPr id="4" name="Date Placeholder 3"/>
+          <p:cNvSpPr>
+            <a:spLocks noGrp="1"/>
+          </p:cNvSpPr>
+          <p:nvPr>
+            <p:ph type="dt" sz="half" idx="10"/>
+          </p:nvPr>
+        </p:nvSpPr>
+        <p:spPr/>
+        <p:txBody>
+          <a:bodyPr/>
+          <a:lstStyle/>
+          <a:p>
+            <a:fld id="{C5531555-486E-2642-8608-DCAD4EE13C81}" type="datetime1">
+              <a:rPr lang="en-US" smtClean="0"/>
+              <a:t>7/26/16</a:t>
+            </a:fld>
+            <a:endParaRPr lang="en-US"/>
+          </a:p>
+        </p:txBody>
+      </p:sp>
+      <p:sp>
+        <p:nvSpPr>
+          <p:cNvPr id="5" name="Footer Placeholder 4"/>
+          <p:cNvSpPr>
+            <a:spLocks noGrp="1"/>
+          </p:cNvSpPr>
+          <p:nvPr>
+            <p:ph type="ftr" sz="quarter" idx="11"/>
+          </p:nvPr>
+        </p:nvSpPr>
+        <p:spPr/>
+        <p:txBody>
+          <a:bodyPr/>
+          <a:lstStyle/>
+          <a:p>
+            <a:r>
+              <a:rPr lang="en-US" smtClean="0"/>
+              <a:t>© EV3Lessons.com, 2016, (Last edit: 7/04/2016)</a:t>
+            </a:r>
+            <a:endParaRPr lang="en-US"/>
+          </a:p>
+        </p:txBody>
+      </p:sp>
+      <p:sp>
+        <p:nvSpPr>
+          <p:cNvPr id="6" name="Slide Number Placeholder 5"/>
+          <p:cNvSpPr>
+            <a:spLocks noGrp="1"/>
+          </p:cNvSpPr>
+          <p:nvPr>
+            <p:ph type="sldNum" sz="quarter" idx="12"/>
+          </p:nvPr>
+        </p:nvSpPr>
+        <p:spPr/>
+        <p:txBody>
+          <a:bodyPr/>
+          <a:lstStyle/>
+          <a:p>
+            <a:fld id="{4DBC7FC8-25FB-FC45-8177-2B991DA6778C}" type="slidenum">
+              <a:rPr lang="en-US" smtClean="0"/>
+              <a:t>‹#›</a:t>
+            </a:fld>
+            <a:endParaRPr lang="en-US"/>
+          </a:p>
+        </p:txBody>
+      </p:sp>
+    </p:spTree>
+    <p:extLst>
+      <p:ext uri="{BB962C8B-B14F-4D97-AF65-F5344CB8AC3E}">
+        <p14:creationId xmlns:p14="http://schemas.microsoft.com/office/powerpoint/2010/main" val="1999332454"/>
+      </p:ext>
+    </p:extLst>
+  </p:cSld>
+  <p:clrMapOvr>
+    <a:masterClrMapping/>
+  </p:clrMapOvr>
+</p:sldLayout>
+</file>
+
+<file path=ppt/slideLayouts/slideLayout34.xml><?xml version="1.0" encoding="utf-8"?>
+<p:sldLayout xmlns:a="http://schemas.openxmlformats.org/drawingml/2006/main" xmlns:r="http://schemas.openxmlformats.org/officeDocument/2006/relationships" xmlns:p="http://schemas.openxmlformats.org/presentationml/2006/main" showMasterSp="0" type="title" preserve="1">
+  <p:cSld name="Title Slide">
+    <p:bg>
+      <p:bgRef idx="1001">
+        <a:schemeClr val="bg1"/>
+      </p:bgRef>
+    </p:bg>
+    <p:spTree>
+      <p:nvGrpSpPr>
+        <p:cNvPr id="1" name=""/>
+        <p:cNvGrpSpPr/>
+        <p:nvPr/>
+      </p:nvGrpSpPr>
+      <p:grpSpPr>
+        <a:xfrm>
+          <a:off x="0" y="0"/>
+          <a:ext cx="0" cy="0"/>
+          <a:chOff x="0" y="0"/>
+          <a:chExt cx="0" cy="0"/>
+        </a:xfrm>
+      </p:grpSpPr>
+      <p:sp>
+        <p:nvSpPr>
+          <p:cNvPr id="2" name="Title 1"/>
+          <p:cNvSpPr>
+            <a:spLocks noGrp="1"/>
+          </p:cNvSpPr>
+          <p:nvPr>
+            <p:ph type="ctrTitle"/>
+          </p:nvPr>
+        </p:nvSpPr>
+        <p:spPr>
+          <a:xfrm>
+            <a:off x="1436346" y="2341448"/>
+            <a:ext cx="6270922" cy="1732270"/>
+          </a:xfrm>
+        </p:spPr>
+        <p:txBody>
+          <a:bodyPr anchor="b">
+            <a:noAutofit/>
+          </a:bodyPr>
+          <a:lstStyle>
+            <a:lvl1pPr algn="ctr">
+              <a:defRPr sz="4000" cap="all" baseline="0">
+                <a:solidFill>
+                  <a:schemeClr val="tx2"/>
+                </a:solidFill>
+              </a:defRPr>
+            </a:lvl1pPr>
+          </a:lstStyle>
+          <a:p>
+            <a:r>
+              <a:rPr lang="en-US" smtClean="0"/>
+              <a:t>Click to edit Master title style</a:t>
+            </a:r>
+            <a:endParaRPr lang="en-US" dirty="0"/>
+          </a:p>
+        </p:txBody>
+      </p:sp>
+      <p:sp>
+        <p:nvSpPr>
+          <p:cNvPr id="3" name="Subtitle 2"/>
+          <p:cNvSpPr>
+            <a:spLocks noGrp="1"/>
+          </p:cNvSpPr>
+          <p:nvPr>
+            <p:ph type="subTitle" idx="1"/>
+          </p:nvPr>
+        </p:nvSpPr>
+        <p:spPr>
+          <a:xfrm>
+            <a:off x="2009930" y="4465439"/>
+            <a:ext cx="5123755" cy="1086237"/>
+          </a:xfrm>
+        </p:spPr>
+        <p:txBody>
+          <a:bodyPr>
+            <a:normAutofit/>
+          </a:bodyPr>
+          <a:lstStyle>
+            <a:lvl1pPr marL="0" indent="0" algn="ctr">
+              <a:lnSpc>
+                <a:spcPct val="112000"/>
+              </a:lnSpc>
+              <a:spcBef>
+                <a:spcPts val="0"/>
+              </a:spcBef>
+              <a:spcAft>
+                <a:spcPts val="0"/>
+              </a:spcAft>
+              <a:buNone/>
+              <a:defRPr sz="1800"/>
+            </a:lvl1pPr>
+            <a:lvl2pPr marL="342900" indent="0" algn="ctr">
+              <a:buNone/>
+              <a:defRPr sz="1500"/>
+            </a:lvl2pPr>
+            <a:lvl3pPr marL="685800" indent="0" algn="ctr">
+              <a:buNone/>
+              <a:defRPr sz="1350"/>
+            </a:lvl3pPr>
+            <a:lvl4pPr marL="1028700" indent="0" algn="ctr">
+              <a:buNone/>
+              <a:defRPr sz="1200"/>
+            </a:lvl4pPr>
+            <a:lvl5pPr marL="1371600" indent="0" algn="ctr">
+              <a:buNone/>
+              <a:defRPr sz="1200"/>
+            </a:lvl5pPr>
+            <a:lvl6pPr marL="1714500" indent="0" algn="ctr">
+              <a:buNone/>
+              <a:defRPr sz="1200"/>
+            </a:lvl6pPr>
+            <a:lvl7pPr marL="2057400" indent="0" algn="ctr">
+              <a:buNone/>
+              <a:defRPr sz="1200"/>
+            </a:lvl7pPr>
+            <a:lvl8pPr marL="2400300" indent="0" algn="ctr">
+              <a:buNone/>
+              <a:defRPr sz="1200"/>
+            </a:lvl8pPr>
+            <a:lvl9pPr marL="2743200" indent="0" algn="ctr">
+              <a:buNone/>
+              <a:defRPr sz="1200"/>
+            </a:lvl9pPr>
+          </a:lstStyle>
+          <a:p>
+            <a:r>
+              <a:rPr lang="en-US" smtClean="0"/>
+              <a:t>Click to edit Master subtitle style</a:t>
+            </a:r>
+            <a:endParaRPr lang="en-US" dirty="0"/>
+          </a:p>
+        </p:txBody>
+      </p:sp>
+      <p:sp>
+        <p:nvSpPr>
+          <p:cNvPr id="4" name="Date Placeholder 3"/>
+          <p:cNvSpPr>
+            <a:spLocks noGrp="1"/>
+          </p:cNvSpPr>
+          <p:nvPr>
+            <p:ph type="dt" sz="half" idx="10"/>
+          </p:nvPr>
+        </p:nvSpPr>
+        <p:spPr>
+          <a:xfrm>
+            <a:off x="564644" y="6453386"/>
+            <a:ext cx="1205958" cy="404614"/>
+          </a:xfrm>
+        </p:spPr>
+        <p:txBody>
+          <a:bodyPr/>
+          <a:lstStyle>
+            <a:lvl1pPr>
+              <a:defRPr baseline="0">
+                <a:solidFill>
+                  <a:schemeClr val="tx2"/>
+                </a:solidFill>
+              </a:defRPr>
+            </a:lvl1pPr>
+          </a:lstStyle>
+          <a:p>
+            <a:fld id="{63C001C2-5D41-F84D-A1F8-E6C48E93B81B}" type="datetime1">
+              <a:rPr lang="en-US" smtClean="0"/>
+              <a:t>7/26/16</a:t>
+            </a:fld>
+            <a:endParaRPr lang="en-US"/>
+          </a:p>
+        </p:txBody>
+      </p:sp>
+      <p:sp>
+        <p:nvSpPr>
+          <p:cNvPr id="5" name="Footer Placeholder 4"/>
+          <p:cNvSpPr>
+            <a:spLocks noGrp="1"/>
+          </p:cNvSpPr>
+          <p:nvPr>
+            <p:ph type="ftr" sz="quarter" idx="11"/>
+          </p:nvPr>
+        </p:nvSpPr>
+        <p:spPr>
+          <a:xfrm>
+            <a:off x="1938041" y="6453386"/>
+            <a:ext cx="5267533" cy="404614"/>
+          </a:xfrm>
+        </p:spPr>
+        <p:txBody>
+          <a:bodyPr/>
+          <a:lstStyle>
+            <a:lvl1pPr algn="ctr">
+              <a:defRPr baseline="0">
+                <a:solidFill>
+                  <a:schemeClr val="tx2"/>
+                </a:solidFill>
+              </a:defRPr>
+            </a:lvl1pPr>
+          </a:lstStyle>
+          <a:p>
+            <a:r>
+              <a:rPr lang="en-US" smtClean="0"/>
+              <a:t>Copyright © EV3Lessons.com 2016 (Last edit: 7/26/2016)</a:t>
+            </a:r>
+            <a:endParaRPr lang="en-US"/>
+          </a:p>
+        </p:txBody>
+      </p:sp>
+      <p:sp>
+        <p:nvSpPr>
+          <p:cNvPr id="6" name="Slide Number Placeholder 5"/>
+          <p:cNvSpPr>
+            <a:spLocks noGrp="1"/>
+          </p:cNvSpPr>
+          <p:nvPr>
+            <p:ph type="sldNum" sz="quarter" idx="12"/>
+          </p:nvPr>
+        </p:nvSpPr>
+        <p:spPr>
+          <a:xfrm>
+            <a:off x="7373012" y="6453386"/>
+            <a:ext cx="1197219" cy="404614"/>
+          </a:xfrm>
+        </p:spPr>
+        <p:txBody>
+          <a:bodyPr/>
+          <a:lstStyle>
+            <a:lvl1pPr>
+              <a:defRPr baseline="0">
+                <a:solidFill>
+                  <a:schemeClr val="tx2"/>
+                </a:solidFill>
+              </a:defRPr>
+            </a:lvl1pPr>
+          </a:lstStyle>
+          <a:p>
+            <a:fld id="{4DBC7FC8-25FB-FC45-8177-2B991DA6778C}" type="slidenum">
+              <a:rPr lang="en-US" smtClean="0"/>
+              <a:t>‹#›</a:t>
+            </a:fld>
+            <a:endParaRPr lang="en-US" dirty="0"/>
+          </a:p>
+        </p:txBody>
+      </p:sp>
+      <p:grpSp>
+        <p:nvGrpSpPr>
+          <p:cNvPr id="8" name="Group 7"/>
+          <p:cNvGrpSpPr/>
+          <p:nvPr/>
+        </p:nvGrpSpPr>
+        <p:grpSpPr>
+          <a:xfrm>
+            <a:off x="0" y="0"/>
+            <a:ext cx="9143614" cy="6858000"/>
+            <a:chOff x="564643" y="744469"/>
+            <a:chExt cx="9143614" cy="6858000"/>
+          </a:xfrm>
+        </p:grpSpPr>
+        <p:sp>
+          <p:nvSpPr>
+            <p:cNvPr id="11" name="Freeform 6"/>
+            <p:cNvSpPr/>
+            <p:nvPr/>
+          </p:nvSpPr>
+          <p:spPr bwMode="auto">
+            <a:xfrm>
+              <a:off x="7251997" y="3193981"/>
+              <a:ext cx="2456260" cy="4408488"/>
+            </a:xfrm>
+            <a:custGeom>
+              <a:avLst/>
+              <a:gdLst/>
+              <a:ahLst/>
+              <a:cxnLst/>
+              <a:rect l="l" t="t" r="r" b="b"/>
+              <a:pathLst>
+                <a:path w="10000" h="10000">
+                  <a:moveTo>
+                    <a:pt x="8761" y="0"/>
+                  </a:moveTo>
+                  <a:lnTo>
+                    <a:pt x="10000" y="0"/>
+                  </a:lnTo>
+                  <a:lnTo>
+                    <a:pt x="10000" y="10000"/>
+                  </a:lnTo>
+                  <a:lnTo>
+                    <a:pt x="0" y="10000"/>
+                  </a:lnTo>
+                  <a:lnTo>
+                    <a:pt x="0" y="9357"/>
+                  </a:lnTo>
+                  <a:lnTo>
+                    <a:pt x="8761" y="9357"/>
+                  </a:lnTo>
+                  <a:lnTo>
+                    <a:pt x="8761" y="0"/>
+                  </a:lnTo>
+                  <a:close/>
+                </a:path>
+              </a:pathLst>
+            </a:custGeom>
+            <a:solidFill>
+              <a:srgbClr val="7030A0"/>
+            </a:solidFill>
+            <a:ln w="0">
+              <a:noFill/>
+              <a:prstDash val="solid"/>
+              <a:round/>
+              <a:headEnd/>
+              <a:tailEnd/>
+            </a:ln>
+          </p:spPr>
+        </p:sp>
+        <p:sp>
+          <p:nvSpPr>
+            <p:cNvPr id="14" name="Freeform 6"/>
+            <p:cNvSpPr/>
+            <p:nvPr/>
+          </p:nvSpPr>
+          <p:spPr bwMode="auto">
+            <a:xfrm flipH="1" flipV="1">
+              <a:off x="564643" y="744469"/>
+              <a:ext cx="2456505" cy="4408488"/>
+            </a:xfrm>
+            <a:custGeom>
+              <a:avLst/>
+              <a:gdLst/>
+              <a:ahLst/>
+              <a:cxnLst/>
+              <a:rect l="l" t="t" r="r" b="b"/>
+              <a:pathLst>
+                <a:path w="10001" h="10000">
+                  <a:moveTo>
+                    <a:pt x="8762" y="0"/>
+                  </a:moveTo>
+                  <a:lnTo>
+                    <a:pt x="10001" y="0"/>
+                  </a:lnTo>
+                  <a:lnTo>
+                    <a:pt x="10001" y="10000"/>
+                  </a:lnTo>
+                  <a:lnTo>
+                    <a:pt x="1" y="10000"/>
+                  </a:lnTo>
+                  <a:cubicBezTo>
+                    <a:pt x="-2" y="9766"/>
+                    <a:pt x="4" y="9586"/>
+                    <a:pt x="1" y="9352"/>
+                  </a:cubicBezTo>
+                  <a:lnTo>
+                    <a:pt x="8762" y="9346"/>
+                  </a:lnTo>
+                  <a:lnTo>
+                    <a:pt x="8762" y="0"/>
+                  </a:lnTo>
+                  <a:close/>
+                </a:path>
+              </a:pathLst>
+            </a:custGeom>
+            <a:solidFill>
+              <a:srgbClr val="00B050"/>
+            </a:solidFill>
+            <a:ln w="0">
+              <a:noFill/>
+              <a:prstDash val="solid"/>
+              <a:round/>
+              <a:headEnd/>
+              <a:tailEnd/>
+            </a:ln>
+          </p:spPr>
+        </p:sp>
+      </p:grpSp>
+      <p:pic>
+        <p:nvPicPr>
+          <p:cNvPr id="10" name="Picture 9"/>
+          <p:cNvPicPr>
+            <a:picLocks noChangeAspect="1"/>
+          </p:cNvPicPr>
+          <p:nvPr/>
+        </p:nvPicPr>
+        <p:blipFill rotWithShape="1">
+          <a:blip r:embed="rId2">
+            <a:extLst>
+              <a:ext uri="{28A0092B-C50C-407E-A947-70E740481C1C}">
+                <a14:useLocalDpi xmlns:a14="http://schemas.microsoft.com/office/drawing/2010/main" val="0"/>
+              </a:ext>
+            </a:extLst>
+          </a:blip>
+          <a:srcRect l="5403" t="18084" r="3256" b="25058"/>
+          <a:stretch/>
+        </p:blipFill>
+        <p:spPr>
+          <a:xfrm>
+            <a:off x="3601281" y="4879077"/>
+            <a:ext cx="1941298" cy="1208425"/>
+          </a:xfrm>
+          <a:prstGeom prst="rect">
+            <a:avLst/>
+          </a:prstGeom>
+        </p:spPr>
+      </p:pic>
+      <p:sp>
+        <p:nvSpPr>
+          <p:cNvPr id="18" name="TextBox 17"/>
+          <p:cNvSpPr txBox="1"/>
+          <p:nvPr/>
+        </p:nvSpPr>
+        <p:spPr>
+          <a:xfrm>
+            <a:off x="268543" y="451540"/>
+            <a:ext cx="2572323" cy="1077218"/>
+          </a:xfrm>
+          <a:prstGeom prst="rect">
+            <a:avLst/>
+          </a:prstGeom>
+          <a:noFill/>
+        </p:spPr>
+        <p:txBody>
+          <a:bodyPr wrap="square" rtlCol="0">
+            <a:spAutoFit/>
+          </a:bodyPr>
+          <a:lstStyle/>
+          <a:p>
+            <a:pPr algn="ctr"/>
+            <a:r>
+              <a:rPr lang="en-US" sz="3200" smtClean="0"/>
+              <a:t>TABLET LESSONS</a:t>
+            </a:r>
+            <a:endParaRPr lang="en-US" sz="3200" dirty="0"/>
+          </a:p>
+        </p:txBody>
+      </p:sp>
+      <p:pic>
+        <p:nvPicPr>
+          <p:cNvPr id="19" name="Picture 18" descr="EV3Lessons.com"/>
+          <p:cNvPicPr>
+            <a:picLocks noChangeAspect="1" noChangeArrowheads="1"/>
+          </p:cNvPicPr>
+          <p:nvPr/>
+        </p:nvPicPr>
+        <p:blipFill>
+          <a:blip r:embed="rId3">
+            <a:extLst>
+              <a:ext uri="{28A0092B-C50C-407E-A947-70E740481C1C}">
+                <a14:useLocalDpi xmlns:a14="http://schemas.microsoft.com/office/drawing/2010/main" val="0"/>
+              </a:ext>
+            </a:extLst>
+          </a:blip>
+          <a:srcRect/>
+          <a:stretch>
+            <a:fillRect/>
+          </a:stretch>
+        </p:blipFill>
+        <p:spPr bwMode="auto">
+          <a:xfrm>
+            <a:off x="2999442" y="191844"/>
+            <a:ext cx="5787394" cy="2149604"/>
+          </a:xfrm>
+          <a:prstGeom prst="rect">
+            <a:avLst/>
+          </a:prstGeom>
+          <a:noFill/>
+          <a:extLst>
+            <a:ext uri="{909E8E84-426E-40dd-AFC4-6F175D3DCCD1}">
+              <a14:hiddenFill xmlns="" xmlns:a14="http://schemas.microsoft.com/office/drawing/2010/main">
+                <a:solidFill>
+                  <a:srgbClr val="FFFFFF"/>
+                </a:solidFill>
+              </a14:hiddenFill>
+            </a:ext>
+          </a:extLst>
+        </p:spPr>
+      </p:pic>
+    </p:spTree>
+    <p:extLst>
+      <p:ext uri="{BB962C8B-B14F-4D97-AF65-F5344CB8AC3E}">
+        <p14:creationId xmlns:p14="http://schemas.microsoft.com/office/powerpoint/2010/main" val="1636401150"/>
+      </p:ext>
+    </p:extLst>
+  </p:cSld>
+  <p:clrMapOvr>
+    <a:overrideClrMapping bg1="lt1" tx1="dk1" bg2="lt2" tx2="dk2" accent1="accent1" accent2="accent2" accent3="accent3" accent4="accent4" accent5="accent5" accent6="accent6" hlink="hlink" folHlink="folHlink"/>
+  </p:clrMapOvr>
+</p:sldLayout>
+</file>
+
+<file path=ppt/slideLayouts/slideLayout35.xml><?xml version="1.0" encoding="utf-8"?>
+<p:sldLayout xmlns:a="http://schemas.openxmlformats.org/drawingml/2006/main" xmlns:r="http://schemas.openxmlformats.org/officeDocument/2006/relationships" xmlns:p="http://schemas.openxmlformats.org/presentationml/2006/main" type="obj" preserve="1">
+  <p:cSld name="Title and Content">
+    <p:spTree>
+      <p:nvGrpSpPr>
+        <p:cNvPr id="1" name=""/>
+        <p:cNvGrpSpPr/>
+        <p:nvPr/>
+      </p:nvGrpSpPr>
+      <p:grpSpPr>
+        <a:xfrm>
+          <a:off x="0" y="0"/>
+          <a:ext cx="0" cy="0"/>
+          <a:chOff x="0" y="0"/>
+          <a:chExt cx="0" cy="0"/>
+        </a:xfrm>
+      </p:grpSpPr>
+      <p:sp>
+        <p:nvSpPr>
+          <p:cNvPr id="2" name="Title 1"/>
+          <p:cNvSpPr>
+            <a:spLocks noGrp="1"/>
+          </p:cNvSpPr>
+          <p:nvPr>
+            <p:ph type="title"/>
+          </p:nvPr>
+        </p:nvSpPr>
+        <p:spPr>
+          <a:xfrm>
+            <a:off x="633845" y="214114"/>
+            <a:ext cx="8271164" cy="991231"/>
+          </a:xfrm>
+        </p:spPr>
+        <p:txBody>
+          <a:bodyPr/>
+          <a:lstStyle/>
+          <a:p>
+            <a:r>
+              <a:rPr lang="en-US" smtClean="0"/>
+              <a:t>Click to edit Master title style</a:t>
+            </a:r>
+            <a:endParaRPr lang="en-US" dirty="0"/>
+          </a:p>
+        </p:txBody>
+      </p:sp>
+      <p:sp>
+        <p:nvSpPr>
+          <p:cNvPr id="3" name="Content Placeholder 2"/>
+          <p:cNvSpPr>
+            <a:spLocks noGrp="1"/>
+          </p:cNvSpPr>
+          <p:nvPr>
+            <p:ph idx="1"/>
+          </p:nvPr>
+        </p:nvSpPr>
+        <p:spPr>
+          <a:xfrm>
+            <a:off x="633845" y="1672935"/>
+            <a:ext cx="8271164" cy="4561609"/>
+          </a:xfrm>
+        </p:spPr>
+        <p:txBody>
+          <a:bodyPr/>
+          <a:lstStyle/>
+          <a:p>
+            <a:pPr lvl="0"/>
+            <a:r>
+              <a:rPr lang="en-US" smtClean="0"/>
+              <a:t>Click to edit Master text styles</a:t>
+            </a:r>
+          </a:p>
+          <a:p>
+            <a:pPr lvl="1"/>
+            <a:r>
+              <a:rPr lang="en-US" smtClean="0"/>
+              <a:t>Second level</a:t>
+            </a:r>
+          </a:p>
+          <a:p>
+            <a:pPr lvl="2"/>
+            <a:r>
+              <a:rPr lang="en-US" smtClean="0"/>
+              <a:t>Third level</a:t>
+            </a:r>
+          </a:p>
+          <a:p>
+            <a:pPr lvl="3"/>
+            <a:r>
+              <a:rPr lang="en-US" smtClean="0"/>
+              <a:t>Fourth level</a:t>
+            </a:r>
+          </a:p>
+          <a:p>
+            <a:pPr lvl="4"/>
+            <a:r>
+              <a:rPr lang="en-US" smtClean="0"/>
+              <a:t>Fifth level</a:t>
+            </a:r>
+            <a:endParaRPr lang="en-US" dirty="0"/>
+          </a:p>
+        </p:txBody>
+      </p:sp>
+      <p:sp>
+        <p:nvSpPr>
+          <p:cNvPr id="4" name="Date Placeholder 3"/>
+          <p:cNvSpPr>
+            <a:spLocks noGrp="1"/>
+          </p:cNvSpPr>
+          <p:nvPr>
+            <p:ph type="dt" sz="half" idx="10"/>
+          </p:nvPr>
+        </p:nvSpPr>
+        <p:spPr/>
+        <p:txBody>
+          <a:bodyPr/>
+          <a:lstStyle/>
+          <a:p>
+            <a:fld id="{D153FFDF-19E7-844D-A418-E9BE9160A077}" type="datetime1">
+              <a:rPr lang="en-US" smtClean="0"/>
+              <a:t>7/26/16</a:t>
+            </a:fld>
+            <a:endParaRPr lang="en-US"/>
+          </a:p>
+        </p:txBody>
+      </p:sp>
+      <p:sp>
+        <p:nvSpPr>
+          <p:cNvPr id="5" name="Footer Placeholder 4"/>
+          <p:cNvSpPr>
+            <a:spLocks noGrp="1"/>
+          </p:cNvSpPr>
+          <p:nvPr>
+            <p:ph type="ftr" sz="quarter" idx="11"/>
+          </p:nvPr>
+        </p:nvSpPr>
+        <p:spPr/>
+        <p:txBody>
+          <a:bodyPr/>
+          <a:lstStyle/>
+          <a:p>
+            <a:r>
+              <a:rPr lang="en-US" smtClean="0"/>
+              <a:t>Copyright © EV3Lessons.com 2016 (Last edit: 7/26/2016)</a:t>
+            </a:r>
+            <a:endParaRPr lang="en-US"/>
+          </a:p>
+        </p:txBody>
+      </p:sp>
+      <p:sp>
+        <p:nvSpPr>
+          <p:cNvPr id="6" name="Slide Number Placeholder 5"/>
+          <p:cNvSpPr>
+            <a:spLocks noGrp="1"/>
+          </p:cNvSpPr>
+          <p:nvPr>
+            <p:ph type="sldNum" sz="quarter" idx="12"/>
+          </p:nvPr>
+        </p:nvSpPr>
+        <p:spPr/>
+        <p:txBody>
+          <a:bodyPr/>
+          <a:lstStyle/>
+          <a:p>
+            <a:fld id="{4DBC7FC8-25FB-FC45-8177-2B991DA6778C}" type="slidenum">
+              <a:rPr lang="en-US" smtClean="0"/>
+              <a:t>‹#›</a:t>
+            </a:fld>
+            <a:endParaRPr lang="en-US"/>
+          </a:p>
+        </p:txBody>
+      </p:sp>
+    </p:spTree>
+    <p:extLst>
+      <p:ext uri="{BB962C8B-B14F-4D97-AF65-F5344CB8AC3E}">
+        <p14:creationId xmlns:p14="http://schemas.microsoft.com/office/powerpoint/2010/main" val="171060921"/>
+      </p:ext>
+    </p:extLst>
+  </p:cSld>
+  <p:clrMapOvr>
+    <a:masterClrMapping/>
+  </p:clrMapOvr>
+</p:sldLayout>
+</file>
+
+<file path=ppt/slideLayouts/slideLayout36.xml><?xml version="1.0" encoding="utf-8"?>
+<p:sldLayout xmlns:a="http://schemas.openxmlformats.org/drawingml/2006/main" xmlns:r="http://schemas.openxmlformats.org/officeDocument/2006/relationships" xmlns:p="http://schemas.openxmlformats.org/presentationml/2006/main" showMasterSp="0" type="secHead" preserve="1">
+  <p:cSld name="Section Header">
+    <p:bg>
+      <p:bgRef idx="1001">
+        <a:schemeClr val="bg2"/>
+      </p:bgRef>
+    </p:bg>
+    <p:spTree>
+      <p:nvGrpSpPr>
+        <p:cNvPr id="1" name=""/>
+        <p:cNvGrpSpPr/>
+        <p:nvPr/>
+      </p:nvGrpSpPr>
+      <p:grpSpPr>
+        <a:xfrm>
+          <a:off x="0" y="0"/>
+          <a:ext cx="0" cy="0"/>
+          <a:chOff x="0" y="0"/>
+          <a:chExt cx="0" cy="0"/>
+        </a:xfrm>
+      </p:grpSpPr>
+      <p:sp>
+        <p:nvSpPr>
+          <p:cNvPr id="2" name="Title 1"/>
+          <p:cNvSpPr>
+            <a:spLocks noGrp="1"/>
+          </p:cNvSpPr>
+          <p:nvPr>
+            <p:ph type="title"/>
+          </p:nvPr>
+        </p:nvSpPr>
+        <p:spPr>
+          <a:xfrm>
+            <a:off x="573769" y="1301361"/>
+            <a:ext cx="7209728" cy="2852737"/>
+          </a:xfrm>
+        </p:spPr>
+        <p:txBody>
+          <a:bodyPr anchor="b">
+            <a:normAutofit/>
+          </a:bodyPr>
+          <a:lstStyle>
+            <a:lvl1pPr algn="r">
+              <a:defRPr sz="6000" cap="all" baseline="0">
+                <a:solidFill>
+                  <a:schemeClr val="tx2"/>
+                </a:solidFill>
+              </a:defRPr>
+            </a:lvl1pPr>
+          </a:lstStyle>
+          <a:p>
+            <a:r>
+              <a:rPr lang="en-US" smtClean="0"/>
+              <a:t>Click to edit Master title style</a:t>
+            </a:r>
+            <a:endParaRPr lang="en-US" dirty="0"/>
+          </a:p>
+        </p:txBody>
+      </p:sp>
+      <p:sp>
+        <p:nvSpPr>
+          <p:cNvPr id="3" name="Text Placeholder 2"/>
+          <p:cNvSpPr>
+            <a:spLocks noGrp="1"/>
+          </p:cNvSpPr>
+          <p:nvPr>
+            <p:ph type="body" idx="1"/>
+          </p:nvPr>
+        </p:nvSpPr>
+        <p:spPr>
+          <a:xfrm>
+            <a:off x="573769" y="4216328"/>
+            <a:ext cx="7209728" cy="1143324"/>
+          </a:xfrm>
+        </p:spPr>
+        <p:txBody>
+          <a:bodyPr/>
+          <a:lstStyle>
+            <a:lvl1pPr marL="0" indent="0" algn="r">
+              <a:lnSpc>
+                <a:spcPct val="112000"/>
+              </a:lnSpc>
+              <a:spcBef>
+                <a:spcPts val="0"/>
+              </a:spcBef>
+              <a:spcAft>
+                <a:spcPts val="0"/>
+              </a:spcAft>
+              <a:buNone/>
+              <a:defRPr sz="1800">
+                <a:solidFill>
+                  <a:schemeClr val="tx2"/>
+                </a:solidFill>
+              </a:defRPr>
+            </a:lvl1pPr>
+            <a:lvl2pPr marL="342900" indent="0">
+              <a:buNone/>
+              <a:defRPr sz="1500">
+                <a:solidFill>
+                  <a:schemeClr val="tx1">
+                    <a:tint val="75000"/>
+                  </a:schemeClr>
+                </a:solidFill>
+              </a:defRPr>
+            </a:lvl2pPr>
+            <a:lvl3pPr marL="685800" indent="0">
+              <a:buNone/>
+              <a:defRPr sz="1350">
+                <a:solidFill>
+                  <a:schemeClr val="tx1">
+                    <a:tint val="75000"/>
+                  </a:schemeClr>
+                </a:solidFill>
+              </a:defRPr>
+            </a:lvl3pPr>
+            <a:lvl4pPr marL="1028700" indent="0">
+              <a:buNone/>
+              <a:defRPr sz="1200">
+                <a:solidFill>
+                  <a:schemeClr val="tx1">
+                    <a:tint val="75000"/>
+                  </a:schemeClr>
+                </a:solidFill>
+              </a:defRPr>
+            </a:lvl4pPr>
+            <a:lvl5pPr marL="1371600" indent="0">
+              <a:buNone/>
+              <a:defRPr sz="1200">
+                <a:solidFill>
+                  <a:schemeClr val="tx1">
+                    <a:tint val="75000"/>
+                  </a:schemeClr>
+                </a:solidFill>
+              </a:defRPr>
+            </a:lvl5pPr>
+            <a:lvl6pPr marL="1714500" indent="0">
+              <a:buNone/>
+              <a:defRPr sz="1200">
+                <a:solidFill>
+                  <a:schemeClr val="tx1">
+                    <a:tint val="75000"/>
+                  </a:schemeClr>
+                </a:solidFill>
+              </a:defRPr>
+            </a:lvl6pPr>
+            <a:lvl7pPr marL="2057400" indent="0">
+              <a:buNone/>
+              <a:defRPr sz="1200">
+                <a:solidFill>
+                  <a:schemeClr val="tx1">
+                    <a:tint val="75000"/>
+                  </a:schemeClr>
+                </a:solidFill>
+              </a:defRPr>
+            </a:lvl7pPr>
+            <a:lvl8pPr marL="2400300" indent="0">
+              <a:buNone/>
+              <a:defRPr sz="1200">
+                <a:solidFill>
+                  <a:schemeClr val="tx1">
+                    <a:tint val="75000"/>
+                  </a:schemeClr>
+                </a:solidFill>
+              </a:defRPr>
+            </a:lvl8pPr>
+            <a:lvl9pPr marL="2743200" indent="0">
+              <a:buNone/>
+              <a:defRPr sz="1200">
+                <a:solidFill>
+                  <a:schemeClr val="tx1">
+                    <a:tint val="75000"/>
+                  </a:schemeClr>
+                </a:solidFill>
+              </a:defRPr>
+            </a:lvl9pPr>
+          </a:lstStyle>
+          <a:p>
+            <a:pPr lvl="0"/>
+            <a:r>
+              <a:rPr lang="en-US" smtClean="0"/>
+              <a:t>Click to edit Master text styles</a:t>
+            </a:r>
+          </a:p>
+        </p:txBody>
+      </p:sp>
+      <p:sp>
+        <p:nvSpPr>
+          <p:cNvPr id="4" name="Date Placeholder 3"/>
+          <p:cNvSpPr>
+            <a:spLocks noGrp="1"/>
+          </p:cNvSpPr>
+          <p:nvPr>
+            <p:ph type="dt" sz="half" idx="10"/>
+          </p:nvPr>
+        </p:nvSpPr>
+        <p:spPr>
+          <a:xfrm>
+            <a:off x="554181" y="6453386"/>
+            <a:ext cx="1216807" cy="404614"/>
+          </a:xfrm>
+        </p:spPr>
+        <p:txBody>
+          <a:bodyPr/>
+          <a:lstStyle>
+            <a:lvl1pPr>
+              <a:defRPr>
+                <a:solidFill>
+                  <a:schemeClr val="tx2"/>
+                </a:solidFill>
+              </a:defRPr>
+            </a:lvl1pPr>
+          </a:lstStyle>
+          <a:p>
+            <a:fld id="{FB8825F2-527A-F84B-BDB0-747B2CE820B2}" type="datetime1">
+              <a:rPr lang="en-US" smtClean="0"/>
+              <a:t>7/26/16</a:t>
+            </a:fld>
+            <a:endParaRPr lang="en-US"/>
+          </a:p>
+        </p:txBody>
+      </p:sp>
+      <p:sp>
+        <p:nvSpPr>
+          <p:cNvPr id="5" name="Footer Placeholder 4"/>
+          <p:cNvSpPr>
+            <a:spLocks noGrp="1"/>
+          </p:cNvSpPr>
+          <p:nvPr>
+            <p:ph type="ftr" sz="quarter" idx="11"/>
+          </p:nvPr>
+        </p:nvSpPr>
+        <p:spPr>
+          <a:xfrm>
+            <a:off x="1938234" y="6453386"/>
+            <a:ext cx="5267533" cy="404614"/>
+          </a:xfrm>
+        </p:spPr>
+        <p:txBody>
+          <a:bodyPr/>
+          <a:lstStyle>
+            <a:lvl1pPr algn="ctr">
+              <a:defRPr>
+                <a:solidFill>
+                  <a:schemeClr val="tx2"/>
+                </a:solidFill>
+              </a:defRPr>
+            </a:lvl1pPr>
+          </a:lstStyle>
+          <a:p>
+            <a:r>
+              <a:rPr lang="en-US" smtClean="0"/>
+              <a:t>Copyright © EV3Lessons.com 2016 (Last edit: 7/26/2016)</a:t>
+            </a:r>
+            <a:endParaRPr lang="en-US"/>
+          </a:p>
+        </p:txBody>
+      </p:sp>
+      <p:sp>
+        <p:nvSpPr>
+          <p:cNvPr id="6" name="Slide Number Placeholder 5"/>
+          <p:cNvSpPr>
+            <a:spLocks noGrp="1"/>
+          </p:cNvSpPr>
+          <p:nvPr>
+            <p:ph type="sldNum" sz="quarter" idx="12"/>
+          </p:nvPr>
+        </p:nvSpPr>
+        <p:spPr>
+          <a:xfrm>
+            <a:off x="7373012" y="6453386"/>
+            <a:ext cx="1197219" cy="404614"/>
+          </a:xfrm>
+        </p:spPr>
+        <p:txBody>
+          <a:bodyPr/>
+          <a:lstStyle>
+            <a:lvl1pPr>
+              <a:defRPr>
+                <a:solidFill>
+                  <a:schemeClr val="tx2"/>
+                </a:solidFill>
+              </a:defRPr>
+            </a:lvl1pPr>
+          </a:lstStyle>
+          <a:p>
+            <a:fld id="{4DBC7FC8-25FB-FC45-8177-2B991DA6778C}" type="slidenum">
+              <a:rPr lang="en-US" smtClean="0"/>
+              <a:t>‹#›</a:t>
+            </a:fld>
+            <a:endParaRPr lang="en-US"/>
+          </a:p>
+        </p:txBody>
+      </p:sp>
+      <p:sp>
+        <p:nvSpPr>
+          <p:cNvPr id="7" name="Freeform 6"/>
+          <p:cNvSpPr/>
+          <p:nvPr/>
+        </p:nvSpPr>
+        <p:spPr bwMode="auto">
+          <a:xfrm>
+            <a:off x="6113972" y="1685652"/>
+            <a:ext cx="2456260" cy="4408488"/>
+          </a:xfrm>
+          <a:custGeom>
+            <a:avLst/>
+            <a:gdLst/>
+            <a:ahLst/>
+            <a:cxnLst/>
+            <a:rect l="0" t="0" r="r" b="b"/>
+            <a:pathLst>
+              <a:path w="4125" h="5554">
+                <a:moveTo>
+                  <a:pt x="3614" y="0"/>
+                </a:moveTo>
+                <a:lnTo>
+                  <a:pt x="4125" y="0"/>
+                </a:lnTo>
+                <a:lnTo>
+                  <a:pt x="4125" y="5554"/>
+                </a:lnTo>
+                <a:lnTo>
+                  <a:pt x="0" y="5554"/>
+                </a:lnTo>
+                <a:lnTo>
+                  <a:pt x="0" y="5074"/>
+                </a:lnTo>
+                <a:lnTo>
+                  <a:pt x="3614" y="5074"/>
+                </a:lnTo>
+                <a:lnTo>
+                  <a:pt x="3614" y="0"/>
+                </a:lnTo>
+                <a:close/>
+              </a:path>
+            </a:pathLst>
+          </a:custGeom>
+          <a:solidFill>
+            <a:schemeClr val="bg2"/>
+          </a:solidFill>
+          <a:ln w="0">
+            <a:noFill/>
+            <a:prstDash val="solid"/>
+            <a:round/>
+            <a:headEnd/>
+            <a:tailEnd/>
+          </a:ln>
+        </p:spPr>
+      </p:sp>
+      <p:sp>
+        <p:nvSpPr>
+          <p:cNvPr id="8" name="Freeform 7" title="Crop Mark"/>
+          <p:cNvSpPr/>
+          <p:nvPr/>
+        </p:nvSpPr>
+        <p:spPr bwMode="auto">
+          <a:xfrm>
+            <a:off x="6113972" y="1685652"/>
+            <a:ext cx="2456260" cy="4408488"/>
+          </a:xfrm>
+          <a:custGeom>
+            <a:avLst/>
+            <a:gdLst/>
+            <a:ahLst/>
+            <a:cxnLst/>
+            <a:rect l="0" t="0" r="r" b="b"/>
+            <a:pathLst>
+              <a:path w="4125" h="5554">
+                <a:moveTo>
+                  <a:pt x="3614" y="0"/>
+                </a:moveTo>
+                <a:lnTo>
+                  <a:pt x="4125" y="0"/>
+                </a:lnTo>
+                <a:lnTo>
+                  <a:pt x="4125" y="5554"/>
+                </a:lnTo>
+                <a:lnTo>
+                  <a:pt x="0" y="5554"/>
+                </a:lnTo>
+                <a:lnTo>
+                  <a:pt x="0" y="5074"/>
+                </a:lnTo>
+                <a:lnTo>
+                  <a:pt x="3614" y="5074"/>
+                </a:lnTo>
+                <a:lnTo>
+                  <a:pt x="3614" y="0"/>
+                </a:lnTo>
+                <a:close/>
+              </a:path>
+            </a:pathLst>
+          </a:custGeom>
+          <a:solidFill>
+            <a:schemeClr val="tx2"/>
+          </a:solidFill>
+          <a:ln w="0">
+            <a:noFill/>
+            <a:prstDash val="solid"/>
+            <a:round/>
+            <a:headEnd/>
+            <a:tailEnd/>
+          </a:ln>
+        </p:spPr>
+      </p:sp>
+    </p:spTree>
+    <p:extLst>
+      <p:ext uri="{BB962C8B-B14F-4D97-AF65-F5344CB8AC3E}">
+        <p14:creationId xmlns:p14="http://schemas.microsoft.com/office/powerpoint/2010/main" val="1687779561"/>
+      </p:ext>
+    </p:extLst>
+  </p:cSld>
+  <p:clrMapOvr>
+    <a:overrideClrMapping bg1="dk1" tx1="lt1" bg2="dk2" tx2="lt2" accent1="accent1" accent2="accent2" accent3="accent3" accent4="accent4" accent5="accent5" accent6="accent6" hlink="hlink" folHlink="folHlink"/>
+  </p:clrMapOvr>
+</p:sldLayout>
+</file>
+
+<file path=ppt/slideLayouts/slideLayout37.xml><?xml version="1.0" encoding="utf-8"?>
+<p:sldLayout xmlns:a="http://schemas.openxmlformats.org/drawingml/2006/main" xmlns:r="http://schemas.openxmlformats.org/officeDocument/2006/relationships" xmlns:p="http://schemas.openxmlformats.org/presentationml/2006/main" type="twoObj" preserve="1">
+  <p:cSld name="Two Content">
+    <p:spTree>
+      <p:nvGrpSpPr>
+        <p:cNvPr id="1" name=""/>
+        <p:cNvGrpSpPr/>
+        <p:nvPr/>
+      </p:nvGrpSpPr>
+      <p:grpSpPr>
+        <a:xfrm>
+          <a:off x="0" y="0"/>
+          <a:ext cx="0" cy="0"/>
+          <a:chOff x="0" y="0"/>
+          <a:chExt cx="0" cy="0"/>
+        </a:xfrm>
+      </p:grpSpPr>
+      <p:sp>
+        <p:nvSpPr>
+          <p:cNvPr id="2" name="Title 1"/>
+          <p:cNvSpPr>
+            <a:spLocks noGrp="1"/>
+          </p:cNvSpPr>
+          <p:nvPr>
+            <p:ph type="title"/>
+          </p:nvPr>
+        </p:nvSpPr>
+        <p:spPr/>
+        <p:txBody>
+          <a:bodyPr/>
+          <a:lstStyle>
+            <a:lvl1pPr>
+              <a:defRPr>
+                <a:solidFill>
+                  <a:schemeClr val="tx2"/>
+                </a:solidFill>
+              </a:defRPr>
+            </a:lvl1pPr>
+          </a:lstStyle>
+          <a:p>
+            <a:r>
+              <a:rPr lang="en-US" smtClean="0"/>
+              <a:t>Click to edit Master title style</a:t>
+            </a:r>
+            <a:endParaRPr lang="en-US" dirty="0"/>
+          </a:p>
+        </p:txBody>
+      </p:sp>
+      <p:sp>
+        <p:nvSpPr>
+          <p:cNvPr id="3" name="Content Placeholder 2"/>
+          <p:cNvSpPr>
+            <a:spLocks noGrp="1"/>
+          </p:cNvSpPr>
+          <p:nvPr>
+            <p:ph sz="half" idx="1"/>
+          </p:nvPr>
+        </p:nvSpPr>
+        <p:spPr>
+          <a:xfrm>
+            <a:off x="1028700" y="2286000"/>
+            <a:ext cx="3335840" cy="3581401"/>
+          </a:xfrm>
+        </p:spPr>
+        <p:txBody>
+          <a:bodyPr/>
+          <a:lstStyle>
+            <a:lvl1pPr>
+              <a:defRPr baseline="0">
+                <a:solidFill>
+                  <a:schemeClr val="tx2"/>
+                </a:solidFill>
+              </a:defRPr>
+            </a:lvl1pPr>
+            <a:lvl2pPr>
+              <a:defRPr baseline="0">
+                <a:solidFill>
+                  <a:schemeClr val="tx2"/>
+                </a:solidFill>
+              </a:defRPr>
+            </a:lvl2pPr>
+            <a:lvl3pPr>
+              <a:defRPr baseline="0">
+                <a:solidFill>
+                  <a:schemeClr val="tx2"/>
+                </a:solidFill>
+              </a:defRPr>
+            </a:lvl3pPr>
+            <a:lvl4pPr>
+              <a:defRPr baseline="0">
+                <a:solidFill>
+                  <a:schemeClr val="tx2"/>
+                </a:solidFill>
+              </a:defRPr>
+            </a:lvl4pPr>
+            <a:lvl5pPr>
+              <a:defRPr baseline="0">
+                <a:solidFill>
+                  <a:schemeClr val="tx2"/>
+                </a:solidFill>
+              </a:defRPr>
+            </a:lvl5pPr>
+          </a:lstStyle>
+          <a:p>
+            <a:pPr lvl="0"/>
+            <a:r>
+              <a:rPr lang="en-US" smtClean="0"/>
+              <a:t>Click to edit Master text styles</a:t>
+            </a:r>
+          </a:p>
+          <a:p>
+            <a:pPr lvl="1"/>
+            <a:r>
+              <a:rPr lang="en-US" smtClean="0"/>
+              <a:t>Second level</a:t>
+            </a:r>
+          </a:p>
+          <a:p>
+            <a:pPr lvl="2"/>
+            <a:r>
+              <a:rPr lang="en-US" smtClean="0"/>
+              <a:t>Third level</a:t>
+            </a:r>
+          </a:p>
+          <a:p>
+            <a:pPr lvl="3"/>
+            <a:r>
+              <a:rPr lang="en-US" smtClean="0"/>
+              <a:t>Fourth level</a:t>
+            </a:r>
+          </a:p>
+          <a:p>
+            <a:pPr lvl="4"/>
+            <a:r>
+              <a:rPr lang="en-US" smtClean="0"/>
+              <a:t>Fifth level</a:t>
+            </a:r>
+            <a:endParaRPr lang="en-US" dirty="0"/>
+          </a:p>
+        </p:txBody>
+      </p:sp>
+      <p:sp>
+        <p:nvSpPr>
+          <p:cNvPr id="4" name="Content Placeholder 3"/>
+          <p:cNvSpPr>
+            <a:spLocks noGrp="1"/>
+          </p:cNvSpPr>
+          <p:nvPr>
+            <p:ph sz="half" idx="2"/>
+          </p:nvPr>
+        </p:nvSpPr>
+        <p:spPr>
+          <a:xfrm>
+            <a:off x="4894052" y="2286000"/>
+            <a:ext cx="3335840" cy="3581401"/>
+          </a:xfrm>
+        </p:spPr>
+        <p:txBody>
+          <a:bodyPr/>
+          <a:lstStyle>
+            <a:lvl1pPr>
+              <a:defRPr>
+                <a:solidFill>
+                  <a:schemeClr val="tx2"/>
+                </a:solidFill>
+              </a:defRPr>
+            </a:lvl1pPr>
+            <a:lvl2pPr>
+              <a:defRPr>
+                <a:solidFill>
+                  <a:schemeClr val="tx2"/>
+                </a:solidFill>
+              </a:defRPr>
+            </a:lvl2pPr>
+            <a:lvl3pPr>
+              <a:defRPr>
+                <a:solidFill>
+                  <a:schemeClr val="tx2"/>
+                </a:solidFill>
+              </a:defRPr>
+            </a:lvl3pPr>
+            <a:lvl4pPr>
+              <a:defRPr>
+                <a:solidFill>
+                  <a:schemeClr val="tx2"/>
+                </a:solidFill>
+              </a:defRPr>
+            </a:lvl4pPr>
+            <a:lvl5pPr>
+              <a:defRPr>
+                <a:solidFill>
+                  <a:schemeClr val="tx2"/>
+                </a:solidFill>
+              </a:defRPr>
+            </a:lvl5pPr>
+          </a:lstStyle>
+          <a:p>
+            <a:pPr lvl="0"/>
+            <a:r>
+              <a:rPr lang="en-US" smtClean="0"/>
+              <a:t>Click to edit Master text styles</a:t>
+            </a:r>
+          </a:p>
+          <a:p>
+            <a:pPr lvl="1"/>
+            <a:r>
+              <a:rPr lang="en-US" smtClean="0"/>
+              <a:t>Second level</a:t>
+            </a:r>
+          </a:p>
+          <a:p>
+            <a:pPr lvl="2"/>
+            <a:r>
+              <a:rPr lang="en-US" smtClean="0"/>
+              <a:t>Third level</a:t>
+            </a:r>
+          </a:p>
+          <a:p>
+            <a:pPr lvl="3"/>
+            <a:r>
+              <a:rPr lang="en-US" smtClean="0"/>
+              <a:t>Fourth level</a:t>
+            </a:r>
+          </a:p>
+          <a:p>
+            <a:pPr lvl="4"/>
+            <a:r>
+              <a:rPr lang="en-US" smtClean="0"/>
+              <a:t>Fifth level</a:t>
+            </a:r>
+            <a:endParaRPr lang="en-US" dirty="0"/>
+          </a:p>
+        </p:txBody>
+      </p:sp>
+      <p:sp>
+        <p:nvSpPr>
+          <p:cNvPr id="5" name="Date Placeholder 4"/>
+          <p:cNvSpPr>
+            <a:spLocks noGrp="1"/>
+          </p:cNvSpPr>
+          <p:nvPr>
+            <p:ph type="dt" sz="half" idx="10"/>
+          </p:nvPr>
+        </p:nvSpPr>
+        <p:spPr/>
+        <p:txBody>
+          <a:bodyPr/>
+          <a:lstStyle/>
+          <a:p>
+            <a:fld id="{AF809132-87E7-B14A-BEA9-9CDCD9D79D5B}" type="datetime1">
+              <a:rPr lang="en-US" smtClean="0"/>
+              <a:t>7/26/16</a:t>
+            </a:fld>
+            <a:endParaRPr lang="en-US"/>
+          </a:p>
+        </p:txBody>
+      </p:sp>
+      <p:sp>
+        <p:nvSpPr>
+          <p:cNvPr id="6" name="Footer Placeholder 5"/>
+          <p:cNvSpPr>
+            <a:spLocks noGrp="1"/>
+          </p:cNvSpPr>
+          <p:nvPr>
+            <p:ph type="ftr" sz="quarter" idx="11"/>
+          </p:nvPr>
+        </p:nvSpPr>
+        <p:spPr/>
+        <p:txBody>
+          <a:bodyPr/>
+          <a:lstStyle/>
+          <a:p>
+            <a:r>
+              <a:rPr lang="en-US" smtClean="0"/>
+              <a:t>Copyright © EV3Lessons.com 2016 (Last edit: 7/26/2016)</a:t>
+            </a:r>
+            <a:endParaRPr lang="en-US"/>
+          </a:p>
+        </p:txBody>
+      </p:sp>
+      <p:sp>
+        <p:nvSpPr>
+          <p:cNvPr id="7" name="Slide Number Placeholder 6"/>
+          <p:cNvSpPr>
+            <a:spLocks noGrp="1"/>
+          </p:cNvSpPr>
+          <p:nvPr>
+            <p:ph type="sldNum" sz="quarter" idx="12"/>
+          </p:nvPr>
+        </p:nvSpPr>
+        <p:spPr/>
+        <p:txBody>
+          <a:bodyPr/>
+          <a:lstStyle/>
+          <a:p>
+            <a:fld id="{4DBC7FC8-25FB-FC45-8177-2B991DA6778C}" type="slidenum">
+              <a:rPr lang="en-US" smtClean="0"/>
+              <a:t>‹#›</a:t>
+            </a:fld>
+            <a:endParaRPr lang="en-US"/>
+          </a:p>
+        </p:txBody>
+      </p:sp>
+    </p:spTree>
+    <p:extLst>
+      <p:ext uri="{BB962C8B-B14F-4D97-AF65-F5344CB8AC3E}">
+        <p14:creationId xmlns:p14="http://schemas.microsoft.com/office/powerpoint/2010/main" val="399588504"/>
+      </p:ext>
+    </p:extLst>
+  </p:cSld>
+  <p:clrMapOvr>
+    <a:masterClrMapping/>
+  </p:clrMapOvr>
+</p:sldLayout>
+</file>
+
+<file path=ppt/slideLayouts/slideLayout38.xml><?xml version="1.0" encoding="utf-8"?>
+<p:sldLayout xmlns:a="http://schemas.openxmlformats.org/drawingml/2006/main" xmlns:r="http://schemas.openxmlformats.org/officeDocument/2006/relationships" xmlns:p="http://schemas.openxmlformats.org/presentationml/2006/main" type="twoTxTwoObj" preserve="1">
+  <p:cSld name="Comparison">
+    <p:spTree>
+      <p:nvGrpSpPr>
+        <p:cNvPr id="1" name=""/>
+        <p:cNvGrpSpPr/>
+        <p:nvPr/>
+      </p:nvGrpSpPr>
+      <p:grpSpPr>
+        <a:xfrm>
+          <a:off x="0" y="0"/>
+          <a:ext cx="0" cy="0"/>
+          <a:chOff x="0" y="0"/>
+          <a:chExt cx="0" cy="0"/>
+        </a:xfrm>
+      </p:grpSpPr>
+      <p:sp>
+        <p:nvSpPr>
+          <p:cNvPr id="2" name="Title 1"/>
+          <p:cNvSpPr>
+            <a:spLocks noGrp="1"/>
+          </p:cNvSpPr>
+          <p:nvPr>
+            <p:ph type="title"/>
+          </p:nvPr>
+        </p:nvSpPr>
+        <p:spPr>
+          <a:xfrm>
+            <a:off x="1028700" y="685800"/>
+            <a:ext cx="7200900" cy="1485900"/>
+          </a:xfrm>
+        </p:spPr>
+        <p:txBody>
+          <a:bodyPr/>
+          <a:lstStyle>
+            <a:lvl1pPr>
+              <a:defRPr>
+                <a:solidFill>
+                  <a:schemeClr val="tx2"/>
+                </a:solidFill>
+              </a:defRPr>
+            </a:lvl1pPr>
+          </a:lstStyle>
+          <a:p>
+            <a:r>
+              <a:rPr lang="en-US" smtClean="0"/>
+              <a:t>Click to edit Master title style</a:t>
+            </a:r>
+            <a:endParaRPr lang="en-US" dirty="0"/>
+          </a:p>
+        </p:txBody>
+      </p:sp>
+      <p:sp>
+        <p:nvSpPr>
+          <p:cNvPr id="3" name="Text Placeholder 2"/>
+          <p:cNvSpPr>
+            <a:spLocks noGrp="1"/>
+          </p:cNvSpPr>
+          <p:nvPr>
+            <p:ph type="body" idx="1"/>
+          </p:nvPr>
+        </p:nvSpPr>
+        <p:spPr>
+          <a:xfrm>
+            <a:off x="1028700" y="2340230"/>
+            <a:ext cx="3335840" cy="823912"/>
+          </a:xfrm>
+        </p:spPr>
+        <p:txBody>
+          <a:bodyPr anchor="b">
+            <a:noAutofit/>
+          </a:bodyPr>
+          <a:lstStyle>
+            <a:lvl1pPr marL="0" indent="0">
+              <a:lnSpc>
+                <a:spcPct val="84000"/>
+              </a:lnSpc>
+              <a:spcBef>
+                <a:spcPts val="0"/>
+              </a:spcBef>
+              <a:spcAft>
+                <a:spcPts val="0"/>
+              </a:spcAft>
+              <a:buNone/>
+              <a:defRPr sz="2400" b="0" baseline="0">
+                <a:solidFill>
+                  <a:schemeClr val="tx2"/>
+                </a:solidFill>
+              </a:defRPr>
+            </a:lvl1pPr>
+            <a:lvl2pPr marL="342900" indent="0">
+              <a:buNone/>
+              <a:defRPr sz="1500" b="1"/>
+            </a:lvl2pPr>
+            <a:lvl3pPr marL="685800" indent="0">
+              <a:buNone/>
+              <a:defRPr sz="1350" b="1"/>
+            </a:lvl3pPr>
+            <a:lvl4pPr marL="1028700" indent="0">
+              <a:buNone/>
+              <a:defRPr sz="1200" b="1"/>
+            </a:lvl4pPr>
+            <a:lvl5pPr marL="1371600" indent="0">
+              <a:buNone/>
+              <a:defRPr sz="1200" b="1"/>
+            </a:lvl5pPr>
+            <a:lvl6pPr marL="1714500" indent="0">
+              <a:buNone/>
+              <a:defRPr sz="1200" b="1"/>
+            </a:lvl6pPr>
+            <a:lvl7pPr marL="2057400" indent="0">
+              <a:buNone/>
+              <a:defRPr sz="1200" b="1"/>
+            </a:lvl7pPr>
+            <a:lvl8pPr marL="2400300" indent="0">
+              <a:buNone/>
+              <a:defRPr sz="1200" b="1"/>
+            </a:lvl8pPr>
+            <a:lvl9pPr marL="2743200" indent="0">
+              <a:buNone/>
+              <a:defRPr sz="1200" b="1"/>
+            </a:lvl9pPr>
+          </a:lstStyle>
+          <a:p>
+            <a:pPr lvl="0"/>
+            <a:r>
+              <a:rPr lang="en-US" smtClean="0"/>
+              <a:t>Click to edit Master text styles</a:t>
+            </a:r>
+          </a:p>
+        </p:txBody>
+      </p:sp>
+      <p:sp>
+        <p:nvSpPr>
+          <p:cNvPr id="4" name="Content Placeholder 3"/>
+          <p:cNvSpPr>
+            <a:spLocks noGrp="1"/>
+          </p:cNvSpPr>
+          <p:nvPr>
+            <p:ph sz="half" idx="2"/>
+          </p:nvPr>
+        </p:nvSpPr>
+        <p:spPr>
+          <a:xfrm>
+            <a:off x="1028700" y="3305208"/>
+            <a:ext cx="3335839" cy="2562193"/>
+          </a:xfrm>
+        </p:spPr>
+        <p:txBody>
+          <a:bodyPr/>
+          <a:lstStyle>
+            <a:lvl1pPr>
+              <a:defRPr baseline="0">
+                <a:solidFill>
+                  <a:schemeClr val="tx2"/>
+                </a:solidFill>
+              </a:defRPr>
+            </a:lvl1pPr>
+            <a:lvl2pPr>
+              <a:defRPr baseline="0">
+                <a:solidFill>
+                  <a:schemeClr val="tx2"/>
+                </a:solidFill>
+              </a:defRPr>
+            </a:lvl2pPr>
+            <a:lvl3pPr>
+              <a:defRPr baseline="0">
+                <a:solidFill>
+                  <a:schemeClr val="tx2"/>
+                </a:solidFill>
+              </a:defRPr>
+            </a:lvl3pPr>
+            <a:lvl4pPr>
+              <a:defRPr baseline="0">
+                <a:solidFill>
+                  <a:schemeClr val="tx2"/>
+                </a:solidFill>
+              </a:defRPr>
+            </a:lvl4pPr>
+            <a:lvl5pPr>
+              <a:defRPr baseline="0">
+                <a:solidFill>
+                  <a:schemeClr val="tx2"/>
+                </a:solidFill>
+              </a:defRPr>
+            </a:lvl5pPr>
+          </a:lstStyle>
+          <a:p>
+            <a:pPr lvl="0"/>
+            <a:r>
+              <a:rPr lang="en-US" smtClean="0"/>
+              <a:t>Click to edit Master text styles</a:t>
+            </a:r>
+          </a:p>
+          <a:p>
+            <a:pPr lvl="1"/>
+            <a:r>
+              <a:rPr lang="en-US" smtClean="0"/>
+              <a:t>Second level</a:t>
+            </a:r>
+          </a:p>
+          <a:p>
+            <a:pPr lvl="2"/>
+            <a:r>
+              <a:rPr lang="en-US" smtClean="0"/>
+              <a:t>Third level</a:t>
+            </a:r>
+          </a:p>
+          <a:p>
+            <a:pPr lvl="3"/>
+            <a:r>
+              <a:rPr lang="en-US" smtClean="0"/>
+              <a:t>Fourth level</a:t>
+            </a:r>
+          </a:p>
+          <a:p>
+            <a:pPr lvl="4"/>
+            <a:r>
+              <a:rPr lang="en-US" smtClean="0"/>
+              <a:t>Fifth level</a:t>
+            </a:r>
+            <a:endParaRPr lang="en-US" dirty="0"/>
+          </a:p>
+        </p:txBody>
+      </p:sp>
+      <p:sp>
+        <p:nvSpPr>
+          <p:cNvPr id="5" name="Text Placeholder 4"/>
+          <p:cNvSpPr>
+            <a:spLocks noGrp="1"/>
+          </p:cNvSpPr>
+          <p:nvPr>
+            <p:ph type="body" sz="quarter" idx="3"/>
+          </p:nvPr>
+        </p:nvSpPr>
+        <p:spPr>
+          <a:xfrm>
+            <a:off x="4893760" y="2349754"/>
+            <a:ext cx="3335840" cy="823912"/>
+          </a:xfrm>
+        </p:spPr>
+        <p:txBody>
+          <a:bodyPr anchor="b">
+            <a:noAutofit/>
+          </a:bodyPr>
+          <a:lstStyle>
+            <a:lvl1pPr marL="0" indent="0">
+              <a:lnSpc>
+                <a:spcPct val="84000"/>
+              </a:lnSpc>
+              <a:spcBef>
+                <a:spcPts val="0"/>
+              </a:spcBef>
+              <a:spcAft>
+                <a:spcPts val="0"/>
+              </a:spcAft>
+              <a:buNone/>
+              <a:defRPr sz="2400" b="0" baseline="0">
+                <a:solidFill>
+                  <a:schemeClr val="tx2"/>
+                </a:solidFill>
+              </a:defRPr>
+            </a:lvl1pPr>
+            <a:lvl2pPr marL="342900" indent="0">
+              <a:buNone/>
+              <a:defRPr sz="1500" b="1"/>
+            </a:lvl2pPr>
+            <a:lvl3pPr marL="685800" indent="0">
+              <a:buNone/>
+              <a:defRPr sz="1350" b="1"/>
+            </a:lvl3pPr>
+            <a:lvl4pPr marL="1028700" indent="0">
+              <a:buNone/>
+              <a:defRPr sz="1200" b="1"/>
+            </a:lvl4pPr>
+            <a:lvl5pPr marL="1371600" indent="0">
+              <a:buNone/>
+              <a:defRPr sz="1200" b="1"/>
+            </a:lvl5pPr>
+            <a:lvl6pPr marL="1714500" indent="0">
+              <a:buNone/>
+              <a:defRPr sz="1200" b="1"/>
+            </a:lvl6pPr>
+            <a:lvl7pPr marL="2057400" indent="0">
+              <a:buNone/>
+              <a:defRPr sz="1200" b="1"/>
+            </a:lvl7pPr>
+            <a:lvl8pPr marL="2400300" indent="0">
+              <a:buNone/>
+              <a:defRPr sz="1200" b="1"/>
+            </a:lvl8pPr>
+            <a:lvl9pPr marL="2743200" indent="0">
+              <a:buNone/>
+              <a:defRPr sz="1200" b="1"/>
+            </a:lvl9pPr>
+          </a:lstStyle>
+          <a:p>
+            <a:pPr lvl="0"/>
+            <a:r>
+              <a:rPr lang="en-US" smtClean="0"/>
+              <a:t>Click to edit Master text styles</a:t>
+            </a:r>
+          </a:p>
+        </p:txBody>
+      </p:sp>
+      <p:sp>
+        <p:nvSpPr>
+          <p:cNvPr id="6" name="Content Placeholder 5"/>
+          <p:cNvSpPr>
+            <a:spLocks noGrp="1"/>
+          </p:cNvSpPr>
+          <p:nvPr>
+            <p:ph sz="quarter" idx="4"/>
+          </p:nvPr>
+        </p:nvSpPr>
+        <p:spPr>
+          <a:xfrm>
+            <a:off x="4893760" y="3305208"/>
+            <a:ext cx="3335840" cy="2562193"/>
+          </a:xfrm>
+        </p:spPr>
+        <p:txBody>
+          <a:bodyPr/>
+          <a:lstStyle>
+            <a:lvl1pPr>
+              <a:defRPr baseline="0">
+                <a:solidFill>
+                  <a:schemeClr val="tx2"/>
+                </a:solidFill>
+              </a:defRPr>
+            </a:lvl1pPr>
+            <a:lvl2pPr>
+              <a:defRPr baseline="0">
+                <a:solidFill>
+                  <a:schemeClr val="tx2"/>
+                </a:solidFill>
+              </a:defRPr>
+            </a:lvl2pPr>
+            <a:lvl3pPr>
+              <a:defRPr baseline="0">
+                <a:solidFill>
+                  <a:schemeClr val="tx2"/>
+                </a:solidFill>
+              </a:defRPr>
+            </a:lvl3pPr>
+            <a:lvl4pPr>
+              <a:defRPr baseline="0">
+                <a:solidFill>
+                  <a:schemeClr val="tx2"/>
+                </a:solidFill>
+              </a:defRPr>
+            </a:lvl4pPr>
+            <a:lvl5pPr>
+              <a:defRPr baseline="0">
+                <a:solidFill>
+                  <a:schemeClr val="tx2"/>
+                </a:solidFill>
+              </a:defRPr>
+            </a:lvl5pPr>
+          </a:lstStyle>
+          <a:p>
+            <a:pPr lvl="0"/>
+            <a:r>
+              <a:rPr lang="en-US" smtClean="0"/>
+              <a:t>Click to edit Master text styles</a:t>
+            </a:r>
+          </a:p>
+          <a:p>
+            <a:pPr lvl="1"/>
+            <a:r>
+              <a:rPr lang="en-US" smtClean="0"/>
+              <a:t>Second level</a:t>
+            </a:r>
+          </a:p>
+          <a:p>
+            <a:pPr lvl="2"/>
+            <a:r>
+              <a:rPr lang="en-US" smtClean="0"/>
+              <a:t>Third level</a:t>
+            </a:r>
+          </a:p>
+          <a:p>
+            <a:pPr lvl="3"/>
+            <a:r>
+              <a:rPr lang="en-US" smtClean="0"/>
+              <a:t>Fourth level</a:t>
+            </a:r>
+          </a:p>
+          <a:p>
+            <a:pPr lvl="4"/>
+            <a:r>
+              <a:rPr lang="en-US" smtClean="0"/>
+              <a:t>Fifth level</a:t>
+            </a:r>
+            <a:endParaRPr lang="en-US" dirty="0"/>
+          </a:p>
+        </p:txBody>
+      </p:sp>
+      <p:sp>
+        <p:nvSpPr>
+          <p:cNvPr id="7" name="Date Placeholder 6"/>
+          <p:cNvSpPr>
+            <a:spLocks noGrp="1"/>
+          </p:cNvSpPr>
+          <p:nvPr>
+            <p:ph type="dt" sz="half" idx="10"/>
+          </p:nvPr>
+        </p:nvSpPr>
+        <p:spPr/>
+        <p:txBody>
+          <a:bodyPr/>
+          <a:lstStyle/>
+          <a:p>
+            <a:fld id="{65D8C1E8-B7E2-C440-BA33-CDF263813746}" type="datetime1">
+              <a:rPr lang="en-US" smtClean="0"/>
+              <a:t>7/26/16</a:t>
+            </a:fld>
+            <a:endParaRPr lang="en-US"/>
+          </a:p>
+        </p:txBody>
+      </p:sp>
+      <p:sp>
+        <p:nvSpPr>
+          <p:cNvPr id="8" name="Footer Placeholder 7"/>
+          <p:cNvSpPr>
+            <a:spLocks noGrp="1"/>
+          </p:cNvSpPr>
+          <p:nvPr>
+            <p:ph type="ftr" sz="quarter" idx="11"/>
+          </p:nvPr>
+        </p:nvSpPr>
+        <p:spPr/>
+        <p:txBody>
+          <a:bodyPr/>
+          <a:lstStyle/>
+          <a:p>
+            <a:r>
+              <a:rPr lang="en-US" smtClean="0"/>
+              <a:t>Copyright © EV3Lessons.com 2016 (Last edit: 7/26/2016)</a:t>
+            </a:r>
+            <a:endParaRPr lang="en-US"/>
+          </a:p>
+        </p:txBody>
+      </p:sp>
+      <p:sp>
+        <p:nvSpPr>
+          <p:cNvPr id="9" name="Slide Number Placeholder 8"/>
+          <p:cNvSpPr>
+            <a:spLocks noGrp="1"/>
+          </p:cNvSpPr>
+          <p:nvPr>
+            <p:ph type="sldNum" sz="quarter" idx="12"/>
+          </p:nvPr>
+        </p:nvSpPr>
+        <p:spPr/>
+        <p:txBody>
+          <a:bodyPr/>
+          <a:lstStyle/>
+          <a:p>
+            <a:fld id="{4DBC7FC8-25FB-FC45-8177-2B991DA6778C}" type="slidenum">
+              <a:rPr lang="en-US" smtClean="0"/>
+              <a:t>‹#›</a:t>
+            </a:fld>
+            <a:endParaRPr lang="en-US"/>
+          </a:p>
+        </p:txBody>
+      </p:sp>
+    </p:spTree>
+    <p:extLst>
+      <p:ext uri="{BB962C8B-B14F-4D97-AF65-F5344CB8AC3E}">
+        <p14:creationId xmlns:p14="http://schemas.microsoft.com/office/powerpoint/2010/main" val="702622559"/>
+      </p:ext>
+    </p:extLst>
+  </p:cSld>
+  <p:clrMapOvr>
+    <a:masterClrMapping/>
+  </p:clrMapOvr>
+</p:sldLayout>
+</file>
+
+<file path=ppt/slideLayouts/slideLayout39.xml><?xml version="1.0" encoding="utf-8"?>
+<p:sldLayout xmlns:a="http://schemas.openxmlformats.org/drawingml/2006/main" xmlns:r="http://schemas.openxmlformats.org/officeDocument/2006/relationships" xmlns:p="http://schemas.openxmlformats.org/presentationml/2006/main" type="titleOnly" preserve="1">
+  <p:cSld name="Title Only">
+    <p:spTree>
+      <p:nvGrpSpPr>
+        <p:cNvPr id="1" name=""/>
+        <p:cNvGrpSpPr/>
+        <p:nvPr/>
+      </p:nvGrpSpPr>
+      <p:grpSpPr>
+        <a:xfrm>
+          <a:off x="0" y="0"/>
+          <a:ext cx="0" cy="0"/>
+          <a:chOff x="0" y="0"/>
+          <a:chExt cx="0" cy="0"/>
+        </a:xfrm>
+      </p:grpSpPr>
+      <p:sp>
+        <p:nvSpPr>
+          <p:cNvPr id="2" name="Title 1"/>
+          <p:cNvSpPr>
+            <a:spLocks noGrp="1"/>
+          </p:cNvSpPr>
+          <p:nvPr>
+            <p:ph type="title"/>
+          </p:nvPr>
+        </p:nvSpPr>
+        <p:spPr/>
+        <p:txBody>
+          <a:bodyPr/>
+          <a:lstStyle/>
+          <a:p>
+            <a:r>
+              <a:rPr lang="en-US" smtClean="0"/>
+              <a:t>Click to edit Master title style</a:t>
+            </a:r>
+            <a:endParaRPr lang="en-US" dirty="0"/>
+          </a:p>
+        </p:txBody>
+      </p:sp>
+      <p:sp>
+        <p:nvSpPr>
+          <p:cNvPr id="3" name="Date Placeholder 2"/>
+          <p:cNvSpPr>
+            <a:spLocks noGrp="1"/>
+          </p:cNvSpPr>
+          <p:nvPr>
+            <p:ph type="dt" sz="half" idx="10"/>
+          </p:nvPr>
+        </p:nvSpPr>
+        <p:spPr/>
+        <p:txBody>
+          <a:bodyPr/>
+          <a:lstStyle/>
+          <a:p>
+            <a:fld id="{55C9BA6C-0526-FD4E-A22F-8F16DD47A95F}" type="datetime1">
+              <a:rPr lang="en-US" smtClean="0"/>
+              <a:t>7/26/16</a:t>
+            </a:fld>
+            <a:endParaRPr lang="en-US"/>
+          </a:p>
+        </p:txBody>
+      </p:sp>
+      <p:sp>
+        <p:nvSpPr>
+          <p:cNvPr id="4" name="Footer Placeholder 3"/>
+          <p:cNvSpPr>
+            <a:spLocks noGrp="1"/>
+          </p:cNvSpPr>
+          <p:nvPr>
+            <p:ph type="ftr" sz="quarter" idx="11"/>
+          </p:nvPr>
+        </p:nvSpPr>
+        <p:spPr/>
+        <p:txBody>
+          <a:bodyPr/>
+          <a:lstStyle/>
+          <a:p>
+            <a:r>
+              <a:rPr lang="en-US" smtClean="0"/>
+              <a:t>Copyright © EV3Lessons.com 2016 (Last edit: 7/26/2016)</a:t>
+            </a:r>
+            <a:endParaRPr lang="en-US"/>
+          </a:p>
+        </p:txBody>
+      </p:sp>
+      <p:sp>
+        <p:nvSpPr>
+          <p:cNvPr id="5" name="Slide Number Placeholder 4"/>
+          <p:cNvSpPr>
+            <a:spLocks noGrp="1"/>
+          </p:cNvSpPr>
+          <p:nvPr>
+            <p:ph type="sldNum" sz="quarter" idx="12"/>
+          </p:nvPr>
+        </p:nvSpPr>
+        <p:spPr/>
+        <p:txBody>
+          <a:bodyPr/>
+          <a:lstStyle/>
+          <a:p>
+            <a:fld id="{4DBC7FC8-25FB-FC45-8177-2B991DA6778C}" type="slidenum">
+              <a:rPr lang="en-US" smtClean="0"/>
+              <a:t>‹#›</a:t>
+            </a:fld>
+            <a:endParaRPr lang="en-US"/>
+          </a:p>
+        </p:txBody>
+      </p:sp>
+    </p:spTree>
+    <p:extLst>
+      <p:ext uri="{BB962C8B-B14F-4D97-AF65-F5344CB8AC3E}">
+        <p14:creationId xmlns:p14="http://schemas.microsoft.com/office/powerpoint/2010/main" val="2112257907"/>
       </p:ext>
     </p:extLst>
   </p:cSld>
@@ -4930,7 +9424,7 @@
           <a:p>
             <a:fld id="{26BCD953-9CDD-E641-8DF1-F34622718B00}" type="datetime1">
               <a:rPr lang="en-US" smtClean="0"/>
-              <a:t>7/19/16</a:t>
+              <a:t>7/26/16</a:t>
             </a:fld>
             <a:endParaRPr lang="en-US"/>
           </a:p>
@@ -5007,6 +9501,1354 @@
       </p:par>
     </p:tnLst>
   </p:timing>
+</p:sldLayout>
+</file>
+
+<file path=ppt/slideLayouts/slideLayout40.xml><?xml version="1.0" encoding="utf-8"?>
+<p:sldLayout xmlns:a="http://schemas.openxmlformats.org/drawingml/2006/main" xmlns:r="http://schemas.openxmlformats.org/officeDocument/2006/relationships" xmlns:p="http://schemas.openxmlformats.org/presentationml/2006/main" type="blank" preserve="1">
+  <p:cSld name="Blank">
+    <p:spTree>
+      <p:nvGrpSpPr>
+        <p:cNvPr id="1" name=""/>
+        <p:cNvGrpSpPr/>
+        <p:nvPr/>
+      </p:nvGrpSpPr>
+      <p:grpSpPr>
+        <a:xfrm>
+          <a:off x="0" y="0"/>
+          <a:ext cx="0" cy="0"/>
+          <a:chOff x="0" y="0"/>
+          <a:chExt cx="0" cy="0"/>
+        </a:xfrm>
+      </p:grpSpPr>
+      <p:sp>
+        <p:nvSpPr>
+          <p:cNvPr id="2" name="Date Placeholder 1"/>
+          <p:cNvSpPr>
+            <a:spLocks noGrp="1"/>
+          </p:cNvSpPr>
+          <p:nvPr>
+            <p:ph type="dt" sz="half" idx="10"/>
+          </p:nvPr>
+        </p:nvSpPr>
+        <p:spPr/>
+        <p:txBody>
+          <a:bodyPr/>
+          <a:lstStyle/>
+          <a:p>
+            <a:fld id="{89082F69-E21E-9542-B059-3CF8A522B3FD}" type="datetime1">
+              <a:rPr lang="en-US" smtClean="0"/>
+              <a:t>7/26/16</a:t>
+            </a:fld>
+            <a:endParaRPr lang="en-US"/>
+          </a:p>
+        </p:txBody>
+      </p:sp>
+      <p:sp>
+        <p:nvSpPr>
+          <p:cNvPr id="3" name="Footer Placeholder 2"/>
+          <p:cNvSpPr>
+            <a:spLocks noGrp="1"/>
+          </p:cNvSpPr>
+          <p:nvPr>
+            <p:ph type="ftr" sz="quarter" idx="11"/>
+          </p:nvPr>
+        </p:nvSpPr>
+        <p:spPr/>
+        <p:txBody>
+          <a:bodyPr/>
+          <a:lstStyle/>
+          <a:p>
+            <a:r>
+              <a:rPr lang="en-US" smtClean="0"/>
+              <a:t>Copyright © EV3Lessons.com 2016 (Last edit: 7/26/2016)</a:t>
+            </a:r>
+            <a:endParaRPr lang="en-US"/>
+          </a:p>
+        </p:txBody>
+      </p:sp>
+      <p:sp>
+        <p:nvSpPr>
+          <p:cNvPr id="4" name="Slide Number Placeholder 3"/>
+          <p:cNvSpPr>
+            <a:spLocks noGrp="1"/>
+          </p:cNvSpPr>
+          <p:nvPr>
+            <p:ph type="sldNum" sz="quarter" idx="12"/>
+          </p:nvPr>
+        </p:nvSpPr>
+        <p:spPr/>
+        <p:txBody>
+          <a:bodyPr/>
+          <a:lstStyle/>
+          <a:p>
+            <a:fld id="{4DBC7FC8-25FB-FC45-8177-2B991DA6778C}" type="slidenum">
+              <a:rPr lang="en-US" smtClean="0"/>
+              <a:t>‹#›</a:t>
+            </a:fld>
+            <a:endParaRPr lang="en-US"/>
+          </a:p>
+        </p:txBody>
+      </p:sp>
+    </p:spTree>
+    <p:extLst>
+      <p:ext uri="{BB962C8B-B14F-4D97-AF65-F5344CB8AC3E}">
+        <p14:creationId xmlns:p14="http://schemas.microsoft.com/office/powerpoint/2010/main" val="666474392"/>
+      </p:ext>
+    </p:extLst>
+  </p:cSld>
+  <p:clrMapOvr>
+    <a:masterClrMapping/>
+  </p:clrMapOvr>
+</p:sldLayout>
+</file>
+
+<file path=ppt/slideLayouts/slideLayout41.xml><?xml version="1.0" encoding="utf-8"?>
+<p:sldLayout xmlns:a="http://schemas.openxmlformats.org/drawingml/2006/main" xmlns:r="http://schemas.openxmlformats.org/officeDocument/2006/relationships" xmlns:p="http://schemas.openxmlformats.org/presentationml/2006/main" showMasterSp="0" type="objTx" preserve="1">
+  <p:cSld name="Content with Caption">
+    <p:spTree>
+      <p:nvGrpSpPr>
+        <p:cNvPr id="1" name=""/>
+        <p:cNvGrpSpPr/>
+        <p:nvPr/>
+      </p:nvGrpSpPr>
+      <p:grpSpPr>
+        <a:xfrm>
+          <a:off x="0" y="0"/>
+          <a:ext cx="0" cy="0"/>
+          <a:chOff x="0" y="0"/>
+          <a:chExt cx="0" cy="0"/>
+        </a:xfrm>
+      </p:grpSpPr>
+      <p:sp>
+        <p:nvSpPr>
+          <p:cNvPr id="8" name="Rectangle 7" title="Background Shape"/>
+          <p:cNvSpPr/>
+          <p:nvPr/>
+        </p:nvSpPr>
+        <p:spPr>
+          <a:xfrm>
+            <a:off x="0" y="376"/>
+            <a:ext cx="3977640" cy="6857624"/>
+          </a:xfrm>
+          <a:prstGeom prst="rect">
+            <a:avLst/>
+          </a:prstGeom>
+          <a:solidFill>
+            <a:schemeClr val="accent1"/>
+          </a:solidFill>
+          <a:ln>
+            <a:noFill/>
+          </a:ln>
+        </p:spPr>
+        <p:style>
+          <a:lnRef idx="2">
+            <a:schemeClr val="accent1">
+              <a:shade val="50000"/>
+            </a:schemeClr>
+          </a:lnRef>
+          <a:fillRef idx="1">
+            <a:schemeClr val="accent1"/>
+          </a:fillRef>
+          <a:effectRef idx="0">
+            <a:schemeClr val="accent1"/>
+          </a:effectRef>
+          <a:fontRef idx="minor">
+            <a:schemeClr val="lt1"/>
+          </a:fontRef>
+        </p:style>
+      </p:sp>
+      <p:sp>
+        <p:nvSpPr>
+          <p:cNvPr id="2" name="Title 1"/>
+          <p:cNvSpPr>
+            <a:spLocks noGrp="1"/>
+          </p:cNvSpPr>
+          <p:nvPr>
+            <p:ph type="title"/>
+          </p:nvPr>
+        </p:nvSpPr>
+        <p:spPr>
+          <a:xfrm>
+            <a:off x="542925" y="685800"/>
+            <a:ext cx="2891790" cy="2157884"/>
+          </a:xfrm>
+        </p:spPr>
+        <p:txBody>
+          <a:bodyPr anchor="t">
+            <a:noAutofit/>
+          </a:bodyPr>
+          <a:lstStyle>
+            <a:lvl1pPr>
+              <a:lnSpc>
+                <a:spcPct val="84000"/>
+              </a:lnSpc>
+              <a:defRPr sz="4400" baseline="0">
+                <a:solidFill>
+                  <a:schemeClr val="tx2"/>
+                </a:solidFill>
+              </a:defRPr>
+            </a:lvl1pPr>
+          </a:lstStyle>
+          <a:p>
+            <a:r>
+              <a:rPr lang="en-US" smtClean="0"/>
+              <a:t>Click to edit Master title style</a:t>
+            </a:r>
+            <a:endParaRPr lang="en-US" dirty="0"/>
+          </a:p>
+        </p:txBody>
+      </p:sp>
+      <p:sp>
+        <p:nvSpPr>
+          <p:cNvPr id="3" name="Content Placeholder 2"/>
+          <p:cNvSpPr>
+            <a:spLocks noGrp="1"/>
+          </p:cNvSpPr>
+          <p:nvPr>
+            <p:ph idx="1"/>
+          </p:nvPr>
+        </p:nvSpPr>
+        <p:spPr>
+          <a:xfrm>
+            <a:off x="4692015" y="685801"/>
+            <a:ext cx="3909060" cy="5175250"/>
+          </a:xfrm>
+        </p:spPr>
+        <p:txBody>
+          <a:bodyPr/>
+          <a:lstStyle>
+            <a:lvl1pPr>
+              <a:defRPr sz="1500"/>
+            </a:lvl1pPr>
+            <a:lvl2pPr>
+              <a:defRPr sz="1500"/>
+            </a:lvl2pPr>
+            <a:lvl3pPr>
+              <a:defRPr sz="1350"/>
+            </a:lvl3pPr>
+            <a:lvl4pPr>
+              <a:defRPr sz="1350"/>
+            </a:lvl4pPr>
+            <a:lvl5pPr>
+              <a:defRPr sz="1200"/>
+            </a:lvl5pPr>
+            <a:lvl6pPr>
+              <a:defRPr sz="1200"/>
+            </a:lvl6pPr>
+            <a:lvl7pPr>
+              <a:defRPr sz="1200"/>
+            </a:lvl7pPr>
+            <a:lvl8pPr>
+              <a:defRPr sz="1200"/>
+            </a:lvl8pPr>
+            <a:lvl9pPr>
+              <a:defRPr sz="1200"/>
+            </a:lvl9pPr>
+          </a:lstStyle>
+          <a:p>
+            <a:pPr lvl="0"/>
+            <a:r>
+              <a:rPr lang="en-US" smtClean="0"/>
+              <a:t>Click to edit Master text styles</a:t>
+            </a:r>
+          </a:p>
+          <a:p>
+            <a:pPr lvl="1"/>
+            <a:r>
+              <a:rPr lang="en-US" smtClean="0"/>
+              <a:t>Second level</a:t>
+            </a:r>
+          </a:p>
+          <a:p>
+            <a:pPr lvl="2"/>
+            <a:r>
+              <a:rPr lang="en-US" smtClean="0"/>
+              <a:t>Third level</a:t>
+            </a:r>
+          </a:p>
+          <a:p>
+            <a:pPr lvl="3"/>
+            <a:r>
+              <a:rPr lang="en-US" smtClean="0"/>
+              <a:t>Fourth level</a:t>
+            </a:r>
+          </a:p>
+          <a:p>
+            <a:pPr lvl="4"/>
+            <a:r>
+              <a:rPr lang="en-US" smtClean="0"/>
+              <a:t>Fifth level</a:t>
+            </a:r>
+            <a:endParaRPr lang="en-US" dirty="0"/>
+          </a:p>
+        </p:txBody>
+      </p:sp>
+      <p:sp>
+        <p:nvSpPr>
+          <p:cNvPr id="4" name="Text Placeholder 3"/>
+          <p:cNvSpPr>
+            <a:spLocks noGrp="1"/>
+          </p:cNvSpPr>
+          <p:nvPr>
+            <p:ph type="body" sz="half" idx="2"/>
+          </p:nvPr>
+        </p:nvSpPr>
+        <p:spPr>
+          <a:xfrm>
+            <a:off x="542925" y="2856344"/>
+            <a:ext cx="2891790" cy="3011056"/>
+          </a:xfrm>
+        </p:spPr>
+        <p:txBody>
+          <a:bodyPr>
+            <a:normAutofit/>
+          </a:bodyPr>
+          <a:lstStyle>
+            <a:lvl1pPr marL="0" indent="0">
+              <a:lnSpc>
+                <a:spcPct val="113000"/>
+              </a:lnSpc>
+              <a:spcBef>
+                <a:spcPts val="0"/>
+              </a:spcBef>
+              <a:spcAft>
+                <a:spcPts val="1500"/>
+              </a:spcAft>
+              <a:buNone/>
+              <a:defRPr sz="1600"/>
+            </a:lvl1pPr>
+            <a:lvl2pPr marL="342900" indent="0">
+              <a:buNone/>
+              <a:defRPr sz="1050"/>
+            </a:lvl2pPr>
+            <a:lvl3pPr marL="685800" indent="0">
+              <a:buNone/>
+              <a:defRPr sz="900"/>
+            </a:lvl3pPr>
+            <a:lvl4pPr marL="1028700" indent="0">
+              <a:buNone/>
+              <a:defRPr sz="750"/>
+            </a:lvl4pPr>
+            <a:lvl5pPr marL="1371600" indent="0">
+              <a:buNone/>
+              <a:defRPr sz="750"/>
+            </a:lvl5pPr>
+            <a:lvl6pPr marL="1714500" indent="0">
+              <a:buNone/>
+              <a:defRPr sz="750"/>
+            </a:lvl6pPr>
+            <a:lvl7pPr marL="2057400" indent="0">
+              <a:buNone/>
+              <a:defRPr sz="750"/>
+            </a:lvl7pPr>
+            <a:lvl8pPr marL="2400300" indent="0">
+              <a:buNone/>
+              <a:defRPr sz="750"/>
+            </a:lvl8pPr>
+            <a:lvl9pPr marL="2743200" indent="0">
+              <a:buNone/>
+              <a:defRPr sz="750"/>
+            </a:lvl9pPr>
+          </a:lstStyle>
+          <a:p>
+            <a:pPr lvl="0"/>
+            <a:r>
+              <a:rPr lang="en-US" smtClean="0"/>
+              <a:t>Click to edit Master text styles</a:t>
+            </a:r>
+          </a:p>
+        </p:txBody>
+      </p:sp>
+      <p:sp>
+        <p:nvSpPr>
+          <p:cNvPr id="5" name="Date Placeholder 4"/>
+          <p:cNvSpPr>
+            <a:spLocks noGrp="1"/>
+          </p:cNvSpPr>
+          <p:nvPr>
+            <p:ph type="dt" sz="half" idx="10"/>
+          </p:nvPr>
+        </p:nvSpPr>
+        <p:spPr>
+          <a:xfrm>
+            <a:off x="542925" y="6453386"/>
+            <a:ext cx="903429" cy="404614"/>
+          </a:xfrm>
+        </p:spPr>
+        <p:txBody>
+          <a:bodyPr/>
+          <a:lstStyle>
+            <a:lvl1pPr>
+              <a:defRPr>
+                <a:solidFill>
+                  <a:schemeClr val="tx2"/>
+                </a:solidFill>
+              </a:defRPr>
+            </a:lvl1pPr>
+          </a:lstStyle>
+          <a:p>
+            <a:fld id="{3326CC3F-83F4-2F4F-BA26-6D7812957083}" type="datetime1">
+              <a:rPr lang="en-US" smtClean="0"/>
+              <a:t>7/26/16</a:t>
+            </a:fld>
+            <a:endParaRPr lang="en-US"/>
+          </a:p>
+        </p:txBody>
+      </p:sp>
+      <p:sp>
+        <p:nvSpPr>
+          <p:cNvPr id="6" name="Footer Placeholder 5"/>
+          <p:cNvSpPr>
+            <a:spLocks noGrp="1"/>
+          </p:cNvSpPr>
+          <p:nvPr>
+            <p:ph type="ftr" sz="quarter" idx="11"/>
+          </p:nvPr>
+        </p:nvSpPr>
+        <p:spPr>
+          <a:xfrm>
+            <a:off x="1654459" y="6453386"/>
+            <a:ext cx="1780256" cy="404614"/>
+          </a:xfrm>
+        </p:spPr>
+        <p:txBody>
+          <a:bodyPr/>
+          <a:lstStyle>
+            <a:lvl1pPr>
+              <a:defRPr>
+                <a:solidFill>
+                  <a:schemeClr val="tx2"/>
+                </a:solidFill>
+              </a:defRPr>
+            </a:lvl1pPr>
+          </a:lstStyle>
+          <a:p>
+            <a:r>
+              <a:rPr lang="en-US" smtClean="0"/>
+              <a:t>Copyright © EV3Lessons.com 2016 (Last edit: 7/26/2016)</a:t>
+            </a:r>
+            <a:endParaRPr lang="en-US"/>
+          </a:p>
+        </p:txBody>
+      </p:sp>
+      <p:sp>
+        <p:nvSpPr>
+          <p:cNvPr id="7" name="Slide Number Placeholder 6"/>
+          <p:cNvSpPr>
+            <a:spLocks noGrp="1"/>
+          </p:cNvSpPr>
+          <p:nvPr>
+            <p:ph type="sldNum" sz="quarter" idx="12"/>
+          </p:nvPr>
+        </p:nvSpPr>
+        <p:spPr>
+          <a:xfrm>
+            <a:off x="7412355" y="6453386"/>
+            <a:ext cx="1197219" cy="404614"/>
+          </a:xfrm>
+        </p:spPr>
+        <p:txBody>
+          <a:bodyPr/>
+          <a:lstStyle>
+            <a:lvl1pPr>
+              <a:defRPr>
+                <a:solidFill>
+                  <a:schemeClr val="tx2"/>
+                </a:solidFill>
+              </a:defRPr>
+            </a:lvl1pPr>
+          </a:lstStyle>
+          <a:p>
+            <a:fld id="{4DBC7FC8-25FB-FC45-8177-2B991DA6778C}" type="slidenum">
+              <a:rPr lang="en-US" smtClean="0"/>
+              <a:t>‹#›</a:t>
+            </a:fld>
+            <a:endParaRPr lang="en-US"/>
+          </a:p>
+        </p:txBody>
+      </p:sp>
+      <p:sp>
+        <p:nvSpPr>
+          <p:cNvPr id="9" name="Rectangle 8"/>
+          <p:cNvSpPr/>
+          <p:nvPr/>
+        </p:nvSpPr>
+        <p:spPr>
+          <a:xfrm>
+            <a:off x="3977640" y="376"/>
+            <a:ext cx="171450" cy="6858000"/>
+          </a:xfrm>
+          <a:prstGeom prst="rect">
+            <a:avLst/>
+          </a:prstGeom>
+          <a:solidFill>
+            <a:schemeClr val="tx2"/>
+          </a:solidFill>
+          <a:ln>
+            <a:noFill/>
+          </a:ln>
+        </p:spPr>
+        <p:style>
+          <a:lnRef idx="2">
+            <a:schemeClr val="accent1">
+              <a:shade val="50000"/>
+            </a:schemeClr>
+          </a:lnRef>
+          <a:fillRef idx="1">
+            <a:schemeClr val="accent1"/>
+          </a:fillRef>
+          <a:effectRef idx="0">
+            <a:schemeClr val="accent1"/>
+          </a:effectRef>
+          <a:fontRef idx="minor">
+            <a:schemeClr val="lt1"/>
+          </a:fontRef>
+        </p:style>
+      </p:sp>
+      <p:sp>
+        <p:nvSpPr>
+          <p:cNvPr id="11" name="Rectangle 10" title="Divider Bar"/>
+          <p:cNvSpPr/>
+          <p:nvPr/>
+        </p:nvSpPr>
+        <p:spPr>
+          <a:xfrm>
+            <a:off x="3977640" y="376"/>
+            <a:ext cx="171450" cy="6858000"/>
+          </a:xfrm>
+          <a:prstGeom prst="rect">
+            <a:avLst/>
+          </a:prstGeom>
+          <a:solidFill>
+            <a:schemeClr val="tx2"/>
+          </a:solidFill>
+          <a:ln>
+            <a:noFill/>
+          </a:ln>
+        </p:spPr>
+        <p:style>
+          <a:lnRef idx="2">
+            <a:schemeClr val="accent1">
+              <a:shade val="50000"/>
+            </a:schemeClr>
+          </a:lnRef>
+          <a:fillRef idx="1">
+            <a:schemeClr val="accent1"/>
+          </a:fillRef>
+          <a:effectRef idx="0">
+            <a:schemeClr val="accent1"/>
+          </a:effectRef>
+          <a:fontRef idx="minor">
+            <a:schemeClr val="lt1"/>
+          </a:fontRef>
+        </p:style>
+      </p:sp>
+    </p:spTree>
+    <p:extLst>
+      <p:ext uri="{BB962C8B-B14F-4D97-AF65-F5344CB8AC3E}">
+        <p14:creationId xmlns:p14="http://schemas.microsoft.com/office/powerpoint/2010/main" val="160403592"/>
+      </p:ext>
+    </p:extLst>
+  </p:cSld>
+  <p:clrMapOvr>
+    <a:masterClrMapping/>
+  </p:clrMapOvr>
+</p:sldLayout>
+</file>
+
+<file path=ppt/slideLayouts/slideLayout42.xml><?xml version="1.0" encoding="utf-8"?>
+<p:sldLayout xmlns:a="http://schemas.openxmlformats.org/drawingml/2006/main" xmlns:r="http://schemas.openxmlformats.org/officeDocument/2006/relationships" xmlns:p="http://schemas.openxmlformats.org/presentationml/2006/main" showMasterSp="0" type="picTx" preserve="1">
+  <p:cSld name="Picture with Caption">
+    <p:spTree>
+      <p:nvGrpSpPr>
+        <p:cNvPr id="1" name=""/>
+        <p:cNvGrpSpPr/>
+        <p:nvPr/>
+      </p:nvGrpSpPr>
+      <p:grpSpPr>
+        <a:xfrm>
+          <a:off x="0" y="0"/>
+          <a:ext cx="0" cy="0"/>
+          <a:chOff x="0" y="0"/>
+          <a:chExt cx="0" cy="0"/>
+        </a:xfrm>
+      </p:grpSpPr>
+      <p:sp>
+        <p:nvSpPr>
+          <p:cNvPr id="8" name="Rectangle 7" title="Background Shape"/>
+          <p:cNvSpPr/>
+          <p:nvPr/>
+        </p:nvSpPr>
+        <p:spPr>
+          <a:xfrm>
+            <a:off x="0" y="376"/>
+            <a:ext cx="3977640" cy="6857624"/>
+          </a:xfrm>
+          <a:prstGeom prst="rect">
+            <a:avLst/>
+          </a:prstGeom>
+          <a:solidFill>
+            <a:schemeClr val="accent1"/>
+          </a:solidFill>
+          <a:ln>
+            <a:noFill/>
+          </a:ln>
+        </p:spPr>
+        <p:style>
+          <a:lnRef idx="2">
+            <a:schemeClr val="accent1">
+              <a:shade val="50000"/>
+            </a:schemeClr>
+          </a:lnRef>
+          <a:fillRef idx="1">
+            <a:schemeClr val="accent1"/>
+          </a:fillRef>
+          <a:effectRef idx="0">
+            <a:schemeClr val="accent1"/>
+          </a:effectRef>
+          <a:fontRef idx="minor">
+            <a:schemeClr val="lt1"/>
+          </a:fontRef>
+        </p:style>
+      </p:sp>
+      <p:sp>
+        <p:nvSpPr>
+          <p:cNvPr id="2" name="Title 1"/>
+          <p:cNvSpPr>
+            <a:spLocks noGrp="1"/>
+          </p:cNvSpPr>
+          <p:nvPr>
+            <p:ph type="title"/>
+          </p:nvPr>
+        </p:nvSpPr>
+        <p:spPr>
+          <a:xfrm>
+            <a:off x="542925" y="685800"/>
+            <a:ext cx="2891790" cy="2157884"/>
+          </a:xfrm>
+        </p:spPr>
+        <p:txBody>
+          <a:bodyPr anchor="t">
+            <a:normAutofit/>
+          </a:bodyPr>
+          <a:lstStyle>
+            <a:lvl1pPr>
+              <a:lnSpc>
+                <a:spcPct val="84000"/>
+              </a:lnSpc>
+              <a:defRPr sz="4400" baseline="0"/>
+            </a:lvl1pPr>
+          </a:lstStyle>
+          <a:p>
+            <a:r>
+              <a:rPr lang="en-US" smtClean="0"/>
+              <a:t>Click to edit Master title style</a:t>
+            </a:r>
+            <a:endParaRPr lang="en-US" dirty="0"/>
+          </a:p>
+        </p:txBody>
+      </p:sp>
+      <p:sp>
+        <p:nvSpPr>
+          <p:cNvPr id="3" name="Picture Placeholder 2"/>
+          <p:cNvSpPr>
+            <a:spLocks noGrp="1" noChangeAspect="1"/>
+          </p:cNvSpPr>
+          <p:nvPr>
+            <p:ph type="pic" idx="1"/>
+          </p:nvPr>
+        </p:nvSpPr>
+        <p:spPr>
+          <a:xfrm>
+            <a:off x="4149090" y="1"/>
+            <a:ext cx="4994910" cy="6857999"/>
+          </a:xfrm>
+        </p:spPr>
+        <p:txBody>
+          <a:bodyPr anchor="t">
+            <a:normAutofit/>
+          </a:bodyPr>
+          <a:lstStyle>
+            <a:lvl1pPr marL="0" indent="0">
+              <a:buNone/>
+              <a:defRPr sz="1500"/>
+            </a:lvl1pPr>
+            <a:lvl2pPr marL="342900" indent="0">
+              <a:buNone/>
+              <a:defRPr sz="1500"/>
+            </a:lvl2pPr>
+            <a:lvl3pPr marL="685800" indent="0">
+              <a:buNone/>
+              <a:defRPr sz="1500"/>
+            </a:lvl3pPr>
+            <a:lvl4pPr marL="1028700" indent="0">
+              <a:buNone/>
+              <a:defRPr sz="1500"/>
+            </a:lvl4pPr>
+            <a:lvl5pPr marL="1371600" indent="0">
+              <a:buNone/>
+              <a:defRPr sz="1500"/>
+            </a:lvl5pPr>
+            <a:lvl6pPr marL="1714500" indent="0">
+              <a:buNone/>
+              <a:defRPr sz="1500"/>
+            </a:lvl6pPr>
+            <a:lvl7pPr marL="2057400" indent="0">
+              <a:buNone/>
+              <a:defRPr sz="1500"/>
+            </a:lvl7pPr>
+            <a:lvl8pPr marL="2400300" indent="0">
+              <a:buNone/>
+              <a:defRPr sz="1500"/>
+            </a:lvl8pPr>
+            <a:lvl9pPr marL="2743200" indent="0">
+              <a:buNone/>
+              <a:defRPr sz="1500"/>
+            </a:lvl9pPr>
+          </a:lstStyle>
+          <a:p>
+            <a:r>
+              <a:rPr lang="en-US" smtClean="0"/>
+              <a:t>Drag picture to placeholder or click icon to add</a:t>
+            </a:r>
+            <a:endParaRPr lang="en-US" dirty="0"/>
+          </a:p>
+        </p:txBody>
+      </p:sp>
+      <p:sp>
+        <p:nvSpPr>
+          <p:cNvPr id="4" name="Text Placeholder 3"/>
+          <p:cNvSpPr>
+            <a:spLocks noGrp="1"/>
+          </p:cNvSpPr>
+          <p:nvPr>
+            <p:ph type="body" sz="half" idx="2"/>
+          </p:nvPr>
+        </p:nvSpPr>
+        <p:spPr>
+          <a:xfrm>
+            <a:off x="542925" y="2855968"/>
+            <a:ext cx="2891790" cy="3011432"/>
+          </a:xfrm>
+        </p:spPr>
+        <p:txBody>
+          <a:bodyPr>
+            <a:normAutofit/>
+          </a:bodyPr>
+          <a:lstStyle>
+            <a:lvl1pPr marL="0" indent="0">
+              <a:lnSpc>
+                <a:spcPct val="113000"/>
+              </a:lnSpc>
+              <a:spcBef>
+                <a:spcPts val="0"/>
+              </a:spcBef>
+              <a:spcAft>
+                <a:spcPts val="1500"/>
+              </a:spcAft>
+              <a:buNone/>
+              <a:defRPr sz="1600"/>
+            </a:lvl1pPr>
+            <a:lvl2pPr marL="342900" indent="0">
+              <a:buNone/>
+              <a:defRPr sz="1050"/>
+            </a:lvl2pPr>
+            <a:lvl3pPr marL="685800" indent="0">
+              <a:buNone/>
+              <a:defRPr sz="900"/>
+            </a:lvl3pPr>
+            <a:lvl4pPr marL="1028700" indent="0">
+              <a:buNone/>
+              <a:defRPr sz="750"/>
+            </a:lvl4pPr>
+            <a:lvl5pPr marL="1371600" indent="0">
+              <a:buNone/>
+              <a:defRPr sz="750"/>
+            </a:lvl5pPr>
+            <a:lvl6pPr marL="1714500" indent="0">
+              <a:buNone/>
+              <a:defRPr sz="750"/>
+            </a:lvl6pPr>
+            <a:lvl7pPr marL="2057400" indent="0">
+              <a:buNone/>
+              <a:defRPr sz="750"/>
+            </a:lvl7pPr>
+            <a:lvl8pPr marL="2400300" indent="0">
+              <a:buNone/>
+              <a:defRPr sz="750"/>
+            </a:lvl8pPr>
+            <a:lvl9pPr marL="2743200" indent="0">
+              <a:buNone/>
+              <a:defRPr sz="750"/>
+            </a:lvl9pPr>
+          </a:lstStyle>
+          <a:p>
+            <a:pPr lvl="0"/>
+            <a:r>
+              <a:rPr lang="en-US" smtClean="0"/>
+              <a:t>Click to edit Master text styles</a:t>
+            </a:r>
+          </a:p>
+        </p:txBody>
+      </p:sp>
+      <p:sp>
+        <p:nvSpPr>
+          <p:cNvPr id="5" name="Date Placeholder 4"/>
+          <p:cNvSpPr>
+            <a:spLocks noGrp="1"/>
+          </p:cNvSpPr>
+          <p:nvPr>
+            <p:ph type="dt" sz="half" idx="10"/>
+          </p:nvPr>
+        </p:nvSpPr>
+        <p:spPr>
+          <a:xfrm>
+            <a:off x="542925" y="6453386"/>
+            <a:ext cx="903429" cy="404614"/>
+          </a:xfrm>
+        </p:spPr>
+        <p:txBody>
+          <a:bodyPr/>
+          <a:lstStyle>
+            <a:lvl1pPr>
+              <a:defRPr>
+                <a:solidFill>
+                  <a:schemeClr val="tx2"/>
+                </a:solidFill>
+              </a:defRPr>
+            </a:lvl1pPr>
+          </a:lstStyle>
+          <a:p>
+            <a:fld id="{C7D94017-4663-C245-A9AE-9CA3D1534548}" type="datetime1">
+              <a:rPr lang="en-US" smtClean="0"/>
+              <a:t>7/26/16</a:t>
+            </a:fld>
+            <a:endParaRPr lang="en-US"/>
+          </a:p>
+        </p:txBody>
+      </p:sp>
+      <p:sp>
+        <p:nvSpPr>
+          <p:cNvPr id="6" name="Footer Placeholder 5"/>
+          <p:cNvSpPr>
+            <a:spLocks noGrp="1"/>
+          </p:cNvSpPr>
+          <p:nvPr>
+            <p:ph type="ftr" sz="quarter" idx="11"/>
+          </p:nvPr>
+        </p:nvSpPr>
+        <p:spPr>
+          <a:xfrm>
+            <a:off x="1654459" y="6453386"/>
+            <a:ext cx="1780256" cy="404614"/>
+          </a:xfrm>
+        </p:spPr>
+        <p:txBody>
+          <a:bodyPr/>
+          <a:lstStyle>
+            <a:lvl1pPr>
+              <a:defRPr>
+                <a:solidFill>
+                  <a:schemeClr val="tx2"/>
+                </a:solidFill>
+              </a:defRPr>
+            </a:lvl1pPr>
+          </a:lstStyle>
+          <a:p>
+            <a:r>
+              <a:rPr lang="en-US" smtClean="0"/>
+              <a:t>Copyright © EV3Lessons.com 2016 (Last edit: 7/26/2016)</a:t>
+            </a:r>
+            <a:endParaRPr lang="en-US"/>
+          </a:p>
+        </p:txBody>
+      </p:sp>
+      <p:sp>
+        <p:nvSpPr>
+          <p:cNvPr id="7" name="Slide Number Placeholder 6"/>
+          <p:cNvSpPr>
+            <a:spLocks noGrp="1"/>
+          </p:cNvSpPr>
+          <p:nvPr>
+            <p:ph type="sldNum" sz="quarter" idx="12"/>
+          </p:nvPr>
+        </p:nvSpPr>
+        <p:spPr>
+          <a:xfrm>
+            <a:off x="7412355" y="6453386"/>
+            <a:ext cx="1197219" cy="404614"/>
+          </a:xfrm>
+        </p:spPr>
+        <p:txBody>
+          <a:bodyPr/>
+          <a:lstStyle>
+            <a:lvl1pPr>
+              <a:defRPr>
+                <a:solidFill>
+                  <a:schemeClr val="tx2"/>
+                </a:solidFill>
+              </a:defRPr>
+            </a:lvl1pPr>
+          </a:lstStyle>
+          <a:p>
+            <a:fld id="{4DBC7FC8-25FB-FC45-8177-2B991DA6778C}" type="slidenum">
+              <a:rPr lang="en-US" smtClean="0"/>
+              <a:t>‹#›</a:t>
+            </a:fld>
+            <a:endParaRPr lang="en-US"/>
+          </a:p>
+        </p:txBody>
+      </p:sp>
+      <p:sp>
+        <p:nvSpPr>
+          <p:cNvPr id="9" name="Rectangle 8"/>
+          <p:cNvSpPr/>
+          <p:nvPr/>
+        </p:nvSpPr>
+        <p:spPr>
+          <a:xfrm>
+            <a:off x="3977640" y="376"/>
+            <a:ext cx="171450" cy="6858000"/>
+          </a:xfrm>
+          <a:prstGeom prst="rect">
+            <a:avLst/>
+          </a:prstGeom>
+          <a:solidFill>
+            <a:schemeClr val="tx2"/>
+          </a:solidFill>
+          <a:ln>
+            <a:noFill/>
+          </a:ln>
+        </p:spPr>
+        <p:style>
+          <a:lnRef idx="2">
+            <a:schemeClr val="accent1">
+              <a:shade val="50000"/>
+            </a:schemeClr>
+          </a:lnRef>
+          <a:fillRef idx="1">
+            <a:schemeClr val="accent1"/>
+          </a:fillRef>
+          <a:effectRef idx="0">
+            <a:schemeClr val="accent1"/>
+          </a:effectRef>
+          <a:fontRef idx="minor">
+            <a:schemeClr val="lt1"/>
+          </a:fontRef>
+        </p:style>
+      </p:sp>
+      <p:sp>
+        <p:nvSpPr>
+          <p:cNvPr id="11" name="Rectangle 10" title="Divider Bar"/>
+          <p:cNvSpPr/>
+          <p:nvPr/>
+        </p:nvSpPr>
+        <p:spPr>
+          <a:xfrm>
+            <a:off x="3977640" y="376"/>
+            <a:ext cx="171450" cy="6858000"/>
+          </a:xfrm>
+          <a:prstGeom prst="rect">
+            <a:avLst/>
+          </a:prstGeom>
+          <a:solidFill>
+            <a:schemeClr val="tx2"/>
+          </a:solidFill>
+          <a:ln>
+            <a:noFill/>
+          </a:ln>
+        </p:spPr>
+        <p:style>
+          <a:lnRef idx="2">
+            <a:schemeClr val="accent1">
+              <a:shade val="50000"/>
+            </a:schemeClr>
+          </a:lnRef>
+          <a:fillRef idx="1">
+            <a:schemeClr val="accent1"/>
+          </a:fillRef>
+          <a:effectRef idx="0">
+            <a:schemeClr val="accent1"/>
+          </a:effectRef>
+          <a:fontRef idx="minor">
+            <a:schemeClr val="lt1"/>
+          </a:fontRef>
+        </p:style>
+      </p:sp>
+    </p:spTree>
+    <p:extLst>
+      <p:ext uri="{BB962C8B-B14F-4D97-AF65-F5344CB8AC3E}">
+        <p14:creationId xmlns:p14="http://schemas.microsoft.com/office/powerpoint/2010/main" val="811193759"/>
+      </p:ext>
+    </p:extLst>
+  </p:cSld>
+  <p:clrMapOvr>
+    <a:masterClrMapping/>
+  </p:clrMapOvr>
+</p:sldLayout>
+</file>
+
+<file path=ppt/slideLayouts/slideLayout43.xml><?xml version="1.0" encoding="utf-8"?>
+<p:sldLayout xmlns:a="http://schemas.openxmlformats.org/drawingml/2006/main" xmlns:r="http://schemas.openxmlformats.org/officeDocument/2006/relationships" xmlns:p="http://schemas.openxmlformats.org/presentationml/2006/main" type="vertTx" preserve="1">
+  <p:cSld name="Title and Vertical Text">
+    <p:spTree>
+      <p:nvGrpSpPr>
+        <p:cNvPr id="1" name=""/>
+        <p:cNvGrpSpPr/>
+        <p:nvPr/>
+      </p:nvGrpSpPr>
+      <p:grpSpPr>
+        <a:xfrm>
+          <a:off x="0" y="0"/>
+          <a:ext cx="0" cy="0"/>
+          <a:chOff x="0" y="0"/>
+          <a:chExt cx="0" cy="0"/>
+        </a:xfrm>
+      </p:grpSpPr>
+      <p:sp>
+        <p:nvSpPr>
+          <p:cNvPr id="2" name="Title 1"/>
+          <p:cNvSpPr>
+            <a:spLocks noGrp="1"/>
+          </p:cNvSpPr>
+          <p:nvPr>
+            <p:ph type="title"/>
+          </p:nvPr>
+        </p:nvSpPr>
+        <p:spPr/>
+        <p:txBody>
+          <a:bodyPr/>
+          <a:lstStyle/>
+          <a:p>
+            <a:r>
+              <a:rPr lang="en-US" smtClean="0"/>
+              <a:t>Click to edit Master title style</a:t>
+            </a:r>
+            <a:endParaRPr lang="en-US" dirty="0"/>
+          </a:p>
+        </p:txBody>
+      </p:sp>
+      <p:sp>
+        <p:nvSpPr>
+          <p:cNvPr id="3" name="Vertical Text Placeholder 2"/>
+          <p:cNvSpPr>
+            <a:spLocks noGrp="1"/>
+          </p:cNvSpPr>
+          <p:nvPr>
+            <p:ph type="body" orient="vert" idx="1"/>
+          </p:nvPr>
+        </p:nvSpPr>
+        <p:spPr>
+          <a:xfrm>
+            <a:off x="1028700" y="2295526"/>
+            <a:ext cx="7200900" cy="3571875"/>
+          </a:xfrm>
+        </p:spPr>
+        <p:txBody>
+          <a:bodyPr vert="eaVert"/>
+          <a:lstStyle/>
+          <a:p>
+            <a:pPr lvl="0"/>
+            <a:r>
+              <a:rPr lang="en-US" smtClean="0"/>
+              <a:t>Click to edit Master text styles</a:t>
+            </a:r>
+          </a:p>
+          <a:p>
+            <a:pPr lvl="1"/>
+            <a:r>
+              <a:rPr lang="en-US" smtClean="0"/>
+              <a:t>Second level</a:t>
+            </a:r>
+          </a:p>
+          <a:p>
+            <a:pPr lvl="2"/>
+            <a:r>
+              <a:rPr lang="en-US" smtClean="0"/>
+              <a:t>Third level</a:t>
+            </a:r>
+          </a:p>
+          <a:p>
+            <a:pPr lvl="3"/>
+            <a:r>
+              <a:rPr lang="en-US" smtClean="0"/>
+              <a:t>Fourth level</a:t>
+            </a:r>
+          </a:p>
+          <a:p>
+            <a:pPr lvl="4"/>
+            <a:r>
+              <a:rPr lang="en-US" smtClean="0"/>
+              <a:t>Fifth level</a:t>
+            </a:r>
+            <a:endParaRPr lang="en-US" dirty="0"/>
+          </a:p>
+        </p:txBody>
+      </p:sp>
+      <p:sp>
+        <p:nvSpPr>
+          <p:cNvPr id="4" name="Date Placeholder 3"/>
+          <p:cNvSpPr>
+            <a:spLocks noGrp="1"/>
+          </p:cNvSpPr>
+          <p:nvPr>
+            <p:ph type="dt" sz="half" idx="10"/>
+          </p:nvPr>
+        </p:nvSpPr>
+        <p:spPr/>
+        <p:txBody>
+          <a:bodyPr/>
+          <a:lstStyle/>
+          <a:p>
+            <a:fld id="{908D19E8-458D-554E-83D8-8DE5666239DB}" type="datetime1">
+              <a:rPr lang="en-US" smtClean="0"/>
+              <a:t>7/26/16</a:t>
+            </a:fld>
+            <a:endParaRPr lang="en-US"/>
+          </a:p>
+        </p:txBody>
+      </p:sp>
+      <p:sp>
+        <p:nvSpPr>
+          <p:cNvPr id="5" name="Footer Placeholder 4"/>
+          <p:cNvSpPr>
+            <a:spLocks noGrp="1"/>
+          </p:cNvSpPr>
+          <p:nvPr>
+            <p:ph type="ftr" sz="quarter" idx="11"/>
+          </p:nvPr>
+        </p:nvSpPr>
+        <p:spPr/>
+        <p:txBody>
+          <a:bodyPr/>
+          <a:lstStyle/>
+          <a:p>
+            <a:r>
+              <a:rPr lang="en-US" smtClean="0"/>
+              <a:t>Copyright © EV3Lessons.com 2016 (Last edit: 7/26/2016)</a:t>
+            </a:r>
+            <a:endParaRPr lang="en-US"/>
+          </a:p>
+        </p:txBody>
+      </p:sp>
+      <p:sp>
+        <p:nvSpPr>
+          <p:cNvPr id="6" name="Slide Number Placeholder 5"/>
+          <p:cNvSpPr>
+            <a:spLocks noGrp="1"/>
+          </p:cNvSpPr>
+          <p:nvPr>
+            <p:ph type="sldNum" sz="quarter" idx="12"/>
+          </p:nvPr>
+        </p:nvSpPr>
+        <p:spPr/>
+        <p:txBody>
+          <a:bodyPr/>
+          <a:lstStyle/>
+          <a:p>
+            <a:fld id="{4DBC7FC8-25FB-FC45-8177-2B991DA6778C}" type="slidenum">
+              <a:rPr lang="en-US" smtClean="0"/>
+              <a:t>‹#›</a:t>
+            </a:fld>
+            <a:endParaRPr lang="en-US"/>
+          </a:p>
+        </p:txBody>
+      </p:sp>
+    </p:spTree>
+    <p:extLst>
+      <p:ext uri="{BB962C8B-B14F-4D97-AF65-F5344CB8AC3E}">
+        <p14:creationId xmlns:p14="http://schemas.microsoft.com/office/powerpoint/2010/main" val="1507316357"/>
+      </p:ext>
+    </p:extLst>
+  </p:cSld>
+  <p:clrMapOvr>
+    <a:masterClrMapping/>
+  </p:clrMapOvr>
+</p:sldLayout>
+</file>
+
+<file path=ppt/slideLayouts/slideLayout44.xml><?xml version="1.0" encoding="utf-8"?>
+<p:sldLayout xmlns:a="http://schemas.openxmlformats.org/drawingml/2006/main" xmlns:r="http://schemas.openxmlformats.org/officeDocument/2006/relationships" xmlns:p="http://schemas.openxmlformats.org/presentationml/2006/main" type="vertTitleAndTx" preserve="1">
+  <p:cSld name="Vertical Title and Text">
+    <p:spTree>
+      <p:nvGrpSpPr>
+        <p:cNvPr id="1" name=""/>
+        <p:cNvGrpSpPr/>
+        <p:nvPr/>
+      </p:nvGrpSpPr>
+      <p:grpSpPr>
+        <a:xfrm>
+          <a:off x="0" y="0"/>
+          <a:ext cx="0" cy="0"/>
+          <a:chOff x="0" y="0"/>
+          <a:chExt cx="0" cy="0"/>
+        </a:xfrm>
+      </p:grpSpPr>
+      <p:sp>
+        <p:nvSpPr>
+          <p:cNvPr id="2" name="Vertical Title 1"/>
+          <p:cNvSpPr>
+            <a:spLocks noGrp="1"/>
+          </p:cNvSpPr>
+          <p:nvPr>
+            <p:ph type="title" orient="vert"/>
+          </p:nvPr>
+        </p:nvSpPr>
+        <p:spPr>
+          <a:xfrm>
+            <a:off x="6880797" y="624156"/>
+            <a:ext cx="1490950" cy="5243244"/>
+          </a:xfrm>
+        </p:spPr>
+        <p:txBody>
+          <a:bodyPr vert="eaVert"/>
+          <a:lstStyle/>
+          <a:p>
+            <a:r>
+              <a:rPr lang="en-US" smtClean="0"/>
+              <a:t>Click to edit Master title style</a:t>
+            </a:r>
+            <a:endParaRPr lang="en-US" dirty="0"/>
+          </a:p>
+        </p:txBody>
+      </p:sp>
+      <p:sp>
+        <p:nvSpPr>
+          <p:cNvPr id="3" name="Vertical Text Placeholder 2"/>
+          <p:cNvSpPr>
+            <a:spLocks noGrp="1"/>
+          </p:cNvSpPr>
+          <p:nvPr>
+            <p:ph type="body" orient="vert" idx="1"/>
+          </p:nvPr>
+        </p:nvSpPr>
+        <p:spPr>
+          <a:xfrm>
+            <a:off x="1028700" y="624156"/>
+            <a:ext cx="5724525" cy="5243244"/>
+          </a:xfrm>
+        </p:spPr>
+        <p:txBody>
+          <a:bodyPr vert="eaVert"/>
+          <a:lstStyle/>
+          <a:p>
+            <a:pPr lvl="0"/>
+            <a:r>
+              <a:rPr lang="en-US" smtClean="0"/>
+              <a:t>Click to edit Master text styles</a:t>
+            </a:r>
+          </a:p>
+          <a:p>
+            <a:pPr lvl="1"/>
+            <a:r>
+              <a:rPr lang="en-US" smtClean="0"/>
+              <a:t>Second level</a:t>
+            </a:r>
+          </a:p>
+          <a:p>
+            <a:pPr lvl="2"/>
+            <a:r>
+              <a:rPr lang="en-US" smtClean="0"/>
+              <a:t>Third level</a:t>
+            </a:r>
+          </a:p>
+          <a:p>
+            <a:pPr lvl="3"/>
+            <a:r>
+              <a:rPr lang="en-US" smtClean="0"/>
+              <a:t>Fourth level</a:t>
+            </a:r>
+          </a:p>
+          <a:p>
+            <a:pPr lvl="4"/>
+            <a:r>
+              <a:rPr lang="en-US" smtClean="0"/>
+              <a:t>Fifth level</a:t>
+            </a:r>
+            <a:endParaRPr lang="en-US" dirty="0"/>
+          </a:p>
+        </p:txBody>
+      </p:sp>
+      <p:sp>
+        <p:nvSpPr>
+          <p:cNvPr id="4" name="Date Placeholder 3"/>
+          <p:cNvSpPr>
+            <a:spLocks noGrp="1"/>
+          </p:cNvSpPr>
+          <p:nvPr>
+            <p:ph type="dt" sz="half" idx="10"/>
+          </p:nvPr>
+        </p:nvSpPr>
+        <p:spPr/>
+        <p:txBody>
+          <a:bodyPr/>
+          <a:lstStyle/>
+          <a:p>
+            <a:fld id="{9D3C818A-3F2F-ED4E-B6CA-61B85C36392A}" type="datetime1">
+              <a:rPr lang="en-US" smtClean="0"/>
+              <a:t>7/26/16</a:t>
+            </a:fld>
+            <a:endParaRPr lang="en-US"/>
+          </a:p>
+        </p:txBody>
+      </p:sp>
+      <p:sp>
+        <p:nvSpPr>
+          <p:cNvPr id="5" name="Footer Placeholder 4"/>
+          <p:cNvSpPr>
+            <a:spLocks noGrp="1"/>
+          </p:cNvSpPr>
+          <p:nvPr>
+            <p:ph type="ftr" sz="quarter" idx="11"/>
+          </p:nvPr>
+        </p:nvSpPr>
+        <p:spPr/>
+        <p:txBody>
+          <a:bodyPr/>
+          <a:lstStyle/>
+          <a:p>
+            <a:r>
+              <a:rPr lang="en-US" smtClean="0"/>
+              <a:t>Copyright © EV3Lessons.com 2016 (Last edit: 7/26/2016)</a:t>
+            </a:r>
+            <a:endParaRPr lang="en-US"/>
+          </a:p>
+        </p:txBody>
+      </p:sp>
+      <p:sp>
+        <p:nvSpPr>
+          <p:cNvPr id="6" name="Slide Number Placeholder 5"/>
+          <p:cNvSpPr>
+            <a:spLocks noGrp="1"/>
+          </p:cNvSpPr>
+          <p:nvPr>
+            <p:ph type="sldNum" sz="quarter" idx="12"/>
+          </p:nvPr>
+        </p:nvSpPr>
+        <p:spPr/>
+        <p:txBody>
+          <a:bodyPr/>
+          <a:lstStyle/>
+          <a:p>
+            <a:fld id="{4DBC7FC8-25FB-FC45-8177-2B991DA6778C}" type="slidenum">
+              <a:rPr lang="en-US" smtClean="0"/>
+              <a:t>‹#›</a:t>
+            </a:fld>
+            <a:endParaRPr lang="en-US"/>
+          </a:p>
+        </p:txBody>
+      </p:sp>
+    </p:spTree>
+    <p:extLst>
+      <p:ext uri="{BB962C8B-B14F-4D97-AF65-F5344CB8AC3E}">
+        <p14:creationId xmlns:p14="http://schemas.microsoft.com/office/powerpoint/2010/main" val="1748912087"/>
+      </p:ext>
+    </p:extLst>
+  </p:cSld>
+  <p:clrMapOvr>
+    <a:masterClrMapping/>
+  </p:clrMapOvr>
 </p:sldLayout>
 </file>
 
@@ -5393,7 +11235,7 @@
           <a:p>
             <a:fld id="{E3EC1F0C-1782-5F47-BF85-11C088307CCE}" type="datetime1">
               <a:rPr lang="en-US" smtClean="0"/>
-              <a:t>7/19/16</a:t>
+              <a:t>7/26/16</a:t>
             </a:fld>
             <a:endParaRPr lang="en-US"/>
           </a:p>
@@ -5530,7 +11372,7 @@
           <a:p>
             <a:fld id="{BD7B37F7-1EB0-5044-95FC-9842E2636BD0}" type="datetime1">
               <a:rPr lang="en-US" smtClean="0"/>
-              <a:t>7/19/16</a:t>
+              <a:t>7/26/16</a:t>
             </a:fld>
             <a:endParaRPr lang="en-US"/>
           </a:p>
@@ -5644,7 +11486,7 @@
           <a:p>
             <a:fld id="{15137DE7-B9EE-4D40-A0EF-808DD4E7182D}" type="datetime1">
               <a:rPr lang="en-US" smtClean="0"/>
-              <a:t>7/19/16</a:t>
+              <a:t>7/26/16</a:t>
             </a:fld>
             <a:endParaRPr lang="en-US"/>
           </a:p>
@@ -5903,7 +11745,7 @@
           <a:p>
             <a:fld id="{CB2395F5-5978-9540-BD24-F2F9C0B9FCBE}" type="datetime1">
               <a:rPr lang="en-US" smtClean="0"/>
-              <a:t>7/19/16</a:t>
+              <a:t>7/26/16</a:t>
             </a:fld>
             <a:endParaRPr lang="en-US"/>
           </a:p>
@@ -6214,7 +12056,7 @@
           <a:p>
             <a:fld id="{7353B662-E131-CF46-AFCD-B12B87E9F76A}" type="datetime1">
               <a:rPr lang="en-US" smtClean="0"/>
-              <a:t>7/19/16</a:t>
+              <a:t>7/26/16</a:t>
             </a:fld>
             <a:endParaRPr lang="en-US"/>
           </a:p>
@@ -6525,7 +12367,7 @@
           <a:p>
             <a:fld id="{4C388A24-F5D9-8F4C-8800-3F9D2728CE6D}" type="datetime1">
               <a:rPr lang="en-US" smtClean="0"/>
-              <a:t>7/19/16</a:t>
+              <a:t>7/26/16</a:t>
             </a:fld>
             <a:endParaRPr lang="en-US"/>
           </a:p>
@@ -7311,7 +13153,7 @@
           <a:p>
             <a:fld id="{F4F77908-5A09-BB4F-859F-0387F355CD29}" type="datetime1">
               <a:rPr lang="en-US" smtClean="0"/>
-              <a:t>7/19/16</a:t>
+              <a:t>7/26/16</a:t>
             </a:fld>
             <a:endParaRPr lang="en-US"/>
           </a:p>
@@ -7704,6 +13546,1358 @@
 </p:sldMaster>
 </file>
 
+<file path=ppt/slideMasters/slideMaster3.xml><?xml version="1.0" encoding="utf-8"?>
+<p:sldMaster xmlns:a="http://schemas.openxmlformats.org/drawingml/2006/main" xmlns:r="http://schemas.openxmlformats.org/officeDocument/2006/relationships" xmlns:p="http://schemas.openxmlformats.org/presentationml/2006/main" preserve="1">
+  <p:cSld>
+    <p:bg>
+      <p:bgRef idx="1001">
+        <a:schemeClr val="bg1"/>
+      </p:bgRef>
+    </p:bg>
+    <p:spTree>
+      <p:nvGrpSpPr>
+        <p:cNvPr id="1" name=""/>
+        <p:cNvGrpSpPr/>
+        <p:nvPr/>
+      </p:nvGrpSpPr>
+      <p:grpSpPr>
+        <a:xfrm>
+          <a:off x="0" y="0"/>
+          <a:ext cx="0" cy="0"/>
+          <a:chOff x="0" y="0"/>
+          <a:chExt cx="0" cy="0"/>
+        </a:xfrm>
+      </p:grpSpPr>
+      <p:sp>
+        <p:nvSpPr>
+          <p:cNvPr id="2" name="Title Placeholder 1"/>
+          <p:cNvSpPr>
+            <a:spLocks noGrp="1"/>
+          </p:cNvSpPr>
+          <p:nvPr>
+            <p:ph type="title"/>
+          </p:nvPr>
+        </p:nvSpPr>
+        <p:spPr>
+          <a:xfrm>
+            <a:off x="628650" y="365125"/>
+            <a:ext cx="7886700" cy="1325563"/>
+          </a:xfrm>
+          <a:prstGeom prst="rect">
+            <a:avLst/>
+          </a:prstGeom>
+        </p:spPr>
+        <p:txBody>
+          <a:bodyPr vert="horz" lIns="91440" tIns="45720" rIns="91440" bIns="45720" rtlCol="0" anchor="ctr">
+            <a:normAutofit/>
+          </a:bodyPr>
+          <a:lstStyle/>
+          <a:p>
+            <a:r>
+              <a:rPr lang="en-US" smtClean="0"/>
+              <a:t>Click to edit Master title style</a:t>
+            </a:r>
+            <a:endParaRPr lang="en-US"/>
+          </a:p>
+        </p:txBody>
+      </p:sp>
+      <p:sp>
+        <p:nvSpPr>
+          <p:cNvPr id="3" name="Text Placeholder 2"/>
+          <p:cNvSpPr>
+            <a:spLocks noGrp="1"/>
+          </p:cNvSpPr>
+          <p:nvPr>
+            <p:ph type="body" idx="1"/>
+          </p:nvPr>
+        </p:nvSpPr>
+        <p:spPr>
+          <a:xfrm>
+            <a:off x="628650" y="1825625"/>
+            <a:ext cx="7886700" cy="4351338"/>
+          </a:xfrm>
+          <a:prstGeom prst="rect">
+            <a:avLst/>
+          </a:prstGeom>
+        </p:spPr>
+        <p:txBody>
+          <a:bodyPr vert="horz" lIns="91440" tIns="45720" rIns="91440" bIns="45720" rtlCol="0">
+            <a:normAutofit/>
+          </a:bodyPr>
+          <a:lstStyle/>
+          <a:p>
+            <a:pPr lvl="0"/>
+            <a:r>
+              <a:rPr lang="en-US" smtClean="0"/>
+              <a:t>Click to edit Master text styles</a:t>
+            </a:r>
+          </a:p>
+          <a:p>
+            <a:pPr lvl="1"/>
+            <a:r>
+              <a:rPr lang="en-US" smtClean="0"/>
+              <a:t>Second level</a:t>
+            </a:r>
+          </a:p>
+          <a:p>
+            <a:pPr lvl="2"/>
+            <a:r>
+              <a:rPr lang="en-US" smtClean="0"/>
+              <a:t>Third level</a:t>
+            </a:r>
+          </a:p>
+          <a:p>
+            <a:pPr lvl="3"/>
+            <a:r>
+              <a:rPr lang="en-US" smtClean="0"/>
+              <a:t>Fourth level</a:t>
+            </a:r>
+          </a:p>
+          <a:p>
+            <a:pPr lvl="4"/>
+            <a:r>
+              <a:rPr lang="en-US" smtClean="0"/>
+              <a:t>Fifth level</a:t>
+            </a:r>
+            <a:endParaRPr lang="en-US"/>
+          </a:p>
+        </p:txBody>
+      </p:sp>
+      <p:sp>
+        <p:nvSpPr>
+          <p:cNvPr id="4" name="Date Placeholder 3"/>
+          <p:cNvSpPr>
+            <a:spLocks noGrp="1"/>
+          </p:cNvSpPr>
+          <p:nvPr>
+            <p:ph type="dt" sz="half" idx="2"/>
+          </p:nvPr>
+        </p:nvSpPr>
+        <p:spPr>
+          <a:xfrm>
+            <a:off x="628650" y="6356350"/>
+            <a:ext cx="2057400" cy="365125"/>
+          </a:xfrm>
+          <a:prstGeom prst="rect">
+            <a:avLst/>
+          </a:prstGeom>
+        </p:spPr>
+        <p:txBody>
+          <a:bodyPr vert="horz" lIns="91440" tIns="45720" rIns="91440" bIns="45720" rtlCol="0" anchor="ctr"/>
+          <a:lstStyle>
+            <a:lvl1pPr algn="l">
+              <a:defRPr sz="1200">
+                <a:solidFill>
+                  <a:schemeClr val="tx1">
+                    <a:tint val="75000"/>
+                  </a:schemeClr>
+                </a:solidFill>
+              </a:defRPr>
+            </a:lvl1pPr>
+          </a:lstStyle>
+          <a:p>
+            <a:fld id="{4C388A24-F5D9-8F4C-8800-3F9D2728CE6D}" type="datetime1">
+              <a:rPr lang="en-US" smtClean="0"/>
+              <a:t>7/26/16</a:t>
+            </a:fld>
+            <a:endParaRPr lang="en-US"/>
+          </a:p>
+        </p:txBody>
+      </p:sp>
+      <p:sp>
+        <p:nvSpPr>
+          <p:cNvPr id="5" name="Footer Placeholder 4"/>
+          <p:cNvSpPr>
+            <a:spLocks noGrp="1"/>
+          </p:cNvSpPr>
+          <p:nvPr>
+            <p:ph type="ftr" sz="quarter" idx="3"/>
+          </p:nvPr>
+        </p:nvSpPr>
+        <p:spPr>
+          <a:xfrm>
+            <a:off x="3028950" y="6356350"/>
+            <a:ext cx="3086100" cy="365125"/>
+          </a:xfrm>
+          <a:prstGeom prst="rect">
+            <a:avLst/>
+          </a:prstGeom>
+        </p:spPr>
+        <p:txBody>
+          <a:bodyPr vert="horz" lIns="91440" tIns="45720" rIns="91440" bIns="45720" rtlCol="0" anchor="ctr"/>
+          <a:lstStyle>
+            <a:lvl1pPr algn="ctr">
+              <a:defRPr sz="1200">
+                <a:solidFill>
+                  <a:schemeClr val="tx1">
+                    <a:tint val="75000"/>
+                  </a:schemeClr>
+                </a:solidFill>
+              </a:defRPr>
+            </a:lvl1pPr>
+          </a:lstStyle>
+          <a:p>
+            <a:r>
+              <a:rPr lang="en-US" smtClean="0"/>
+              <a:t>© EV3Lessons.com, 2016, (Last edit: 7/04/2016)</a:t>
+            </a:r>
+            <a:endParaRPr lang="en-US"/>
+          </a:p>
+        </p:txBody>
+      </p:sp>
+      <p:sp>
+        <p:nvSpPr>
+          <p:cNvPr id="6" name="Slide Number Placeholder 5"/>
+          <p:cNvSpPr>
+            <a:spLocks noGrp="1"/>
+          </p:cNvSpPr>
+          <p:nvPr>
+            <p:ph type="sldNum" sz="quarter" idx="4"/>
+          </p:nvPr>
+        </p:nvSpPr>
+        <p:spPr>
+          <a:xfrm>
+            <a:off x="6457950" y="6356350"/>
+            <a:ext cx="2057400" cy="365125"/>
+          </a:xfrm>
+          <a:prstGeom prst="rect">
+            <a:avLst/>
+          </a:prstGeom>
+        </p:spPr>
+        <p:txBody>
+          <a:bodyPr vert="horz" lIns="91440" tIns="45720" rIns="91440" bIns="45720" rtlCol="0" anchor="ctr"/>
+          <a:lstStyle>
+            <a:lvl1pPr algn="r">
+              <a:defRPr sz="1200">
+                <a:solidFill>
+                  <a:schemeClr val="tx1">
+                    <a:tint val="75000"/>
+                  </a:schemeClr>
+                </a:solidFill>
+              </a:defRPr>
+            </a:lvl1pPr>
+          </a:lstStyle>
+          <a:p>
+            <a:fld id="{4DBC7FC8-25FB-FC45-8177-2B991DA6778C}" type="slidenum">
+              <a:rPr lang="en-US" smtClean="0"/>
+              <a:t>‹#›</a:t>
+            </a:fld>
+            <a:endParaRPr lang="en-US"/>
+          </a:p>
+        </p:txBody>
+      </p:sp>
+      <p:sp>
+        <p:nvSpPr>
+          <p:cNvPr id="7" name="Rectangle 6"/>
+          <p:cNvSpPr/>
+          <p:nvPr userDrawn="1"/>
+        </p:nvSpPr>
+        <p:spPr>
+          <a:xfrm>
+            <a:off x="9004705" y="2895600"/>
+            <a:ext cx="147895" cy="3962400"/>
+          </a:xfrm>
+          <a:prstGeom prst="rect">
+            <a:avLst/>
+          </a:prstGeom>
+          <a:solidFill>
+            <a:srgbClr val="92D050"/>
+          </a:solidFill>
+          <a:ln>
+            <a:noFill/>
+          </a:ln>
+        </p:spPr>
+        <p:style>
+          <a:lnRef idx="2">
+            <a:schemeClr val="accent1">
+              <a:shade val="50000"/>
+            </a:schemeClr>
+          </a:lnRef>
+          <a:fillRef idx="1">
+            <a:schemeClr val="accent1"/>
+          </a:fillRef>
+          <a:effectRef idx="0">
+            <a:schemeClr val="accent1"/>
+          </a:effectRef>
+          <a:fontRef idx="minor">
+            <a:schemeClr val="lt1"/>
+          </a:fontRef>
+        </p:style>
+        <p:txBody>
+          <a:bodyPr/>
+          <a:lstStyle/>
+          <a:p>
+            <a:endParaRPr lang="en-US"/>
+          </a:p>
+        </p:txBody>
+      </p:sp>
+      <p:sp>
+        <p:nvSpPr>
+          <p:cNvPr id="8" name="Rectangle 7"/>
+          <p:cNvSpPr/>
+          <p:nvPr userDrawn="1"/>
+        </p:nvSpPr>
+        <p:spPr>
+          <a:xfrm>
+            <a:off x="8967641" y="0"/>
+            <a:ext cx="184958" cy="2895600"/>
+          </a:xfrm>
+          <a:prstGeom prst="rect">
+            <a:avLst/>
+          </a:prstGeom>
+          <a:solidFill>
+            <a:srgbClr val="7030A0"/>
+          </a:solidFill>
+          <a:ln>
+            <a:noFill/>
+          </a:ln>
+        </p:spPr>
+        <p:style>
+          <a:lnRef idx="2">
+            <a:schemeClr val="accent1">
+              <a:shade val="50000"/>
+            </a:schemeClr>
+          </a:lnRef>
+          <a:fillRef idx="1">
+            <a:schemeClr val="accent1"/>
+          </a:fillRef>
+          <a:effectRef idx="0">
+            <a:schemeClr val="accent1"/>
+          </a:effectRef>
+          <a:fontRef idx="minor">
+            <a:schemeClr val="lt1"/>
+          </a:fontRef>
+        </p:style>
+        <p:txBody>
+          <a:bodyPr/>
+          <a:lstStyle/>
+          <a:p>
+            <a:endParaRPr lang="en-US"/>
+          </a:p>
+        </p:txBody>
+      </p:sp>
+      <p:sp>
+        <p:nvSpPr>
+          <p:cNvPr id="9" name="Rectangle 8"/>
+          <p:cNvSpPr/>
+          <p:nvPr userDrawn="1"/>
+        </p:nvSpPr>
+        <p:spPr>
+          <a:xfrm>
+            <a:off x="8931737" y="0"/>
+            <a:ext cx="91440" cy="6858000"/>
+          </a:xfrm>
+          <a:prstGeom prst="rect">
+            <a:avLst/>
+          </a:prstGeom>
+          <a:solidFill>
+            <a:srgbClr val="0070C0"/>
+          </a:solidFill>
+          <a:ln>
+            <a:noFill/>
+          </a:ln>
+        </p:spPr>
+        <p:style>
+          <a:lnRef idx="2">
+            <a:schemeClr val="accent1">
+              <a:shade val="50000"/>
+            </a:schemeClr>
+          </a:lnRef>
+          <a:fillRef idx="1">
+            <a:schemeClr val="accent1"/>
+          </a:fillRef>
+          <a:effectRef idx="0">
+            <a:schemeClr val="accent1"/>
+          </a:effectRef>
+          <a:fontRef idx="minor">
+            <a:schemeClr val="lt1"/>
+          </a:fontRef>
+        </p:style>
+        <p:txBody>
+          <a:bodyPr/>
+          <a:lstStyle/>
+          <a:p>
+            <a:endParaRPr lang="en-US"/>
+          </a:p>
+        </p:txBody>
+      </p:sp>
+    </p:spTree>
+    <p:extLst>
+      <p:ext uri="{BB962C8B-B14F-4D97-AF65-F5344CB8AC3E}">
+        <p14:creationId xmlns:p14="http://schemas.microsoft.com/office/powerpoint/2010/main" val="840649837"/>
+      </p:ext>
+    </p:extLst>
+  </p:cSld>
+  <p:clrMap bg1="lt1" tx1="dk1" bg2="lt2" tx2="dk2" accent1="accent1" accent2="accent2" accent3="accent3" accent4="accent4" accent5="accent5" accent6="accent6" hlink="hlink" folHlink="folHlink"/>
+  <p:sldLayoutIdLst>
+    <p:sldLayoutId id="2147483751" r:id="rId1"/>
+    <p:sldLayoutId id="2147483752" r:id="rId2"/>
+    <p:sldLayoutId id="2147483753" r:id="rId3"/>
+    <p:sldLayoutId id="2147483754" r:id="rId4"/>
+    <p:sldLayoutId id="2147483755" r:id="rId5"/>
+    <p:sldLayoutId id="2147483756" r:id="rId6"/>
+    <p:sldLayoutId id="2147483757" r:id="rId7"/>
+    <p:sldLayoutId id="2147483758" r:id="rId8"/>
+    <p:sldLayoutId id="2147483759" r:id="rId9"/>
+    <p:sldLayoutId id="2147483760" r:id="rId10"/>
+    <p:sldLayoutId id="2147483761" r:id="rId11"/>
+  </p:sldLayoutIdLst>
+  <p:hf hdr="0" dt="0"/>
+  <p:txStyles>
+    <p:titleStyle>
+      <a:lvl1pPr algn="l" defTabSz="914400" rtl="0" eaLnBrk="1" latinLnBrk="0" hangingPunct="1">
+        <a:lnSpc>
+          <a:spcPct val="90000"/>
+        </a:lnSpc>
+        <a:spcBef>
+          <a:spcPct val="0"/>
+        </a:spcBef>
+        <a:buNone/>
+        <a:defRPr sz="4400" kern="1200">
+          <a:solidFill>
+            <a:schemeClr val="tx1"/>
+          </a:solidFill>
+          <a:latin typeface="+mj-lt"/>
+          <a:ea typeface="+mj-ea"/>
+          <a:cs typeface="+mj-cs"/>
+        </a:defRPr>
+      </a:lvl1pPr>
+    </p:titleStyle>
+    <p:bodyStyle>
+      <a:lvl1pPr marL="228600" indent="-228600" algn="l" defTabSz="914400" rtl="0" eaLnBrk="1" latinLnBrk="0" hangingPunct="1">
+        <a:lnSpc>
+          <a:spcPct val="90000"/>
+        </a:lnSpc>
+        <a:spcBef>
+          <a:spcPts val="1000"/>
+        </a:spcBef>
+        <a:buFont typeface="Arial" panose="020B0604020202020204" pitchFamily="34" charset="0"/>
+        <a:buChar char="•"/>
+        <a:defRPr sz="2800" kern="1200">
+          <a:solidFill>
+            <a:schemeClr val="tx1"/>
+          </a:solidFill>
+          <a:latin typeface="+mn-lt"/>
+          <a:ea typeface="+mn-ea"/>
+          <a:cs typeface="+mn-cs"/>
+        </a:defRPr>
+      </a:lvl1pPr>
+      <a:lvl2pPr marL="685800" indent="-228600" algn="l" defTabSz="914400" rtl="0" eaLnBrk="1" latinLnBrk="0" hangingPunct="1">
+        <a:lnSpc>
+          <a:spcPct val="90000"/>
+        </a:lnSpc>
+        <a:spcBef>
+          <a:spcPts val="500"/>
+        </a:spcBef>
+        <a:buFont typeface="Arial" panose="020B0604020202020204" pitchFamily="34" charset="0"/>
+        <a:buChar char="•"/>
+        <a:defRPr sz="2400" kern="1200">
+          <a:solidFill>
+            <a:schemeClr val="tx1"/>
+          </a:solidFill>
+          <a:latin typeface="+mn-lt"/>
+          <a:ea typeface="+mn-ea"/>
+          <a:cs typeface="+mn-cs"/>
+        </a:defRPr>
+      </a:lvl2pPr>
+      <a:lvl3pPr marL="1143000" indent="-228600" algn="l" defTabSz="914400" rtl="0" eaLnBrk="1" latinLnBrk="0" hangingPunct="1">
+        <a:lnSpc>
+          <a:spcPct val="90000"/>
+        </a:lnSpc>
+        <a:spcBef>
+          <a:spcPts val="500"/>
+        </a:spcBef>
+        <a:buFont typeface="Arial" panose="020B0604020202020204" pitchFamily="34" charset="0"/>
+        <a:buChar char="•"/>
+        <a:defRPr sz="2000" kern="1200">
+          <a:solidFill>
+            <a:schemeClr val="tx1"/>
+          </a:solidFill>
+          <a:latin typeface="+mn-lt"/>
+          <a:ea typeface="+mn-ea"/>
+          <a:cs typeface="+mn-cs"/>
+        </a:defRPr>
+      </a:lvl3pPr>
+      <a:lvl4pPr marL="1600200" indent="-228600" algn="l" defTabSz="914400" rtl="0" eaLnBrk="1" latinLnBrk="0" hangingPunct="1">
+        <a:lnSpc>
+          <a:spcPct val="90000"/>
+        </a:lnSpc>
+        <a:spcBef>
+          <a:spcPts val="500"/>
+        </a:spcBef>
+        <a:buFont typeface="Arial" panose="020B0604020202020204" pitchFamily="34" charset="0"/>
+        <a:buChar char="•"/>
+        <a:defRPr sz="1800" kern="1200">
+          <a:solidFill>
+            <a:schemeClr val="tx1"/>
+          </a:solidFill>
+          <a:latin typeface="+mn-lt"/>
+          <a:ea typeface="+mn-ea"/>
+          <a:cs typeface="+mn-cs"/>
+        </a:defRPr>
+      </a:lvl4pPr>
+      <a:lvl5pPr marL="2057400" indent="-228600" algn="l" defTabSz="914400" rtl="0" eaLnBrk="1" latinLnBrk="0" hangingPunct="1">
+        <a:lnSpc>
+          <a:spcPct val="90000"/>
+        </a:lnSpc>
+        <a:spcBef>
+          <a:spcPts val="500"/>
+        </a:spcBef>
+        <a:buFont typeface="Arial" panose="020B0604020202020204" pitchFamily="34" charset="0"/>
+        <a:buChar char="•"/>
+        <a:defRPr sz="1800" kern="1200">
+          <a:solidFill>
+            <a:schemeClr val="tx1"/>
+          </a:solidFill>
+          <a:latin typeface="+mn-lt"/>
+          <a:ea typeface="+mn-ea"/>
+          <a:cs typeface="+mn-cs"/>
+        </a:defRPr>
+      </a:lvl5pPr>
+      <a:lvl6pPr marL="2514600" indent="-228600" algn="l" defTabSz="914400" rtl="0" eaLnBrk="1" latinLnBrk="0" hangingPunct="1">
+        <a:lnSpc>
+          <a:spcPct val="90000"/>
+        </a:lnSpc>
+        <a:spcBef>
+          <a:spcPts val="500"/>
+        </a:spcBef>
+        <a:buFont typeface="Arial" panose="020B0604020202020204" pitchFamily="34" charset="0"/>
+        <a:buChar char="•"/>
+        <a:defRPr sz="1800" kern="1200">
+          <a:solidFill>
+            <a:schemeClr val="tx1"/>
+          </a:solidFill>
+          <a:latin typeface="+mn-lt"/>
+          <a:ea typeface="+mn-ea"/>
+          <a:cs typeface="+mn-cs"/>
+        </a:defRPr>
+      </a:lvl6pPr>
+      <a:lvl7pPr marL="2971800" indent="-228600" algn="l" defTabSz="914400" rtl="0" eaLnBrk="1" latinLnBrk="0" hangingPunct="1">
+        <a:lnSpc>
+          <a:spcPct val="90000"/>
+        </a:lnSpc>
+        <a:spcBef>
+          <a:spcPts val="500"/>
+        </a:spcBef>
+        <a:buFont typeface="Arial" panose="020B0604020202020204" pitchFamily="34" charset="0"/>
+        <a:buChar char="•"/>
+        <a:defRPr sz="1800" kern="1200">
+          <a:solidFill>
+            <a:schemeClr val="tx1"/>
+          </a:solidFill>
+          <a:latin typeface="+mn-lt"/>
+          <a:ea typeface="+mn-ea"/>
+          <a:cs typeface="+mn-cs"/>
+        </a:defRPr>
+      </a:lvl7pPr>
+      <a:lvl8pPr marL="3429000" indent="-228600" algn="l" defTabSz="914400" rtl="0" eaLnBrk="1" latinLnBrk="0" hangingPunct="1">
+        <a:lnSpc>
+          <a:spcPct val="90000"/>
+        </a:lnSpc>
+        <a:spcBef>
+          <a:spcPts val="500"/>
+        </a:spcBef>
+        <a:buFont typeface="Arial" panose="020B0604020202020204" pitchFamily="34" charset="0"/>
+        <a:buChar char="•"/>
+        <a:defRPr sz="1800" kern="1200">
+          <a:solidFill>
+            <a:schemeClr val="tx1"/>
+          </a:solidFill>
+          <a:latin typeface="+mn-lt"/>
+          <a:ea typeface="+mn-ea"/>
+          <a:cs typeface="+mn-cs"/>
+        </a:defRPr>
+      </a:lvl8pPr>
+      <a:lvl9pPr marL="3886200" indent="-228600" algn="l" defTabSz="914400" rtl="0" eaLnBrk="1" latinLnBrk="0" hangingPunct="1">
+        <a:lnSpc>
+          <a:spcPct val="90000"/>
+        </a:lnSpc>
+        <a:spcBef>
+          <a:spcPts val="500"/>
+        </a:spcBef>
+        <a:buFont typeface="Arial" panose="020B0604020202020204" pitchFamily="34" charset="0"/>
+        <a:buChar char="•"/>
+        <a:defRPr sz="1800" kern="1200">
+          <a:solidFill>
+            <a:schemeClr val="tx1"/>
+          </a:solidFill>
+          <a:latin typeface="+mn-lt"/>
+          <a:ea typeface="+mn-ea"/>
+          <a:cs typeface="+mn-cs"/>
+        </a:defRPr>
+      </a:lvl9pPr>
+    </p:bodyStyle>
+    <p:otherStyle>
+      <a:defPPr>
+        <a:defRPr lang="en-US"/>
+      </a:defPPr>
+      <a:lvl1pPr marL="0" algn="l" defTabSz="914400" rtl="0" eaLnBrk="1" latinLnBrk="0" hangingPunct="1">
+        <a:defRPr sz="1800" kern="1200">
+          <a:solidFill>
+            <a:schemeClr val="tx1"/>
+          </a:solidFill>
+          <a:latin typeface="+mn-lt"/>
+          <a:ea typeface="+mn-ea"/>
+          <a:cs typeface="+mn-cs"/>
+        </a:defRPr>
+      </a:lvl1pPr>
+      <a:lvl2pPr marL="457200" algn="l" defTabSz="914400" rtl="0" eaLnBrk="1" latinLnBrk="0" hangingPunct="1">
+        <a:defRPr sz="1800" kern="1200">
+          <a:solidFill>
+            <a:schemeClr val="tx1"/>
+          </a:solidFill>
+          <a:latin typeface="+mn-lt"/>
+          <a:ea typeface="+mn-ea"/>
+          <a:cs typeface="+mn-cs"/>
+        </a:defRPr>
+      </a:lvl2pPr>
+      <a:lvl3pPr marL="914400" algn="l" defTabSz="914400" rtl="0" eaLnBrk="1" latinLnBrk="0" hangingPunct="1">
+        <a:defRPr sz="1800" kern="1200">
+          <a:solidFill>
+            <a:schemeClr val="tx1"/>
+          </a:solidFill>
+          <a:latin typeface="+mn-lt"/>
+          <a:ea typeface="+mn-ea"/>
+          <a:cs typeface="+mn-cs"/>
+        </a:defRPr>
+      </a:lvl3pPr>
+      <a:lvl4pPr marL="1371600" algn="l" defTabSz="914400" rtl="0" eaLnBrk="1" latinLnBrk="0" hangingPunct="1">
+        <a:defRPr sz="1800" kern="1200">
+          <a:solidFill>
+            <a:schemeClr val="tx1"/>
+          </a:solidFill>
+          <a:latin typeface="+mn-lt"/>
+          <a:ea typeface="+mn-ea"/>
+          <a:cs typeface="+mn-cs"/>
+        </a:defRPr>
+      </a:lvl4pPr>
+      <a:lvl5pPr marL="1828800" algn="l" defTabSz="914400" rtl="0" eaLnBrk="1" latinLnBrk="0" hangingPunct="1">
+        <a:defRPr sz="1800" kern="1200">
+          <a:solidFill>
+            <a:schemeClr val="tx1"/>
+          </a:solidFill>
+          <a:latin typeface="+mn-lt"/>
+          <a:ea typeface="+mn-ea"/>
+          <a:cs typeface="+mn-cs"/>
+        </a:defRPr>
+      </a:lvl5pPr>
+      <a:lvl6pPr marL="2286000" algn="l" defTabSz="914400" rtl="0" eaLnBrk="1" latinLnBrk="0" hangingPunct="1">
+        <a:defRPr sz="1800" kern="1200">
+          <a:solidFill>
+            <a:schemeClr val="tx1"/>
+          </a:solidFill>
+          <a:latin typeface="+mn-lt"/>
+          <a:ea typeface="+mn-ea"/>
+          <a:cs typeface="+mn-cs"/>
+        </a:defRPr>
+      </a:lvl6pPr>
+      <a:lvl7pPr marL="2743200" algn="l" defTabSz="914400" rtl="0" eaLnBrk="1" latinLnBrk="0" hangingPunct="1">
+        <a:defRPr sz="1800" kern="1200">
+          <a:solidFill>
+            <a:schemeClr val="tx1"/>
+          </a:solidFill>
+          <a:latin typeface="+mn-lt"/>
+          <a:ea typeface="+mn-ea"/>
+          <a:cs typeface="+mn-cs"/>
+        </a:defRPr>
+      </a:lvl7pPr>
+      <a:lvl8pPr marL="3200400" algn="l" defTabSz="914400" rtl="0" eaLnBrk="1" latinLnBrk="0" hangingPunct="1">
+        <a:defRPr sz="1800" kern="1200">
+          <a:solidFill>
+            <a:schemeClr val="tx1"/>
+          </a:solidFill>
+          <a:latin typeface="+mn-lt"/>
+          <a:ea typeface="+mn-ea"/>
+          <a:cs typeface="+mn-cs"/>
+        </a:defRPr>
+      </a:lvl8pPr>
+      <a:lvl9pPr marL="3657600" algn="l" defTabSz="914400" rtl="0" eaLnBrk="1" latinLnBrk="0" hangingPunct="1">
+        <a:defRPr sz="1800" kern="1200">
+          <a:solidFill>
+            <a:schemeClr val="tx1"/>
+          </a:solidFill>
+          <a:latin typeface="+mn-lt"/>
+          <a:ea typeface="+mn-ea"/>
+          <a:cs typeface="+mn-cs"/>
+        </a:defRPr>
+      </a:lvl9pPr>
+    </p:otherStyle>
+  </p:txStyles>
+</p:sldMaster>
+</file>
+
+<file path=ppt/slideMasters/slideMaster4.xml><?xml version="1.0" encoding="utf-8"?>
+<p:sldMaster xmlns:a="http://schemas.openxmlformats.org/drawingml/2006/main" xmlns:r="http://schemas.openxmlformats.org/officeDocument/2006/relationships" xmlns:p="http://schemas.openxmlformats.org/presentationml/2006/main" preserve="1">
+  <p:cSld>
+    <p:bg>
+      <p:bgPr>
+        <a:solidFill>
+          <a:schemeClr val="bg1"/>
+        </a:solidFill>
+        <a:effectLst/>
+      </p:bgPr>
+    </p:bg>
+    <p:spTree>
+      <p:nvGrpSpPr>
+        <p:cNvPr id="1" name=""/>
+        <p:cNvGrpSpPr/>
+        <p:nvPr/>
+      </p:nvGrpSpPr>
+      <p:grpSpPr>
+        <a:xfrm>
+          <a:off x="0" y="0"/>
+          <a:ext cx="0" cy="0"/>
+          <a:chOff x="0" y="0"/>
+          <a:chExt cx="0" cy="0"/>
+        </a:xfrm>
+      </p:grpSpPr>
+      <p:sp>
+        <p:nvSpPr>
+          <p:cNvPr id="2" name="Title Placeholder 1"/>
+          <p:cNvSpPr>
+            <a:spLocks noGrp="1"/>
+          </p:cNvSpPr>
+          <p:nvPr>
+            <p:ph type="title"/>
+          </p:nvPr>
+        </p:nvSpPr>
+        <p:spPr>
+          <a:xfrm>
+            <a:off x="1028700" y="685800"/>
+            <a:ext cx="7200900" cy="1485900"/>
+          </a:xfrm>
+          <a:prstGeom prst="rect">
+            <a:avLst/>
+          </a:prstGeom>
+        </p:spPr>
+        <p:txBody>
+          <a:bodyPr vert="horz" lIns="91440" tIns="45720" rIns="91440" bIns="45720" rtlCol="0" anchor="t">
+            <a:normAutofit/>
+          </a:bodyPr>
+          <a:lstStyle/>
+          <a:p>
+            <a:r>
+              <a:rPr lang="en-US" smtClean="0"/>
+              <a:t>Click to edit Master title style</a:t>
+            </a:r>
+            <a:endParaRPr lang="en-US" dirty="0"/>
+          </a:p>
+        </p:txBody>
+      </p:sp>
+      <p:sp>
+        <p:nvSpPr>
+          <p:cNvPr id="3" name="Text Placeholder 2"/>
+          <p:cNvSpPr>
+            <a:spLocks noGrp="1"/>
+          </p:cNvSpPr>
+          <p:nvPr>
+            <p:ph type="body" idx="1"/>
+          </p:nvPr>
+        </p:nvSpPr>
+        <p:spPr>
+          <a:xfrm>
+            <a:off x="1028700" y="2286000"/>
+            <a:ext cx="7200900" cy="3581400"/>
+          </a:xfrm>
+          <a:prstGeom prst="rect">
+            <a:avLst/>
+          </a:prstGeom>
+        </p:spPr>
+        <p:txBody>
+          <a:bodyPr vert="horz" lIns="91440" tIns="45720" rIns="91440" bIns="45720" rtlCol="0">
+            <a:normAutofit/>
+          </a:bodyPr>
+          <a:lstStyle/>
+          <a:p>
+            <a:pPr lvl="0"/>
+            <a:r>
+              <a:rPr lang="en-US" smtClean="0"/>
+              <a:t>Click to edit Master text styles</a:t>
+            </a:r>
+          </a:p>
+          <a:p>
+            <a:pPr lvl="1"/>
+            <a:r>
+              <a:rPr lang="en-US" smtClean="0"/>
+              <a:t>Second level</a:t>
+            </a:r>
+          </a:p>
+          <a:p>
+            <a:pPr lvl="2"/>
+            <a:r>
+              <a:rPr lang="en-US" smtClean="0"/>
+              <a:t>Third level</a:t>
+            </a:r>
+          </a:p>
+          <a:p>
+            <a:pPr lvl="3"/>
+            <a:r>
+              <a:rPr lang="en-US" smtClean="0"/>
+              <a:t>Fourth level</a:t>
+            </a:r>
+          </a:p>
+          <a:p>
+            <a:pPr lvl="4"/>
+            <a:r>
+              <a:rPr lang="en-US" smtClean="0"/>
+              <a:t>Fifth level</a:t>
+            </a:r>
+            <a:endParaRPr lang="en-US" dirty="0"/>
+          </a:p>
+        </p:txBody>
+      </p:sp>
+      <p:sp>
+        <p:nvSpPr>
+          <p:cNvPr id="4" name="Date Placeholder 3"/>
+          <p:cNvSpPr>
+            <a:spLocks noGrp="1"/>
+          </p:cNvSpPr>
+          <p:nvPr>
+            <p:ph type="dt" sz="half" idx="2"/>
+          </p:nvPr>
+        </p:nvSpPr>
+        <p:spPr>
+          <a:xfrm>
+            <a:off x="1042987" y="6453386"/>
+            <a:ext cx="903429" cy="404614"/>
+          </a:xfrm>
+          <a:prstGeom prst="rect">
+            <a:avLst/>
+          </a:prstGeom>
+        </p:spPr>
+        <p:txBody>
+          <a:bodyPr vert="horz" lIns="91440" tIns="45720" rIns="91440" bIns="45720" rtlCol="0" anchor="ctr"/>
+          <a:lstStyle>
+            <a:lvl1pPr algn="l">
+              <a:defRPr sz="1000" baseline="0">
+                <a:solidFill>
+                  <a:schemeClr val="tx2"/>
+                </a:solidFill>
+              </a:defRPr>
+            </a:lvl1pPr>
+          </a:lstStyle>
+          <a:p>
+            <a:fld id="{C278D7EF-26F4-224B-8677-B085B9165B8F}" type="datetime1">
+              <a:rPr lang="en-US" smtClean="0"/>
+              <a:t>7/26/16</a:t>
+            </a:fld>
+            <a:endParaRPr lang="en-US"/>
+          </a:p>
+        </p:txBody>
+      </p:sp>
+      <p:sp>
+        <p:nvSpPr>
+          <p:cNvPr id="5" name="Footer Placeholder 4"/>
+          <p:cNvSpPr>
+            <a:spLocks noGrp="1"/>
+          </p:cNvSpPr>
+          <p:nvPr>
+            <p:ph type="ftr" sz="quarter" idx="3"/>
+          </p:nvPr>
+        </p:nvSpPr>
+        <p:spPr>
+          <a:xfrm>
+            <a:off x="2170173" y="6453386"/>
+            <a:ext cx="4710623" cy="404614"/>
+          </a:xfrm>
+          <a:prstGeom prst="rect">
+            <a:avLst/>
+          </a:prstGeom>
+        </p:spPr>
+        <p:txBody>
+          <a:bodyPr vert="horz" lIns="91440" tIns="45720" rIns="91440" bIns="45720" rtlCol="0" anchor="ctr"/>
+          <a:lstStyle>
+            <a:lvl1pPr algn="l">
+              <a:defRPr sz="1000" baseline="0">
+                <a:solidFill>
+                  <a:schemeClr val="tx2"/>
+                </a:solidFill>
+              </a:defRPr>
+            </a:lvl1pPr>
+          </a:lstStyle>
+          <a:p>
+            <a:r>
+              <a:rPr lang="en-US" smtClean="0"/>
+              <a:t>Copyright © EV3Lessons.com 2016 (Last edit: 7/26/2016)</a:t>
+            </a:r>
+            <a:endParaRPr lang="en-US" dirty="0"/>
+          </a:p>
+        </p:txBody>
+      </p:sp>
+      <p:sp>
+        <p:nvSpPr>
+          <p:cNvPr id="6" name="Slide Number Placeholder 5"/>
+          <p:cNvSpPr>
+            <a:spLocks noGrp="1"/>
+          </p:cNvSpPr>
+          <p:nvPr>
+            <p:ph type="sldNum" sz="quarter" idx="4"/>
+          </p:nvPr>
+        </p:nvSpPr>
+        <p:spPr>
+          <a:xfrm>
+            <a:off x="7104552" y="6453386"/>
+            <a:ext cx="1197219" cy="404614"/>
+          </a:xfrm>
+          <a:prstGeom prst="rect">
+            <a:avLst/>
+          </a:prstGeom>
+        </p:spPr>
+        <p:txBody>
+          <a:bodyPr vert="horz" lIns="91440" tIns="45720" rIns="91440" bIns="45720" rtlCol="0" anchor="ctr"/>
+          <a:lstStyle>
+            <a:lvl1pPr algn="r">
+              <a:defRPr sz="1000" baseline="0">
+                <a:solidFill>
+                  <a:schemeClr val="tx2"/>
+                </a:solidFill>
+              </a:defRPr>
+            </a:lvl1pPr>
+          </a:lstStyle>
+          <a:p>
+            <a:fld id="{4DBC7FC8-25FB-FC45-8177-2B991DA6778C}" type="slidenum">
+              <a:rPr lang="en-US" smtClean="0"/>
+              <a:t>‹#›</a:t>
+            </a:fld>
+            <a:endParaRPr lang="en-US"/>
+          </a:p>
+        </p:txBody>
+      </p:sp>
+      <p:sp>
+        <p:nvSpPr>
+          <p:cNvPr id="8" name="Rectangle 7" title="Side bar"/>
+          <p:cNvSpPr/>
+          <p:nvPr/>
+        </p:nvSpPr>
+        <p:spPr>
+          <a:xfrm>
+            <a:off x="0" y="376"/>
+            <a:ext cx="171450" cy="6858000"/>
+          </a:xfrm>
+          <a:prstGeom prst="rect">
+            <a:avLst/>
+          </a:prstGeom>
+          <a:solidFill>
+            <a:schemeClr val="accent1"/>
+          </a:solidFill>
+          <a:ln>
+            <a:noFill/>
+          </a:ln>
+        </p:spPr>
+        <p:style>
+          <a:lnRef idx="2">
+            <a:schemeClr val="accent1">
+              <a:shade val="50000"/>
+            </a:schemeClr>
+          </a:lnRef>
+          <a:fillRef idx="1">
+            <a:schemeClr val="accent1"/>
+          </a:fillRef>
+          <a:effectRef idx="0">
+            <a:schemeClr val="accent1"/>
+          </a:effectRef>
+          <a:fontRef idx="minor">
+            <a:schemeClr val="lt1"/>
+          </a:fontRef>
+        </p:style>
+      </p:sp>
+    </p:spTree>
+    <p:extLst>
+      <p:ext uri="{BB962C8B-B14F-4D97-AF65-F5344CB8AC3E}">
+        <p14:creationId xmlns:p14="http://schemas.microsoft.com/office/powerpoint/2010/main" val="1103929769"/>
+      </p:ext>
+    </p:extLst>
+  </p:cSld>
+  <p:clrMap bg1="lt1" tx1="dk1" bg2="lt2" tx2="dk2" accent1="accent1" accent2="accent2" accent3="accent3" accent4="accent4" accent5="accent5" accent6="accent6" hlink="hlink" folHlink="folHlink"/>
+  <p:sldLayoutIdLst>
+    <p:sldLayoutId id="2147483763" r:id="rId1"/>
+    <p:sldLayoutId id="2147483764" r:id="rId2"/>
+    <p:sldLayoutId id="2147483765" r:id="rId3"/>
+    <p:sldLayoutId id="2147483766" r:id="rId4"/>
+    <p:sldLayoutId id="2147483767" r:id="rId5"/>
+    <p:sldLayoutId id="2147483768" r:id="rId6"/>
+    <p:sldLayoutId id="2147483769" r:id="rId7"/>
+    <p:sldLayoutId id="2147483770" r:id="rId8"/>
+    <p:sldLayoutId id="2147483771" r:id="rId9"/>
+    <p:sldLayoutId id="2147483772" r:id="rId10"/>
+    <p:sldLayoutId id="2147483773" r:id="rId11"/>
+  </p:sldLayoutIdLst>
+  <p:hf sldNum="0" hdr="0" dt="0"/>
+  <p:txStyles>
+    <p:titleStyle>
+      <a:lvl1pPr algn="l" defTabSz="685800" rtl="0" eaLnBrk="1" latinLnBrk="0" hangingPunct="1">
+        <a:lnSpc>
+          <a:spcPct val="89000"/>
+        </a:lnSpc>
+        <a:spcBef>
+          <a:spcPct val="0"/>
+        </a:spcBef>
+        <a:buNone/>
+        <a:defRPr sz="4400" kern="1200" baseline="0">
+          <a:solidFill>
+            <a:schemeClr val="tx2"/>
+          </a:solidFill>
+          <a:latin typeface="+mj-lt"/>
+          <a:ea typeface="+mj-ea"/>
+          <a:cs typeface="+mj-cs"/>
+        </a:defRPr>
+      </a:lvl1pPr>
+    </p:titleStyle>
+    <p:bodyStyle>
+      <a:lvl1pPr marL="384048" indent="-384048" algn="l" defTabSz="685800" rtl="0" eaLnBrk="1" latinLnBrk="0" hangingPunct="1">
+        <a:lnSpc>
+          <a:spcPct val="94000"/>
+        </a:lnSpc>
+        <a:spcBef>
+          <a:spcPts val="1000"/>
+        </a:spcBef>
+        <a:spcAft>
+          <a:spcPts val="200"/>
+        </a:spcAft>
+        <a:buFont typeface="Franklin Gothic Book" panose="020B0503020102020204" pitchFamily="34" charset="0"/>
+        <a:buChar char="■"/>
+        <a:defRPr sz="2400" kern="1200" baseline="0">
+          <a:solidFill>
+            <a:schemeClr val="tx2"/>
+          </a:solidFill>
+          <a:latin typeface="+mn-lt"/>
+          <a:ea typeface="+mn-ea"/>
+          <a:cs typeface="+mn-cs"/>
+        </a:defRPr>
+      </a:lvl1pPr>
+      <a:lvl2pPr marL="685800" indent="-384175" algn="l" defTabSz="685800" rtl="0" eaLnBrk="1" latinLnBrk="0" hangingPunct="1">
+        <a:lnSpc>
+          <a:spcPct val="94000"/>
+        </a:lnSpc>
+        <a:spcBef>
+          <a:spcPts val="500"/>
+        </a:spcBef>
+        <a:spcAft>
+          <a:spcPts val="200"/>
+        </a:spcAft>
+        <a:buFont typeface="Franklin Gothic Book" panose="020B0503020102020204" pitchFamily="34" charset="0"/>
+        <a:buChar char="–"/>
+        <a:tabLst/>
+        <a:defRPr sz="2100" i="1" kern="1200" baseline="0">
+          <a:solidFill>
+            <a:schemeClr val="tx2"/>
+          </a:solidFill>
+          <a:latin typeface="+mn-lt"/>
+          <a:ea typeface="+mn-ea"/>
+          <a:cs typeface="+mn-cs"/>
+        </a:defRPr>
+      </a:lvl2pPr>
+      <a:lvl3pPr marL="915988" indent="-427038" algn="l" defTabSz="685800" rtl="0" eaLnBrk="1" latinLnBrk="0" hangingPunct="1">
+        <a:lnSpc>
+          <a:spcPct val="94000"/>
+        </a:lnSpc>
+        <a:spcBef>
+          <a:spcPts val="500"/>
+        </a:spcBef>
+        <a:spcAft>
+          <a:spcPts val="200"/>
+        </a:spcAft>
+        <a:buFont typeface="Franklin Gothic Book" panose="020B0503020102020204" pitchFamily="34" charset="0"/>
+        <a:buChar char="■"/>
+        <a:tabLst/>
+        <a:defRPr sz="1800" kern="1200" baseline="0">
+          <a:solidFill>
+            <a:schemeClr val="tx2"/>
+          </a:solidFill>
+          <a:latin typeface="+mn-lt"/>
+          <a:ea typeface="+mn-ea"/>
+          <a:cs typeface="+mn-cs"/>
+        </a:defRPr>
+      </a:lvl3pPr>
+      <a:lvl4pPr marL="1144588" indent="-406400" algn="l" defTabSz="685800" rtl="0" eaLnBrk="1" latinLnBrk="0" hangingPunct="1">
+        <a:lnSpc>
+          <a:spcPct val="94000"/>
+        </a:lnSpc>
+        <a:spcBef>
+          <a:spcPts val="500"/>
+        </a:spcBef>
+        <a:spcAft>
+          <a:spcPts val="200"/>
+        </a:spcAft>
+        <a:buFont typeface="Franklin Gothic Book" panose="020B0503020102020204" pitchFamily="34" charset="0"/>
+        <a:buChar char="–"/>
+        <a:tabLst/>
+        <a:defRPr sz="1600" i="1" kern="1200" baseline="0">
+          <a:solidFill>
+            <a:schemeClr val="tx2"/>
+          </a:solidFill>
+          <a:latin typeface="+mn-lt"/>
+          <a:ea typeface="+mn-ea"/>
+          <a:cs typeface="+mn-cs"/>
+        </a:defRPr>
+      </a:lvl4pPr>
+      <a:lvl5pPr marL="1320800" indent="-404813" algn="l" defTabSz="685800" rtl="0" eaLnBrk="1" latinLnBrk="0" hangingPunct="1">
+        <a:lnSpc>
+          <a:spcPct val="94000"/>
+        </a:lnSpc>
+        <a:spcBef>
+          <a:spcPts val="500"/>
+        </a:spcBef>
+        <a:spcAft>
+          <a:spcPts val="200"/>
+        </a:spcAft>
+        <a:buFont typeface="Franklin Gothic Book" panose="020B0503020102020204" pitchFamily="34" charset="0"/>
+        <a:buChar char="■"/>
+        <a:tabLst/>
+        <a:defRPr sz="1600" kern="1200" baseline="0">
+          <a:solidFill>
+            <a:schemeClr val="tx2"/>
+          </a:solidFill>
+          <a:latin typeface="+mn-lt"/>
+          <a:ea typeface="+mn-ea"/>
+          <a:cs typeface="+mn-cs"/>
+        </a:defRPr>
+      </a:lvl5pPr>
+      <a:lvl6pPr marL="384048" indent="-384048" algn="l" defTabSz="685800" rtl="0" eaLnBrk="1" latinLnBrk="0" hangingPunct="1">
+        <a:lnSpc>
+          <a:spcPct val="94000"/>
+        </a:lnSpc>
+        <a:spcBef>
+          <a:spcPts val="500"/>
+        </a:spcBef>
+        <a:spcAft>
+          <a:spcPts val="200"/>
+        </a:spcAft>
+        <a:buFont typeface="Franklin Gothic Book" panose="020B0503020102020204" pitchFamily="34" charset="0"/>
+        <a:buChar char="–"/>
+        <a:defRPr sz="1600" i="1" kern="1200" baseline="0">
+          <a:solidFill>
+            <a:schemeClr val="tx2"/>
+          </a:solidFill>
+          <a:latin typeface="+mn-lt"/>
+          <a:ea typeface="+mn-ea"/>
+          <a:cs typeface="+mn-cs"/>
+        </a:defRPr>
+      </a:lvl6pPr>
+      <a:lvl7pPr marL="384048" indent="-384048" algn="l" defTabSz="685800" rtl="0" eaLnBrk="1" latinLnBrk="0" hangingPunct="1">
+        <a:lnSpc>
+          <a:spcPct val="94000"/>
+        </a:lnSpc>
+        <a:spcBef>
+          <a:spcPts val="500"/>
+        </a:spcBef>
+        <a:spcAft>
+          <a:spcPts val="200"/>
+        </a:spcAft>
+        <a:buFont typeface="Franklin Gothic Book" panose="020B0503020102020204" pitchFamily="34" charset="0"/>
+        <a:buChar char="■"/>
+        <a:defRPr sz="1400" kern="1200" baseline="0">
+          <a:solidFill>
+            <a:schemeClr val="tx2"/>
+          </a:solidFill>
+          <a:latin typeface="+mn-lt"/>
+          <a:ea typeface="+mn-ea"/>
+          <a:cs typeface="+mn-cs"/>
+        </a:defRPr>
+      </a:lvl7pPr>
+      <a:lvl8pPr marL="384048" indent="-384048" algn="l" defTabSz="685800" rtl="0" eaLnBrk="1" latinLnBrk="0" hangingPunct="1">
+        <a:lnSpc>
+          <a:spcPct val="94000"/>
+        </a:lnSpc>
+        <a:spcBef>
+          <a:spcPts val="500"/>
+        </a:spcBef>
+        <a:spcAft>
+          <a:spcPts val="200"/>
+        </a:spcAft>
+        <a:buFont typeface="Franklin Gothic Book" panose="020B0503020102020204" pitchFamily="34" charset="0"/>
+        <a:buChar char="–"/>
+        <a:defRPr sz="1400" i="1" kern="1200" baseline="0">
+          <a:solidFill>
+            <a:schemeClr val="tx2"/>
+          </a:solidFill>
+          <a:latin typeface="+mn-lt"/>
+          <a:ea typeface="+mn-ea"/>
+          <a:cs typeface="+mn-cs"/>
+        </a:defRPr>
+      </a:lvl8pPr>
+      <a:lvl9pPr marL="384048" indent="-384048" algn="l" defTabSz="685800" rtl="0" eaLnBrk="1" latinLnBrk="0" hangingPunct="1">
+        <a:lnSpc>
+          <a:spcPct val="94000"/>
+        </a:lnSpc>
+        <a:spcBef>
+          <a:spcPts val="500"/>
+        </a:spcBef>
+        <a:spcAft>
+          <a:spcPts val="200"/>
+        </a:spcAft>
+        <a:buFont typeface="Franklin Gothic Book" panose="020B0503020102020204" pitchFamily="34" charset="0"/>
+        <a:buChar char="■"/>
+        <a:defRPr sz="1400" kern="1200" baseline="0">
+          <a:solidFill>
+            <a:schemeClr val="tx2"/>
+          </a:solidFill>
+          <a:latin typeface="+mn-lt"/>
+          <a:ea typeface="+mn-ea"/>
+          <a:cs typeface="+mn-cs"/>
+        </a:defRPr>
+      </a:lvl9pPr>
+    </p:bodyStyle>
+    <p:otherStyle>
+      <a:defPPr>
+        <a:defRPr lang="en-US"/>
+      </a:defPPr>
+      <a:lvl1pPr marL="0" algn="l" defTabSz="685800" rtl="0" eaLnBrk="1" latinLnBrk="0" hangingPunct="1">
+        <a:defRPr sz="1350" kern="1200">
+          <a:solidFill>
+            <a:schemeClr val="tx1"/>
+          </a:solidFill>
+          <a:latin typeface="+mn-lt"/>
+          <a:ea typeface="+mn-ea"/>
+          <a:cs typeface="+mn-cs"/>
+        </a:defRPr>
+      </a:lvl1pPr>
+      <a:lvl2pPr marL="342900" algn="l" defTabSz="685800" rtl="0" eaLnBrk="1" latinLnBrk="0" hangingPunct="1">
+        <a:defRPr sz="1350" kern="1200">
+          <a:solidFill>
+            <a:schemeClr val="tx1"/>
+          </a:solidFill>
+          <a:latin typeface="+mn-lt"/>
+          <a:ea typeface="+mn-ea"/>
+          <a:cs typeface="+mn-cs"/>
+        </a:defRPr>
+      </a:lvl2pPr>
+      <a:lvl3pPr marL="685800" algn="l" defTabSz="685800" rtl="0" eaLnBrk="1" latinLnBrk="0" hangingPunct="1">
+        <a:defRPr sz="1350" kern="1200">
+          <a:solidFill>
+            <a:schemeClr val="tx1"/>
+          </a:solidFill>
+          <a:latin typeface="+mn-lt"/>
+          <a:ea typeface="+mn-ea"/>
+          <a:cs typeface="+mn-cs"/>
+        </a:defRPr>
+      </a:lvl3pPr>
+      <a:lvl4pPr marL="1028700" algn="l" defTabSz="685800" rtl="0" eaLnBrk="1" latinLnBrk="0" hangingPunct="1">
+        <a:defRPr sz="1350" kern="1200">
+          <a:solidFill>
+            <a:schemeClr val="tx1"/>
+          </a:solidFill>
+          <a:latin typeface="+mn-lt"/>
+          <a:ea typeface="+mn-ea"/>
+          <a:cs typeface="+mn-cs"/>
+        </a:defRPr>
+      </a:lvl4pPr>
+      <a:lvl5pPr marL="1371600" algn="l" defTabSz="685800" rtl="0" eaLnBrk="1" latinLnBrk="0" hangingPunct="1">
+        <a:defRPr sz="1350" kern="1200">
+          <a:solidFill>
+            <a:schemeClr val="tx1"/>
+          </a:solidFill>
+          <a:latin typeface="+mn-lt"/>
+          <a:ea typeface="+mn-ea"/>
+          <a:cs typeface="+mn-cs"/>
+        </a:defRPr>
+      </a:lvl5pPr>
+      <a:lvl6pPr marL="1714500" algn="l" defTabSz="685800" rtl="0" eaLnBrk="1" latinLnBrk="0" hangingPunct="1">
+        <a:defRPr sz="1350" kern="1200">
+          <a:solidFill>
+            <a:schemeClr val="tx1"/>
+          </a:solidFill>
+          <a:latin typeface="+mn-lt"/>
+          <a:ea typeface="+mn-ea"/>
+          <a:cs typeface="+mn-cs"/>
+        </a:defRPr>
+      </a:lvl6pPr>
+      <a:lvl7pPr marL="2057400" algn="l" defTabSz="685800" rtl="0" eaLnBrk="1" latinLnBrk="0" hangingPunct="1">
+        <a:defRPr sz="1350" kern="1200">
+          <a:solidFill>
+            <a:schemeClr val="tx1"/>
+          </a:solidFill>
+          <a:latin typeface="+mn-lt"/>
+          <a:ea typeface="+mn-ea"/>
+          <a:cs typeface="+mn-cs"/>
+        </a:defRPr>
+      </a:lvl7pPr>
+      <a:lvl8pPr marL="2400300" algn="l" defTabSz="685800" rtl="0" eaLnBrk="1" latinLnBrk="0" hangingPunct="1">
+        <a:defRPr sz="1350" kern="1200">
+          <a:solidFill>
+            <a:schemeClr val="tx1"/>
+          </a:solidFill>
+          <a:latin typeface="+mn-lt"/>
+          <a:ea typeface="+mn-ea"/>
+          <a:cs typeface="+mn-cs"/>
+        </a:defRPr>
+      </a:lvl8pPr>
+      <a:lvl9pPr marL="2743200" algn="l" defTabSz="685800" rtl="0" eaLnBrk="1" latinLnBrk="0" hangingPunct="1">
+        <a:defRPr sz="1350" kern="1200">
+          <a:solidFill>
+            <a:schemeClr val="tx1"/>
+          </a:solidFill>
+          <a:latin typeface="+mn-lt"/>
+          <a:ea typeface="+mn-ea"/>
+          <a:cs typeface="+mn-cs"/>
+        </a:defRPr>
+      </a:lvl9pPr>
+    </p:otherStyle>
+  </p:txStyles>
+  <p:extLst mod="1">
+    <p:ext uri="{27BBF7A9-308A-43DC-89C8-2F10F3537804}">
+      <p15:sldGuideLst xmlns:p15="http://schemas.microsoft.com/office/powerpoint/2012/main">
+        <p15:guide id="1" pos="6912">
+          <p15:clr>
+            <a:srgbClr val="F26B43"/>
+          </p15:clr>
+        </p15:guide>
+        <p15:guide id="2" pos="936">
+          <p15:clr>
+            <a:srgbClr val="F26B43"/>
+          </p15:clr>
+        </p15:guide>
+        <p15:guide id="3" pos="864">
+          <p15:clr>
+            <a:srgbClr val="F26B43"/>
+          </p15:clr>
+        </p15:guide>
+        <p15:guide id="0" orient="horz" pos="1368">
+          <p15:clr>
+            <a:srgbClr val="F26B43"/>
+          </p15:clr>
+        </p15:guide>
+        <p15:guide id="4" orient="horz" pos="1440">
+          <p15:clr>
+            <a:srgbClr val="F26B43"/>
+          </p15:clr>
+        </p15:guide>
+        <p15:guide id="5" orient="horz" pos="3696">
+          <p15:clr>
+            <a:srgbClr val="F26B43"/>
+          </p15:clr>
+        </p15:guide>
+        <p15:guide id="6" orient="horz" pos="432">
+          <p15:clr>
+            <a:srgbClr val="F26B43"/>
+          </p15:clr>
+        </p15:guide>
+        <p15:guide id="7" orient="horz" pos="1512">
+          <p15:clr>
+            <a:srgbClr val="F26B43"/>
+          </p15:clr>
+        </p15:guide>
+        <p15:guide id="8" pos="5184">
+          <p15:clr>
+            <a:srgbClr val="F26B43"/>
+          </p15:clr>
+        </p15:guide>
+        <p15:guide id="9" pos="702">
+          <p15:clr>
+            <a:srgbClr val="F26B43"/>
+          </p15:clr>
+        </p15:guide>
+        <p15:guide id="10" pos="648">
+          <p15:clr>
+            <a:srgbClr val="F26B43"/>
+          </p15:clr>
+        </p15:guide>
+      </p15:sldGuideLst>
+    </p:ext>
+  </p:extLst>
+</p:sldMaster>
+</file>
+
 <file path=ppt/slides/slide1.xml><?xml version="1.0" encoding="utf-8"?>
 <p:sld xmlns:a="http://schemas.openxmlformats.org/drawingml/2006/main" xmlns:r="http://schemas.openxmlformats.org/officeDocument/2006/relationships" xmlns:p="http://schemas.openxmlformats.org/presentationml/2006/main">
   <p:cSld>
@@ -7723,7 +14917,30 @@
       </p:grpSpPr>
       <p:sp>
         <p:nvSpPr>
-          <p:cNvPr id="2" name="Subtitle 1"/>
+          <p:cNvPr id="2" name="Title 1"/>
+          <p:cNvSpPr>
+            <a:spLocks noGrp="1"/>
+          </p:cNvSpPr>
+          <p:nvPr>
+            <p:ph type="ctrTitle"/>
+          </p:nvPr>
+        </p:nvSpPr>
+        <p:spPr/>
+        <p:txBody>
+          <a:bodyPr/>
+          <a:lstStyle/>
+          <a:p>
+            <a:r>
+              <a:rPr lang="en-US" dirty="0" smtClean="0"/>
+              <a:t>PORT VIEW &amp; SENSOR DATA</a:t>
+            </a:r>
+            <a:endParaRPr lang="en-US" dirty="0"/>
+          </a:p>
+        </p:txBody>
+      </p:sp>
+      <p:sp>
+        <p:nvSpPr>
+          <p:cNvPr id="3" name="Subtitle 2"/>
           <p:cNvSpPr>
             <a:spLocks noGrp="1"/>
           </p:cNvSpPr>
@@ -7738,69 +14955,20 @@
           <a:p>
             <a:r>
               <a:rPr lang="en-US" dirty="0" smtClean="0"/>
-              <a:t>Port View &amp; Using Sensor Data</a:t>
+              <a:t>By Sanjay and Arvind </a:t>
+            </a:r>
+            <a:r>
+              <a:rPr lang="en-US" dirty="0" err="1" smtClean="0"/>
+              <a:t>Seshan</a:t>
             </a:r>
             <a:endParaRPr lang="en-US" dirty="0"/>
           </a:p>
         </p:txBody>
       </p:sp>
-      <p:sp>
-        <p:nvSpPr>
-          <p:cNvPr id="3" name="Title 2"/>
-          <p:cNvSpPr>
-            <a:spLocks noGrp="1"/>
-          </p:cNvSpPr>
-          <p:nvPr>
-            <p:ph type="ctrTitle"/>
-          </p:nvPr>
-        </p:nvSpPr>
-        <p:spPr/>
-        <p:txBody>
-          <a:bodyPr/>
-          <a:lstStyle/>
-          <a:p>
-            <a:pPr algn="ctr"/>
-            <a:r>
-              <a:rPr lang="en-US" dirty="0" smtClean="0"/>
-              <a:t>BEGINNER PROGRAMMING LESSON</a:t>
-            </a:r>
-            <a:endParaRPr lang="en-US" dirty="0"/>
-          </a:p>
-        </p:txBody>
-      </p:sp>
-      <p:pic>
-        <p:nvPicPr>
-          <p:cNvPr id="4" name="Picture 3"/>
-          <p:cNvPicPr>
-            <a:picLocks noChangeAspect="1"/>
-          </p:cNvPicPr>
-          <p:nvPr/>
-        </p:nvPicPr>
-        <p:blipFill rotWithShape="1">
-          <a:blip r:embed="rId2">
-            <a:extLst>
-              <a:ext uri="{28A0092B-C50C-407E-A947-70E740481C1C}">
-                <a14:useLocalDpi xmlns:a14="http://schemas.microsoft.com/office/drawing/2010/main" val="0"/>
-              </a:ext>
-            </a:extLst>
-          </a:blip>
-          <a:srcRect l="4523" t="17619" r="3095" b="25000"/>
-          <a:stretch/>
-        </p:blipFill>
-        <p:spPr>
-          <a:xfrm>
-            <a:off x="3711108" y="4592409"/>
-            <a:ext cx="1700816" cy="1056435"/>
-          </a:xfrm>
-          <a:prstGeom prst="rect">
-            <a:avLst/>
-          </a:prstGeom>
-        </p:spPr>
-      </p:pic>
     </p:spTree>
     <p:extLst>
       <p:ext uri="{BB962C8B-B14F-4D97-AF65-F5344CB8AC3E}">
-        <p14:creationId xmlns:p14="http://schemas.microsoft.com/office/powerpoint/2010/main" val="1621017518"/>
+        <p14:creationId xmlns:p14="http://schemas.microsoft.com/office/powerpoint/2010/main" val="86988689"/>
       </p:ext>
     </p:extLst>
   </p:cSld>
@@ -7999,7 +15167,9 @@
         </p:nvSpPr>
         <p:spPr/>
         <p:txBody>
-          <a:bodyPr/>
+          <a:bodyPr>
+            <a:normAutofit fontScale="90000"/>
+          </a:bodyPr>
           <a:lstStyle/>
           <a:p>
             <a:r>
@@ -8022,7 +15192,9 @@
         </p:nvSpPr>
         <p:spPr/>
         <p:txBody>
-          <a:bodyPr/>
+          <a:bodyPr>
+            <a:normAutofit/>
+          </a:bodyPr>
           <a:lstStyle/>
           <a:p>
             <a:r>
@@ -8694,7 +15866,7 @@
         </p:spPr>
         <p:txBody>
           <a:bodyPr>
-            <a:normAutofit fontScale="85000" lnSpcReduction="20000"/>
+            <a:normAutofit fontScale="70000" lnSpcReduction="20000"/>
           </a:bodyPr>
           <a:lstStyle/>
           <a:p>
@@ -9591,7 +16763,7 @@
         <p:spPr/>
         <p:txBody>
           <a:bodyPr>
-            <a:normAutofit/>
+            <a:normAutofit fontScale="90000"/>
           </a:bodyPr>
           <a:lstStyle/>
           <a:p>
@@ -9621,7 +16793,7 @@
         </p:spPr>
         <p:txBody>
           <a:bodyPr>
-            <a:normAutofit fontScale="92500" lnSpcReduction="20000"/>
+            <a:normAutofit fontScale="85000" lnSpcReduction="20000"/>
           </a:bodyPr>
           <a:lstStyle/>
           <a:p>
@@ -11005,6 +18177,465 @@
 </file>
 
 <file path=ppt/theme/theme3.xml><?xml version="1.0" encoding="utf-8"?>
+<a:theme xmlns:a="http://schemas.openxmlformats.org/drawingml/2006/main" name="tablet">
+  <a:themeElements>
+    <a:clrScheme name="Office">
+      <a:dk1>
+        <a:sysClr val="windowText" lastClr="000000"/>
+      </a:dk1>
+      <a:lt1>
+        <a:sysClr val="window" lastClr="FFFFFF"/>
+      </a:lt1>
+      <a:dk2>
+        <a:srgbClr val="44546A"/>
+      </a:dk2>
+      <a:lt2>
+        <a:srgbClr val="E7E6E6"/>
+      </a:lt2>
+      <a:accent1>
+        <a:srgbClr val="5B9BD5"/>
+      </a:accent1>
+      <a:accent2>
+        <a:srgbClr val="ED7D31"/>
+      </a:accent2>
+      <a:accent3>
+        <a:srgbClr val="A5A5A5"/>
+      </a:accent3>
+      <a:accent4>
+        <a:srgbClr val="FFC000"/>
+      </a:accent4>
+      <a:accent5>
+        <a:srgbClr val="4472C4"/>
+      </a:accent5>
+      <a:accent6>
+        <a:srgbClr val="70AD47"/>
+      </a:accent6>
+      <a:hlink>
+        <a:srgbClr val="0563C1"/>
+      </a:hlink>
+      <a:folHlink>
+        <a:srgbClr val="954F72"/>
+      </a:folHlink>
+    </a:clrScheme>
+    <a:fontScheme name="Office">
+      <a:majorFont>
+        <a:latin typeface="Calibri Light"/>
+        <a:ea typeface=""/>
+        <a:cs typeface=""/>
+        <a:font script="Jpan" typeface="ＭＳ Ｐゴシック"/>
+        <a:font script="Hang" typeface="맑은 고딕"/>
+        <a:font script="Hans" typeface="宋体"/>
+        <a:font script="Hant" typeface="新細明體"/>
+        <a:font script="Arab" typeface="Times New Roman"/>
+        <a:font script="Hebr" typeface="Times New Roman"/>
+        <a:font script="Thai" typeface="Angsana New"/>
+        <a:font script="Ethi" typeface="Nyala"/>
+        <a:font script="Beng" typeface="Vrinda"/>
+        <a:font script="Gujr" typeface="Shruti"/>
+        <a:font script="Khmr" typeface="MoolBoran"/>
+        <a:font script="Knda" typeface="Tunga"/>
+        <a:font script="Guru" typeface="Raavi"/>
+        <a:font script="Cans" typeface="Euphemia"/>
+        <a:font script="Cher" typeface="Plantagenet Cherokee"/>
+        <a:font script="Yiii" typeface="Microsoft Yi Baiti"/>
+        <a:font script="Tibt" typeface="Microsoft Himalaya"/>
+        <a:font script="Thaa" typeface="MV Boli"/>
+        <a:font script="Deva" typeface="Mangal"/>
+        <a:font script="Telu" typeface="Gautami"/>
+        <a:font script="Taml" typeface="Latha"/>
+        <a:font script="Syrc" typeface="Estrangelo Edessa"/>
+        <a:font script="Orya" typeface="Kalinga"/>
+        <a:font script="Mlym" typeface="Kartika"/>
+        <a:font script="Laoo" typeface="DokChampa"/>
+        <a:font script="Sinh" typeface="Iskoola Pota"/>
+        <a:font script="Mong" typeface="Mongolian Baiti"/>
+        <a:font script="Viet" typeface="Times New Roman"/>
+        <a:font script="Uigh" typeface="Microsoft Uighur"/>
+        <a:font script="Geor" typeface="Sylfaen"/>
+      </a:majorFont>
+      <a:minorFont>
+        <a:latin typeface="Calibri"/>
+        <a:ea typeface=""/>
+        <a:cs typeface=""/>
+        <a:font script="Jpan" typeface="ＭＳ Ｐゴシック"/>
+        <a:font script="Hang" typeface="맑은 고딕"/>
+        <a:font script="Hans" typeface="宋体"/>
+        <a:font script="Hant" typeface="新細明體"/>
+        <a:font script="Arab" typeface="Arial"/>
+        <a:font script="Hebr" typeface="Arial"/>
+        <a:font script="Thai" typeface="Cordia New"/>
+        <a:font script="Ethi" typeface="Nyala"/>
+        <a:font script="Beng" typeface="Vrinda"/>
+        <a:font script="Gujr" typeface="Shruti"/>
+        <a:font script="Khmr" typeface="DaunPenh"/>
+        <a:font script="Knda" typeface="Tunga"/>
+        <a:font script="Guru" typeface="Raavi"/>
+        <a:font script="Cans" typeface="Euphemia"/>
+        <a:font script="Cher" typeface="Plantagenet Cherokee"/>
+        <a:font script="Yiii" typeface="Microsoft Yi Baiti"/>
+        <a:font script="Tibt" typeface="Microsoft Himalaya"/>
+        <a:font script="Thaa" typeface="MV Boli"/>
+        <a:font script="Deva" typeface="Mangal"/>
+        <a:font script="Telu" typeface="Gautami"/>
+        <a:font script="Taml" typeface="Latha"/>
+        <a:font script="Syrc" typeface="Estrangelo Edessa"/>
+        <a:font script="Orya" typeface="Kalinga"/>
+        <a:font script="Mlym" typeface="Kartika"/>
+        <a:font script="Laoo" typeface="DokChampa"/>
+        <a:font script="Sinh" typeface="Iskoola Pota"/>
+        <a:font script="Mong" typeface="Mongolian Baiti"/>
+        <a:font script="Viet" typeface="Arial"/>
+        <a:font script="Uigh" typeface="Microsoft Uighur"/>
+        <a:font script="Geor" typeface="Sylfaen"/>
+      </a:minorFont>
+    </a:fontScheme>
+    <a:fmtScheme name="Office">
+      <a:fillStyleLst>
+        <a:solidFill>
+          <a:schemeClr val="phClr"/>
+        </a:solidFill>
+        <a:gradFill rotWithShape="1">
+          <a:gsLst>
+            <a:gs pos="0">
+              <a:schemeClr val="phClr">
+                <a:lumMod val="110000"/>
+                <a:satMod val="105000"/>
+                <a:tint val="67000"/>
+              </a:schemeClr>
+            </a:gs>
+            <a:gs pos="50000">
+              <a:schemeClr val="phClr">
+                <a:lumMod val="105000"/>
+                <a:satMod val="103000"/>
+                <a:tint val="73000"/>
+              </a:schemeClr>
+            </a:gs>
+            <a:gs pos="100000">
+              <a:schemeClr val="phClr">
+                <a:lumMod val="105000"/>
+                <a:satMod val="109000"/>
+                <a:tint val="81000"/>
+              </a:schemeClr>
+            </a:gs>
+          </a:gsLst>
+          <a:lin ang="5400000" scaled="0"/>
+        </a:gradFill>
+        <a:gradFill rotWithShape="1">
+          <a:gsLst>
+            <a:gs pos="0">
+              <a:schemeClr val="phClr">
+                <a:satMod val="103000"/>
+                <a:lumMod val="102000"/>
+                <a:tint val="94000"/>
+              </a:schemeClr>
+            </a:gs>
+            <a:gs pos="50000">
+              <a:schemeClr val="phClr">
+                <a:satMod val="110000"/>
+                <a:lumMod val="100000"/>
+                <a:shade val="100000"/>
+              </a:schemeClr>
+            </a:gs>
+            <a:gs pos="100000">
+              <a:schemeClr val="phClr">
+                <a:lumMod val="99000"/>
+                <a:satMod val="120000"/>
+                <a:shade val="78000"/>
+              </a:schemeClr>
+            </a:gs>
+          </a:gsLst>
+          <a:lin ang="5400000" scaled="0"/>
+        </a:gradFill>
+      </a:fillStyleLst>
+      <a:lnStyleLst>
+        <a:ln w="6350" cap="flat" cmpd="sng" algn="ctr">
+          <a:solidFill>
+            <a:schemeClr val="phClr"/>
+          </a:solidFill>
+          <a:prstDash val="solid"/>
+          <a:miter lim="800000"/>
+        </a:ln>
+        <a:ln w="12700" cap="flat" cmpd="sng" algn="ctr">
+          <a:solidFill>
+            <a:schemeClr val="phClr"/>
+          </a:solidFill>
+          <a:prstDash val="solid"/>
+          <a:miter lim="800000"/>
+        </a:ln>
+        <a:ln w="19050" cap="flat" cmpd="sng" algn="ctr">
+          <a:solidFill>
+            <a:schemeClr val="phClr"/>
+          </a:solidFill>
+          <a:prstDash val="solid"/>
+          <a:miter lim="800000"/>
+        </a:ln>
+      </a:lnStyleLst>
+      <a:effectStyleLst>
+        <a:effectStyle>
+          <a:effectLst/>
+        </a:effectStyle>
+        <a:effectStyle>
+          <a:effectLst/>
+        </a:effectStyle>
+        <a:effectStyle>
+          <a:effectLst>
+            <a:outerShdw blurRad="57150" dist="19050" dir="5400000" algn="ctr" rotWithShape="0">
+              <a:srgbClr val="000000">
+                <a:alpha val="63000"/>
+              </a:srgbClr>
+            </a:outerShdw>
+          </a:effectLst>
+        </a:effectStyle>
+      </a:effectStyleLst>
+      <a:bgFillStyleLst>
+        <a:solidFill>
+          <a:schemeClr val="phClr"/>
+        </a:solidFill>
+        <a:solidFill>
+          <a:schemeClr val="phClr">
+            <a:tint val="95000"/>
+            <a:satMod val="170000"/>
+          </a:schemeClr>
+        </a:solidFill>
+        <a:gradFill rotWithShape="1">
+          <a:gsLst>
+            <a:gs pos="0">
+              <a:schemeClr val="phClr">
+                <a:tint val="93000"/>
+                <a:satMod val="150000"/>
+                <a:shade val="98000"/>
+                <a:lumMod val="102000"/>
+              </a:schemeClr>
+            </a:gs>
+            <a:gs pos="50000">
+              <a:schemeClr val="phClr">
+                <a:tint val="98000"/>
+                <a:satMod val="130000"/>
+                <a:shade val="90000"/>
+                <a:lumMod val="103000"/>
+              </a:schemeClr>
+            </a:gs>
+            <a:gs pos="100000">
+              <a:schemeClr val="phClr">
+                <a:shade val="63000"/>
+                <a:satMod val="120000"/>
+              </a:schemeClr>
+            </a:gs>
+          </a:gsLst>
+          <a:lin ang="5400000" scaled="0"/>
+        </a:gradFill>
+      </a:bgFillStyleLst>
+    </a:fmtScheme>
+  </a:themeElements>
+  <a:objectDefaults/>
+  <a:extraClrSchemeLst/>
+  <a:extLst>
+    <a:ext uri="{05A4C25C-085E-4340-85A3-A5531E510DB2}">
+      <thm15:themeFamily xmlns:thm15="http://schemas.microsoft.com/office/thememl/2012/main" name="tablet" id="{ABB15429-6CE4-214D-9FC4-D4CB9F89B862}" vid="{300D6715-A09A-164F-B0BC-56921AA3CAE7}"/>
+    </a:ext>
+  </a:extLst>
+</a:theme>
+</file>
+
+<file path=ppt/theme/theme4.xml><?xml version="1.0" encoding="utf-8"?>
+<a:theme xmlns:a="http://schemas.openxmlformats.org/drawingml/2006/main" name="1_tablet">
+  <a:themeElements>
+    <a:clrScheme name="Blue">
+      <a:dk1>
+        <a:sysClr val="windowText" lastClr="000000"/>
+      </a:dk1>
+      <a:lt1>
+        <a:sysClr val="window" lastClr="FFFFFF"/>
+      </a:lt1>
+      <a:dk2>
+        <a:srgbClr val="17406D"/>
+      </a:dk2>
+      <a:lt2>
+        <a:srgbClr val="DBEFF9"/>
+      </a:lt2>
+      <a:accent1>
+        <a:srgbClr val="0F6FC6"/>
+      </a:accent1>
+      <a:accent2>
+        <a:srgbClr val="009DD9"/>
+      </a:accent2>
+      <a:accent3>
+        <a:srgbClr val="0BD0D9"/>
+      </a:accent3>
+      <a:accent4>
+        <a:srgbClr val="10CF9B"/>
+      </a:accent4>
+      <a:accent5>
+        <a:srgbClr val="7CCA62"/>
+      </a:accent5>
+      <a:accent6>
+        <a:srgbClr val="A5C249"/>
+      </a:accent6>
+      <a:hlink>
+        <a:srgbClr val="F49100"/>
+      </a:hlink>
+      <a:folHlink>
+        <a:srgbClr val="85DFD0"/>
+      </a:folHlink>
+    </a:clrScheme>
+    <a:fontScheme name="Crop">
+      <a:majorFont>
+        <a:latin typeface="Franklin Gothic Book" panose="020B0503020102020204"/>
+        <a:ea typeface=""/>
+        <a:cs typeface=""/>
+      </a:majorFont>
+      <a:minorFont>
+        <a:latin typeface="Franklin Gothic Book" panose="020B0503020102020204"/>
+        <a:ea typeface=""/>
+        <a:cs typeface=""/>
+      </a:minorFont>
+    </a:fontScheme>
+    <a:fmtScheme name="Crop">
+      <a:fillStyleLst>
+        <a:solidFill>
+          <a:schemeClr val="phClr"/>
+        </a:solidFill>
+        <a:gradFill rotWithShape="1">
+          <a:gsLst>
+            <a:gs pos="0">
+              <a:schemeClr val="phClr">
+                <a:tint val="67000"/>
+                <a:satMod val="105000"/>
+                <a:lumMod val="110000"/>
+              </a:schemeClr>
+            </a:gs>
+            <a:gs pos="50000">
+              <a:schemeClr val="phClr">
+                <a:tint val="73000"/>
+                <a:satMod val="103000"/>
+                <a:lumMod val="105000"/>
+              </a:schemeClr>
+            </a:gs>
+            <a:gs pos="100000">
+              <a:schemeClr val="phClr">
+                <a:tint val="81000"/>
+                <a:satMod val="109000"/>
+                <a:lumMod val="105000"/>
+              </a:schemeClr>
+            </a:gs>
+          </a:gsLst>
+          <a:lin ang="5400000" scaled="0"/>
+        </a:gradFill>
+        <a:gradFill rotWithShape="1">
+          <a:gsLst>
+            <a:gs pos="0">
+              <a:schemeClr val="phClr">
+                <a:tint val="94000"/>
+                <a:satMod val="103000"/>
+                <a:lumMod val="102000"/>
+              </a:schemeClr>
+            </a:gs>
+            <a:gs pos="50000">
+              <a:schemeClr val="phClr">
+                <a:shade val="100000"/>
+                <a:satMod val="110000"/>
+                <a:lumMod val="100000"/>
+              </a:schemeClr>
+            </a:gs>
+            <a:gs pos="100000">
+              <a:schemeClr val="phClr">
+                <a:shade val="78000"/>
+                <a:satMod val="120000"/>
+                <a:lumMod val="99000"/>
+              </a:schemeClr>
+            </a:gs>
+          </a:gsLst>
+          <a:lin ang="5400000" scaled="0"/>
+        </a:gradFill>
+      </a:fillStyleLst>
+      <a:lnStyleLst>
+        <a:ln w="6350" cap="flat" cmpd="sng" algn="in">
+          <a:solidFill>
+            <a:schemeClr val="phClr"/>
+          </a:solidFill>
+          <a:prstDash val="solid"/>
+        </a:ln>
+        <a:ln w="34925" cap="flat" cmpd="sng" algn="in">
+          <a:solidFill>
+            <a:schemeClr val="phClr"/>
+          </a:solidFill>
+          <a:prstDash val="solid"/>
+        </a:ln>
+        <a:ln w="19050" cap="flat" cmpd="sng" algn="in">
+          <a:solidFill>
+            <a:schemeClr val="phClr"/>
+          </a:solidFill>
+          <a:prstDash val="solid"/>
+        </a:ln>
+      </a:lnStyleLst>
+      <a:effectStyleLst>
+        <a:effectStyle>
+          <a:effectLst/>
+        </a:effectStyle>
+        <a:effectStyle>
+          <a:effectLst/>
+        </a:effectStyle>
+        <a:effectStyle>
+          <a:effectLst>
+            <a:outerShdw blurRad="57150" dist="19050" dir="5400000" algn="ctr" rotWithShape="0">
+              <a:srgbClr val="000000">
+                <a:alpha val="35000"/>
+              </a:srgbClr>
+            </a:outerShdw>
+          </a:effectLst>
+        </a:effectStyle>
+      </a:effectStyleLst>
+      <a:bgFillStyleLst>
+        <a:solidFill>
+          <a:schemeClr val="phClr"/>
+        </a:solidFill>
+        <a:solidFill>
+          <a:schemeClr val="phClr">
+            <a:tint val="95000"/>
+            <a:satMod val="170000"/>
+          </a:schemeClr>
+        </a:solidFill>
+        <a:gradFill rotWithShape="1">
+          <a:gsLst>
+            <a:gs pos="0">
+              <a:schemeClr val="phClr">
+                <a:tint val="93000"/>
+                <a:shade val="98000"/>
+                <a:satMod val="150000"/>
+                <a:lumMod val="102000"/>
+              </a:schemeClr>
+            </a:gs>
+            <a:gs pos="50000">
+              <a:schemeClr val="phClr">
+                <a:tint val="98000"/>
+                <a:shade val="90000"/>
+                <a:satMod val="130000"/>
+                <a:lumMod val="103000"/>
+              </a:schemeClr>
+            </a:gs>
+            <a:gs pos="100000">
+              <a:schemeClr val="phClr">
+                <a:shade val="63000"/>
+                <a:satMod val="120000"/>
+              </a:schemeClr>
+            </a:gs>
+          </a:gsLst>
+          <a:lin ang="5400000" scaled="0"/>
+        </a:gradFill>
+      </a:bgFillStyleLst>
+    </a:fmtScheme>
+  </a:themeElements>
+  <a:objectDefaults/>
+  <a:extraClrSchemeLst/>
+  <a:extLst>
+    <a:ext uri="{05A4C25C-085E-4340-85A3-A5531E510DB2}">
+      <thm15:themeFamily xmlns:thm15="http://schemas.microsoft.com/office/thememl/2012/main" name="tablet" id="{6B5697A5-2352-164F-88C9-F4A7AD5A0085}" vid="{BE539F0E-AD3C-3E45-83C0-566ADEB3BDB5}"/>
+    </a:ext>
+  </a:extLst>
+</a:theme>
+</file>
+
+<file path=ppt/theme/theme5.xml><?xml version="1.0" encoding="utf-8"?>
 <a:theme xmlns:a="http://schemas.openxmlformats.org/drawingml/2006/main" name="Office Theme">
   <a:themeElements>
     <a:clrScheme name="Office">
@@ -11324,7 +18955,7 @@
 </a:theme>
 </file>
 
-<file path=ppt/theme/theme4.xml><?xml version="1.0" encoding="utf-8"?>
+<file path=ppt/theme/theme6.xml><?xml version="1.0" encoding="utf-8"?>
 <a:theme xmlns:a="http://schemas.openxmlformats.org/drawingml/2006/main" name="Office Theme">
   <a:themeElements>
     <a:clrScheme name="Office">
